--- a/Sem 2/Wireless Network and Mobile Computing/Seminar/SigFox.pptx
+++ b/Sem 2/Wireless Network and Mobile Computing/Seminar/SigFox.pptx
@@ -4,6 +4,9 @@
   <p:sldMasterIdLst>
     <p:sldMasterId id="2147483861" r:id="rId1"/>
   </p:sldMasterIdLst>
+  <p:notesMasterIdLst>
+    <p:notesMasterId r:id="rId24"/>
+  </p:notesMasterIdLst>
   <p:sldIdLst>
     <p:sldId id="268" r:id="rId2"/>
     <p:sldId id="257" r:id="rId3"/>
@@ -3032,6 +3035,975 @@
     </pc:docChg>
   </pc:docChgLst>
   <pc:docChgLst>
+    <pc:chgData name="nihar sodha" userId="43319efa11809d55" providerId="Windows Live" clId="Web-{DC473B64-D181-433F-BF45-7ECC970F09FC}"/>
+    <pc:docChg chg="addSld delSld modSld sldOrd addMainMaster delMainMaster modMainMaster">
+      <pc:chgData name="nihar sodha" userId="43319efa11809d55" providerId="Windows Live" clId="Web-{DC473B64-D181-433F-BF45-7ECC970F09FC}" dt="2023-02-11T20:02:46.132" v="432"/>
+      <pc:docMkLst>
+        <pc:docMk/>
+      </pc:docMkLst>
+      <pc:sldChg chg="addSp delSp modSp mod setBg modClrScheme chgLayout">
+        <pc:chgData name="nihar sodha" userId="43319efa11809d55" providerId="Windows Live" clId="Web-{DC473B64-D181-433F-BF45-7ECC970F09FC}" dt="2023-02-11T20:00:11.939" v="408" actId="20577"/>
+        <pc:sldMkLst>
+          <pc:docMk/>
+          <pc:sldMk cId="1134349380" sldId="257"/>
+        </pc:sldMkLst>
+        <pc:spChg chg="mod ord">
+          <ac:chgData name="nihar sodha" userId="43319efa11809d55" providerId="Windows Live" clId="Web-{DC473B64-D181-433F-BF45-7ECC970F09FC}" dt="2023-02-11T20:00:11.939" v="408" actId="20577"/>
+          <ac:spMkLst>
+            <pc:docMk/>
+            <pc:sldMk cId="1134349380" sldId="257"/>
+            <ac:spMk id="2" creationId="{BBA54379-9D51-D68E-F4A2-C329B2CB0E55}"/>
+          </ac:spMkLst>
+        </pc:spChg>
+        <pc:spChg chg="mod ord">
+          <ac:chgData name="nihar sodha" userId="43319efa11809d55" providerId="Windows Live" clId="Web-{DC473B64-D181-433F-BF45-7ECC970F09FC}" dt="2023-02-11T18:55:12.926" v="24"/>
+          <ac:spMkLst>
+            <pc:docMk/>
+            <pc:sldMk cId="1134349380" sldId="257"/>
+            <ac:spMk id="3" creationId="{55D5353D-181E-519B-C329-1D926B06587E}"/>
+          </ac:spMkLst>
+        </pc:spChg>
+        <pc:spChg chg="add del">
+          <ac:chgData name="nihar sodha" userId="43319efa11809d55" providerId="Windows Live" clId="Web-{DC473B64-D181-433F-BF45-7ECC970F09FC}" dt="2023-02-11T18:54:16.111" v="13"/>
+          <ac:spMkLst>
+            <pc:docMk/>
+            <pc:sldMk cId="1134349380" sldId="257"/>
+            <ac:spMk id="10" creationId="{59A309A7-1751-4ABE-A3C1-EEC40366AD89}"/>
+          </ac:spMkLst>
+        </pc:spChg>
+        <pc:spChg chg="add del">
+          <ac:chgData name="nihar sodha" userId="43319efa11809d55" providerId="Windows Live" clId="Web-{DC473B64-D181-433F-BF45-7ECC970F09FC}" dt="2023-02-11T18:54:16.111" v="13"/>
+          <ac:spMkLst>
+            <pc:docMk/>
+            <pc:sldMk cId="1134349380" sldId="257"/>
+            <ac:spMk id="12" creationId="{967D8EB6-EAE1-4F9C-B398-83321E287204}"/>
+          </ac:spMkLst>
+        </pc:spChg>
+        <pc:spChg chg="add del">
+          <ac:chgData name="nihar sodha" userId="43319efa11809d55" providerId="Windows Live" clId="Web-{DC473B64-D181-433F-BF45-7ECC970F09FC}" dt="2023-02-11T18:54:33.362" v="17"/>
+          <ac:spMkLst>
+            <pc:docMk/>
+            <pc:sldMk cId="1134349380" sldId="257"/>
+            <ac:spMk id="13" creationId="{45D37F4E-DDB4-456B-97E0-9937730A039F}"/>
+          </ac:spMkLst>
+        </pc:spChg>
+        <pc:spChg chg="add del">
+          <ac:chgData name="nihar sodha" userId="43319efa11809d55" providerId="Windows Live" clId="Web-{DC473B64-D181-433F-BF45-7ECC970F09FC}" dt="2023-02-11T18:54:33.362" v="17"/>
+          <ac:spMkLst>
+            <pc:docMk/>
+            <pc:sldMk cId="1134349380" sldId="257"/>
+            <ac:spMk id="14" creationId="{B2DD41CD-8F47-4F56-AD12-4E2FF7696987}"/>
+          </ac:spMkLst>
+        </pc:spChg>
+        <pc:spChg chg="add del">
+          <ac:chgData name="nihar sodha" userId="43319efa11809d55" providerId="Windows Live" clId="Web-{DC473B64-D181-433F-BF45-7ECC970F09FC}" dt="2023-02-11T18:55:10.332" v="23"/>
+          <ac:spMkLst>
+            <pc:docMk/>
+            <pc:sldMk cId="1134349380" sldId="257"/>
+            <ac:spMk id="16" creationId="{3346177D-ADC4-4968-B747-5CFCD390B5B9}"/>
+          </ac:spMkLst>
+        </pc:spChg>
+        <pc:spChg chg="add del">
+          <ac:chgData name="nihar sodha" userId="43319efa11809d55" providerId="Windows Live" clId="Web-{DC473B64-D181-433F-BF45-7ECC970F09FC}" dt="2023-02-11T18:55:10.332" v="23"/>
+          <ac:spMkLst>
+            <pc:docMk/>
+            <pc:sldMk cId="1134349380" sldId="257"/>
+            <ac:spMk id="17" creationId="{0844A943-BF79-4FEA-ABB1-3BD54D236606}"/>
+          </ac:spMkLst>
+        </pc:spChg>
+        <pc:spChg chg="add del">
+          <ac:chgData name="nihar sodha" userId="43319efa11809d55" providerId="Windows Live" clId="Web-{DC473B64-D181-433F-BF45-7ECC970F09FC}" dt="2023-02-11T18:55:10.332" v="23"/>
+          <ac:spMkLst>
+            <pc:docMk/>
+            <pc:sldMk cId="1134349380" sldId="257"/>
+            <ac:spMk id="18" creationId="{6437CC72-F4A8-4DC3-AFAB-D22C482C8100}"/>
+          </ac:spMkLst>
+        </pc:spChg>
+        <pc:picChg chg="mod">
+          <ac:chgData name="nihar sodha" userId="43319efa11809d55" providerId="Windows Live" clId="Web-{DC473B64-D181-433F-BF45-7ECC970F09FC}" dt="2023-02-11T18:55:46.177" v="25" actId="1076"/>
+          <ac:picMkLst>
+            <pc:docMk/>
+            <pc:sldMk cId="1134349380" sldId="257"/>
+            <ac:picMk id="4" creationId="{F85B03BA-FE28-92E9-A52D-F2FBD065EDCC}"/>
+          </ac:picMkLst>
+        </pc:picChg>
+      </pc:sldChg>
+      <pc:sldChg chg="addSp delSp modSp del mod setBg modClrScheme delDesignElem chgLayout">
+        <pc:chgData name="nihar sodha" userId="43319efa11809d55" providerId="Windows Live" clId="Web-{DC473B64-D181-433F-BF45-7ECC970F09FC}" dt="2023-02-11T19:54:50.678" v="318"/>
+        <pc:sldMkLst>
+          <pc:docMk/>
+          <pc:sldMk cId="3893654544" sldId="259"/>
+        </pc:sldMkLst>
+        <pc:spChg chg="mod ord">
+          <ac:chgData name="nihar sodha" userId="43319efa11809d55" providerId="Windows Live" clId="Web-{DC473B64-D181-433F-BF45-7ECC970F09FC}" dt="2023-02-11T18:55:12.926" v="24"/>
+          <ac:spMkLst>
+            <pc:docMk/>
+            <pc:sldMk cId="3893654544" sldId="259"/>
+            <ac:spMk id="2" creationId="{1B1D6427-3E2B-F436-693B-1A057F0B0D45}"/>
+          </ac:spMkLst>
+        </pc:spChg>
+        <pc:spChg chg="mod ord">
+          <ac:chgData name="nihar sodha" userId="43319efa11809d55" providerId="Windows Live" clId="Web-{DC473B64-D181-433F-BF45-7ECC970F09FC}" dt="2023-02-11T18:55:12.926" v="24"/>
+          <ac:spMkLst>
+            <pc:docMk/>
+            <pc:sldMk cId="3893654544" sldId="259"/>
+            <ac:spMk id="3" creationId="{60F90B44-F2EE-5385-94A4-83E8FE08C379}"/>
+          </ac:spMkLst>
+        </pc:spChg>
+        <pc:spChg chg="add del">
+          <ac:chgData name="nihar sodha" userId="43319efa11809d55" providerId="Windows Live" clId="Web-{DC473B64-D181-433F-BF45-7ECC970F09FC}" dt="2023-02-11T18:55:12.926" v="24"/>
+          <ac:spMkLst>
+            <pc:docMk/>
+            <pc:sldMk cId="3893654544" sldId="259"/>
+            <ac:spMk id="8" creationId="{411BE1D3-B675-4947-B4E3-14B8DC93FB2C}"/>
+          </ac:spMkLst>
+        </pc:spChg>
+        <pc:spChg chg="add del">
+          <ac:chgData name="nihar sodha" userId="43319efa11809d55" providerId="Windows Live" clId="Web-{DC473B64-D181-433F-BF45-7ECC970F09FC}" dt="2023-02-11T18:55:12.926" v="24"/>
+          <ac:spMkLst>
+            <pc:docMk/>
+            <pc:sldMk cId="3893654544" sldId="259"/>
+            <ac:spMk id="10" creationId="{D2D8651B-6FCC-49D7-B6F8-AF869E89F04C}"/>
+          </ac:spMkLst>
+        </pc:spChg>
+        <pc:spChg chg="add del">
+          <ac:chgData name="nihar sodha" userId="43319efa11809d55" providerId="Windows Live" clId="Web-{DC473B64-D181-433F-BF45-7ECC970F09FC}" dt="2023-02-11T18:55:12.926" v="24"/>
+          <ac:spMkLst>
+            <pc:docMk/>
+            <pc:sldMk cId="3893654544" sldId="259"/>
+            <ac:spMk id="12" creationId="{B27DF924-CC1B-431A-A8F3-7FEBCA1AF9A5}"/>
+          </ac:spMkLst>
+        </pc:spChg>
+        <pc:grpChg chg="add del">
+          <ac:chgData name="nihar sodha" userId="43319efa11809d55" providerId="Windows Live" clId="Web-{DC473B64-D181-433F-BF45-7ECC970F09FC}" dt="2023-02-11T18:55:12.926" v="24"/>
+          <ac:grpSpMkLst>
+            <pc:docMk/>
+            <pc:sldMk cId="3893654544" sldId="259"/>
+            <ac:grpSpMk id="14" creationId="{2C13C5A7-AC21-48FA-A06F-6A7F303BC3CD}"/>
+          </ac:grpSpMkLst>
+        </pc:grpChg>
+      </pc:sldChg>
+      <pc:sldChg chg="modSp mod modClrScheme chgLayout">
+        <pc:chgData name="nihar sodha" userId="43319efa11809d55" providerId="Windows Live" clId="Web-{DC473B64-D181-433F-BF45-7ECC970F09FC}" dt="2023-02-11T20:00:27.346" v="409" actId="20577"/>
+        <pc:sldMkLst>
+          <pc:docMk/>
+          <pc:sldMk cId="1869908146" sldId="260"/>
+        </pc:sldMkLst>
+        <pc:spChg chg="mod ord">
+          <ac:chgData name="nihar sodha" userId="43319efa11809d55" providerId="Windows Live" clId="Web-{DC473B64-D181-433F-BF45-7ECC970F09FC}" dt="2023-02-11T20:00:27.346" v="409" actId="20577"/>
+          <ac:spMkLst>
+            <pc:docMk/>
+            <pc:sldMk cId="1869908146" sldId="260"/>
+            <ac:spMk id="2" creationId="{BBA54379-9D51-D68E-F4A2-C329B2CB0E55}"/>
+          </ac:spMkLst>
+        </pc:spChg>
+        <pc:spChg chg="mod ord">
+          <ac:chgData name="nihar sodha" userId="43319efa11809d55" providerId="Windows Live" clId="Web-{DC473B64-D181-433F-BF45-7ECC970F09FC}" dt="2023-02-11T18:55:12.926" v="24"/>
+          <ac:spMkLst>
+            <pc:docMk/>
+            <pc:sldMk cId="1869908146" sldId="260"/>
+            <ac:spMk id="3" creationId="{55D5353D-181E-519B-C329-1D926B06587E}"/>
+          </ac:spMkLst>
+        </pc:spChg>
+      </pc:sldChg>
+      <pc:sldChg chg="delSp modSp mod modClrScheme chgLayout">
+        <pc:chgData name="nihar sodha" userId="43319efa11809d55" providerId="Windows Live" clId="Web-{DC473B64-D181-433F-BF45-7ECC970F09FC}" dt="2023-02-11T20:00:32.987" v="410" actId="20577"/>
+        <pc:sldMkLst>
+          <pc:docMk/>
+          <pc:sldMk cId="3350871167" sldId="261"/>
+        </pc:sldMkLst>
+        <pc:spChg chg="mod ord">
+          <ac:chgData name="nihar sodha" userId="43319efa11809d55" providerId="Windows Live" clId="Web-{DC473B64-D181-433F-BF45-7ECC970F09FC}" dt="2023-02-11T20:00:32.987" v="410" actId="20577"/>
+          <ac:spMkLst>
+            <pc:docMk/>
+            <pc:sldMk cId="3350871167" sldId="261"/>
+            <ac:spMk id="2" creationId="{D6B2907B-1D18-08D8-2A41-CEB73F7F8AC8}"/>
+          </ac:spMkLst>
+        </pc:spChg>
+        <pc:spChg chg="mod ord">
+          <ac:chgData name="nihar sodha" userId="43319efa11809d55" providerId="Windows Live" clId="Web-{DC473B64-D181-433F-BF45-7ECC970F09FC}" dt="2023-02-11T19:02:04.065" v="70"/>
+          <ac:spMkLst>
+            <pc:docMk/>
+            <pc:sldMk cId="3350871167" sldId="261"/>
+            <ac:spMk id="6" creationId="{30127F64-E611-F90F-E8F2-0E76AC1AFE3F}"/>
+          </ac:spMkLst>
+        </pc:spChg>
+        <pc:spChg chg="del mod ord">
+          <ac:chgData name="nihar sodha" userId="43319efa11809d55" providerId="Windows Live" clId="Web-{DC473B64-D181-433F-BF45-7ECC970F09FC}" dt="2023-02-11T19:02:04.065" v="70"/>
+          <ac:spMkLst>
+            <pc:docMk/>
+            <pc:sldMk cId="3350871167" sldId="261"/>
+            <ac:spMk id="8" creationId="{B2D91E10-ECE9-3692-0756-CD871AAD3BCF}"/>
+          </ac:spMkLst>
+        </pc:spChg>
+      </pc:sldChg>
+      <pc:sldChg chg="modSp mod ord modClrScheme chgLayout">
+        <pc:chgData name="nihar sodha" userId="43319efa11809d55" providerId="Windows Live" clId="Web-{DC473B64-D181-433F-BF45-7ECC970F09FC}" dt="2023-02-11T20:00:39.377" v="411" actId="20577"/>
+        <pc:sldMkLst>
+          <pc:docMk/>
+          <pc:sldMk cId="3073798839" sldId="262"/>
+        </pc:sldMkLst>
+        <pc:spChg chg="mod ord">
+          <ac:chgData name="nihar sodha" userId="43319efa11809d55" providerId="Windows Live" clId="Web-{DC473B64-D181-433F-BF45-7ECC970F09FC}" dt="2023-02-11T20:00:39.377" v="411" actId="20577"/>
+          <ac:spMkLst>
+            <pc:docMk/>
+            <pc:sldMk cId="3073798839" sldId="262"/>
+            <ac:spMk id="2" creationId="{02A31899-0721-B0CE-F49E-5F9B50E84CC7}"/>
+          </ac:spMkLst>
+        </pc:spChg>
+        <pc:spChg chg="mod ord">
+          <ac:chgData name="nihar sodha" userId="43319efa11809d55" providerId="Windows Live" clId="Web-{DC473B64-D181-433F-BF45-7ECC970F09FC}" dt="2023-02-11T18:55:12.926" v="24"/>
+          <ac:spMkLst>
+            <pc:docMk/>
+            <pc:sldMk cId="3073798839" sldId="262"/>
+            <ac:spMk id="3" creationId="{1E699561-9B0F-621D-711C-2E854011BCF1}"/>
+          </ac:spMkLst>
+        </pc:spChg>
+      </pc:sldChg>
+      <pc:sldChg chg="modSp mod modClrScheme chgLayout">
+        <pc:chgData name="nihar sodha" userId="43319efa11809d55" providerId="Windows Live" clId="Web-{DC473B64-D181-433F-BF45-7ECC970F09FC}" dt="2023-02-11T20:00:47.034" v="412" actId="20577"/>
+        <pc:sldMkLst>
+          <pc:docMk/>
+          <pc:sldMk cId="2975073842" sldId="263"/>
+        </pc:sldMkLst>
+        <pc:spChg chg="mod ord">
+          <ac:chgData name="nihar sodha" userId="43319efa11809d55" providerId="Windows Live" clId="Web-{DC473B64-D181-433F-BF45-7ECC970F09FC}" dt="2023-02-11T20:00:47.034" v="412" actId="20577"/>
+          <ac:spMkLst>
+            <pc:docMk/>
+            <pc:sldMk cId="2975073842" sldId="263"/>
+            <ac:spMk id="2" creationId="{F6EB8F98-C85A-54B6-39EA-5ED66C01A2A1}"/>
+          </ac:spMkLst>
+        </pc:spChg>
+        <pc:picChg chg="mod modCrop">
+          <ac:chgData name="nihar sodha" userId="43319efa11809d55" providerId="Windows Live" clId="Web-{DC473B64-D181-433F-BF45-7ECC970F09FC}" dt="2023-02-11T19:13:05.351" v="150" actId="14100"/>
+          <ac:picMkLst>
+            <pc:docMk/>
+            <pc:sldMk cId="2975073842" sldId="263"/>
+            <ac:picMk id="5" creationId="{41ED2ACA-0AE9-5BD9-EB9B-138A1A573AA3}"/>
+          </ac:picMkLst>
+        </pc:picChg>
+      </pc:sldChg>
+      <pc:sldChg chg="addSp delSp modSp mod ord setBg modClrScheme chgLayout">
+        <pc:chgData name="nihar sodha" userId="43319efa11809d55" providerId="Windows Live" clId="Web-{DC473B64-D181-433F-BF45-7ECC970F09FC}" dt="2023-02-11T20:00:54.394" v="413" actId="20577"/>
+        <pc:sldMkLst>
+          <pc:docMk/>
+          <pc:sldMk cId="3458061940" sldId="264"/>
+        </pc:sldMkLst>
+        <pc:spChg chg="mod ord">
+          <ac:chgData name="nihar sodha" userId="43319efa11809d55" providerId="Windows Live" clId="Web-{DC473B64-D181-433F-BF45-7ECC970F09FC}" dt="2023-02-11T20:00:54.394" v="413" actId="20577"/>
+          <ac:spMkLst>
+            <pc:docMk/>
+            <pc:sldMk cId="3458061940" sldId="264"/>
+            <ac:spMk id="2" creationId="{F5456C85-8A0B-12E0-05BB-D9DAD1AA3698}"/>
+          </ac:spMkLst>
+        </pc:spChg>
+        <pc:spChg chg="mod ord">
+          <ac:chgData name="nihar sodha" userId="43319efa11809d55" providerId="Windows Live" clId="Web-{DC473B64-D181-433F-BF45-7ECC970F09FC}" dt="2023-02-11T19:51:25.328" v="314" actId="20577"/>
+          <ac:spMkLst>
+            <pc:docMk/>
+            <pc:sldMk cId="3458061940" sldId="264"/>
+            <ac:spMk id="3" creationId="{675753D2-3643-2B52-9E7E-2ADB5D8C12FD}"/>
+          </ac:spMkLst>
+        </pc:spChg>
+        <pc:spChg chg="add del mod ord">
+          <ac:chgData name="nihar sodha" userId="43319efa11809d55" providerId="Windows Live" clId="Web-{DC473B64-D181-433F-BF45-7ECC970F09FC}" dt="2023-02-11T18:57:53.916" v="37"/>
+          <ac:spMkLst>
+            <pc:docMk/>
+            <pc:sldMk cId="3458061940" sldId="264"/>
+            <ac:spMk id="4" creationId="{6569037F-EC22-3168-C277-1E6C32D90C08}"/>
+          </ac:spMkLst>
+        </pc:spChg>
+        <pc:spChg chg="add">
+          <ac:chgData name="nihar sodha" userId="43319efa11809d55" providerId="Windows Live" clId="Web-{DC473B64-D181-433F-BF45-7ECC970F09FC}" dt="2023-02-11T18:59:58.295" v="54"/>
+          <ac:spMkLst>
+            <pc:docMk/>
+            <pc:sldMk cId="3458061940" sldId="264"/>
+            <ac:spMk id="43" creationId="{63BAC6E0-ADAC-40FB-AF53-88FA5F83738C}"/>
+          </ac:spMkLst>
+        </pc:spChg>
+        <pc:spChg chg="add">
+          <ac:chgData name="nihar sodha" userId="43319efa11809d55" providerId="Windows Live" clId="Web-{DC473B64-D181-433F-BF45-7ECC970F09FC}" dt="2023-02-11T18:59:58.295" v="54"/>
+          <ac:spMkLst>
+            <pc:docMk/>
+            <pc:sldMk cId="3458061940" sldId="264"/>
+            <ac:spMk id="45" creationId="{92B0CFF1-78D7-4A83-A95E-71F9E3831622}"/>
+          </ac:spMkLst>
+        </pc:spChg>
+        <pc:spChg chg="add">
+          <ac:chgData name="nihar sodha" userId="43319efa11809d55" providerId="Windows Live" clId="Web-{DC473B64-D181-433F-BF45-7ECC970F09FC}" dt="2023-02-11T18:59:58.295" v="54"/>
+          <ac:spMkLst>
+            <pc:docMk/>
+            <pc:sldMk cId="3458061940" sldId="264"/>
+            <ac:spMk id="80" creationId="{17D11638-D7E0-4D85-B1A6-AF57358C80C3}"/>
+          </ac:spMkLst>
+        </pc:spChg>
+        <pc:grpChg chg="add">
+          <ac:chgData name="nihar sodha" userId="43319efa11809d55" providerId="Windows Live" clId="Web-{DC473B64-D181-433F-BF45-7ECC970F09FC}" dt="2023-02-11T18:59:58.295" v="54"/>
+          <ac:grpSpMkLst>
+            <pc:docMk/>
+            <pc:sldMk cId="3458061940" sldId="264"/>
+            <ac:grpSpMk id="10" creationId="{BDF0D99C-5D42-41C6-A50C-C4E2D6B2A36E}"/>
+          </ac:grpSpMkLst>
+        </pc:grpChg>
+        <pc:grpChg chg="add">
+          <ac:chgData name="nihar sodha" userId="43319efa11809d55" providerId="Windows Live" clId="Web-{DC473B64-D181-433F-BF45-7ECC970F09FC}" dt="2023-02-11T18:59:58.295" v="54"/>
+          <ac:grpSpMkLst>
+            <pc:docMk/>
+            <pc:sldMk cId="3458061940" sldId="264"/>
+            <ac:grpSpMk id="47" creationId="{4B74A58D-C788-4F75-B5D1-921E78FF29A7}"/>
+          </ac:grpSpMkLst>
+        </pc:grpChg>
+        <pc:picChg chg="add mod ord">
+          <ac:chgData name="nihar sodha" userId="43319efa11809d55" providerId="Windows Live" clId="Web-{DC473B64-D181-433F-BF45-7ECC970F09FC}" dt="2023-02-11T19:49:47.840" v="298" actId="14100"/>
+          <ac:picMkLst>
+            <pc:docMk/>
+            <pc:sldMk cId="3458061940" sldId="264"/>
+            <ac:picMk id="5" creationId="{201218E7-9B43-0809-98D5-8A5F69507F92}"/>
+          </ac:picMkLst>
+        </pc:picChg>
+      </pc:sldChg>
+      <pc:sldChg chg="modSp add replId">
+        <pc:chgData name="nihar sodha" userId="43319efa11809d55" providerId="Windows Live" clId="Web-{DC473B64-D181-433F-BF45-7ECC970F09FC}" dt="2023-02-11T20:00:59.269" v="414" actId="20577"/>
+        <pc:sldMkLst>
+          <pc:docMk/>
+          <pc:sldMk cId="2197057432" sldId="265"/>
+        </pc:sldMkLst>
+        <pc:spChg chg="mod">
+          <ac:chgData name="nihar sodha" userId="43319efa11809d55" providerId="Windows Live" clId="Web-{DC473B64-D181-433F-BF45-7ECC970F09FC}" dt="2023-02-11T20:00:59.269" v="414" actId="20577"/>
+          <ac:spMkLst>
+            <pc:docMk/>
+            <pc:sldMk cId="2197057432" sldId="265"/>
+            <ac:spMk id="2" creationId="{F5456C85-8A0B-12E0-05BB-D9DAD1AA3698}"/>
+          </ac:spMkLst>
+        </pc:spChg>
+        <pc:spChg chg="mod">
+          <ac:chgData name="nihar sodha" userId="43319efa11809d55" providerId="Windows Live" clId="Web-{DC473B64-D181-433F-BF45-7ECC970F09FC}" dt="2023-02-11T19:51:15.921" v="312" actId="20577"/>
+          <ac:spMkLst>
+            <pc:docMk/>
+            <pc:sldMk cId="2197057432" sldId="265"/>
+            <ac:spMk id="3" creationId="{675753D2-3643-2B52-9E7E-2ADB5D8C12FD}"/>
+          </ac:spMkLst>
+        </pc:spChg>
+        <pc:picChg chg="mod">
+          <ac:chgData name="nihar sodha" userId="43319efa11809d55" providerId="Windows Live" clId="Web-{DC473B64-D181-433F-BF45-7ECC970F09FC}" dt="2023-02-11T19:50:52.170" v="309" actId="14100"/>
+          <ac:picMkLst>
+            <pc:docMk/>
+            <pc:sldMk cId="2197057432" sldId="265"/>
+            <ac:picMk id="5" creationId="{201218E7-9B43-0809-98D5-8A5F69507F92}"/>
+          </ac:picMkLst>
+        </pc:picChg>
+      </pc:sldChg>
+      <pc:sldChg chg="modSp add replId">
+        <pc:chgData name="nihar sodha" userId="43319efa11809d55" providerId="Windows Live" clId="Web-{DC473B64-D181-433F-BF45-7ECC970F09FC}" dt="2023-02-11T20:01:05.050" v="415" actId="20577"/>
+        <pc:sldMkLst>
+          <pc:docMk/>
+          <pc:sldMk cId="2124351151" sldId="266"/>
+        </pc:sldMkLst>
+        <pc:spChg chg="mod">
+          <ac:chgData name="nihar sodha" userId="43319efa11809d55" providerId="Windows Live" clId="Web-{DC473B64-D181-433F-BF45-7ECC970F09FC}" dt="2023-02-11T20:01:05.050" v="415" actId="20577"/>
+          <ac:spMkLst>
+            <pc:docMk/>
+            <pc:sldMk cId="2124351151" sldId="266"/>
+            <ac:spMk id="2" creationId="{F5456C85-8A0B-12E0-05BB-D9DAD1AA3698}"/>
+          </ac:spMkLst>
+        </pc:spChg>
+        <pc:spChg chg="mod">
+          <ac:chgData name="nihar sodha" userId="43319efa11809d55" providerId="Windows Live" clId="Web-{DC473B64-D181-433F-BF45-7ECC970F09FC}" dt="2023-02-11T19:50:35.138" v="307" actId="20577"/>
+          <ac:spMkLst>
+            <pc:docMk/>
+            <pc:sldMk cId="2124351151" sldId="266"/>
+            <ac:spMk id="3" creationId="{675753D2-3643-2B52-9E7E-2ADB5D8C12FD}"/>
+          </ac:spMkLst>
+        </pc:spChg>
+        <pc:picChg chg="mod modCrop">
+          <ac:chgData name="nihar sodha" userId="43319efa11809d55" providerId="Windows Live" clId="Web-{DC473B64-D181-433F-BF45-7ECC970F09FC}" dt="2023-02-11T19:50:25.591" v="302" actId="14100"/>
+          <ac:picMkLst>
+            <pc:docMk/>
+            <pc:sldMk cId="2124351151" sldId="266"/>
+            <ac:picMk id="5" creationId="{201218E7-9B43-0809-98D5-8A5F69507F92}"/>
+          </ac:picMkLst>
+        </pc:picChg>
+      </pc:sldChg>
+      <pc:sldChg chg="modSp add replId">
+        <pc:chgData name="nihar sodha" userId="43319efa11809d55" providerId="Windows Live" clId="Web-{DC473B64-D181-433F-BF45-7ECC970F09FC}" dt="2023-02-11T20:01:10.285" v="416" actId="20577"/>
+        <pc:sldMkLst>
+          <pc:docMk/>
+          <pc:sldMk cId="588443178" sldId="267"/>
+        </pc:sldMkLst>
+        <pc:spChg chg="mod">
+          <ac:chgData name="nihar sodha" userId="43319efa11809d55" providerId="Windows Live" clId="Web-{DC473B64-D181-433F-BF45-7ECC970F09FC}" dt="2023-02-11T20:01:10.285" v="416" actId="20577"/>
+          <ac:spMkLst>
+            <pc:docMk/>
+            <pc:sldMk cId="588443178" sldId="267"/>
+            <ac:spMk id="2" creationId="{F5456C85-8A0B-12E0-05BB-D9DAD1AA3698}"/>
+          </ac:spMkLst>
+        </pc:spChg>
+        <pc:spChg chg="mod">
+          <ac:chgData name="nihar sodha" userId="43319efa11809d55" providerId="Windows Live" clId="Web-{DC473B64-D181-433F-BF45-7ECC970F09FC}" dt="2023-02-11T19:51:35.062" v="315" actId="20577"/>
+          <ac:spMkLst>
+            <pc:docMk/>
+            <pc:sldMk cId="588443178" sldId="267"/>
+            <ac:spMk id="3" creationId="{675753D2-3643-2B52-9E7E-2ADB5D8C12FD}"/>
+          </ac:spMkLst>
+        </pc:spChg>
+        <pc:picChg chg="mod">
+          <ac:chgData name="nihar sodha" userId="43319efa11809d55" providerId="Windows Live" clId="Web-{DC473B64-D181-433F-BF45-7ECC970F09FC}" dt="2023-02-11T19:51:46.453" v="317" actId="14100"/>
+          <ac:picMkLst>
+            <pc:docMk/>
+            <pc:sldMk cId="588443178" sldId="267"/>
+            <ac:picMk id="5" creationId="{201218E7-9B43-0809-98D5-8A5F69507F92}"/>
+          </ac:picMkLst>
+        </pc:picChg>
+      </pc:sldChg>
+      <pc:sldChg chg="addSp delSp modSp new mod ord setBg modClrScheme chgLayout">
+        <pc:chgData name="nihar sodha" userId="43319efa11809d55" providerId="Windows Live" clId="Web-{DC473B64-D181-433F-BF45-7ECC970F09FC}" dt="2023-02-11T20:02:46.132" v="432"/>
+        <pc:sldMkLst>
+          <pc:docMk/>
+          <pc:sldMk cId="1965973806" sldId="268"/>
+        </pc:sldMkLst>
+        <pc:spChg chg="mod ord">
+          <ac:chgData name="nihar sodha" userId="43319efa11809d55" providerId="Windows Live" clId="Web-{DC473B64-D181-433F-BF45-7ECC970F09FC}" dt="2023-02-11T20:02:46.132" v="432"/>
+          <ac:spMkLst>
+            <pc:docMk/>
+            <pc:sldMk cId="1965973806" sldId="268"/>
+            <ac:spMk id="2" creationId="{96CEC0F8-632A-CDD6-C0BE-D04BCDB8A989}"/>
+          </ac:spMkLst>
+        </pc:spChg>
+        <pc:spChg chg="mod ord">
+          <ac:chgData name="nihar sodha" userId="43319efa11809d55" providerId="Windows Live" clId="Web-{DC473B64-D181-433F-BF45-7ECC970F09FC}" dt="2023-02-11T20:02:46.132" v="432"/>
+          <ac:spMkLst>
+            <pc:docMk/>
+            <pc:sldMk cId="1965973806" sldId="268"/>
+            <ac:spMk id="3" creationId="{FFCB77F3-CFF4-B8D9-9DD6-4E101FA749AA}"/>
+          </ac:spMkLst>
+        </pc:spChg>
+        <pc:spChg chg="del">
+          <ac:chgData name="nihar sodha" userId="43319efa11809d55" providerId="Windows Live" clId="Web-{DC473B64-D181-433F-BF45-7ECC970F09FC}" dt="2023-02-11T19:55:11.226" v="322"/>
+          <ac:spMkLst>
+            <pc:docMk/>
+            <pc:sldMk cId="1965973806" sldId="268"/>
+            <ac:spMk id="4" creationId="{939D33BC-F94D-700D-9006-F24E53145D17}"/>
+          </ac:spMkLst>
+        </pc:spChg>
+        <pc:spChg chg="add del">
+          <ac:chgData name="nihar sodha" userId="43319efa11809d55" providerId="Windows Live" clId="Web-{DC473B64-D181-433F-BF45-7ECC970F09FC}" dt="2023-02-11T20:02:46.132" v="432"/>
+          <ac:spMkLst>
+            <pc:docMk/>
+            <pc:sldMk cId="1965973806" sldId="268"/>
+            <ac:spMk id="41" creationId="{63BAC6E0-ADAC-40FB-AF53-88FA5F83738C}"/>
+          </ac:spMkLst>
+        </pc:spChg>
+        <pc:spChg chg="add del">
+          <ac:chgData name="nihar sodha" userId="43319efa11809d55" providerId="Windows Live" clId="Web-{DC473B64-D181-433F-BF45-7ECC970F09FC}" dt="2023-02-11T20:02:46.132" v="432"/>
+          <ac:spMkLst>
+            <pc:docMk/>
+            <pc:sldMk cId="1965973806" sldId="268"/>
+            <ac:spMk id="43" creationId="{2FD1FEA2-AFB3-4160-AD46-30A807296446}"/>
+          </ac:spMkLst>
+        </pc:spChg>
+        <pc:spChg chg="add del">
+          <ac:chgData name="nihar sodha" userId="43319efa11809d55" providerId="Windows Live" clId="Web-{DC473B64-D181-433F-BF45-7ECC970F09FC}" dt="2023-02-11T20:02:46.132" v="432"/>
+          <ac:spMkLst>
+            <pc:docMk/>
+            <pc:sldMk cId="1965973806" sldId="268"/>
+            <ac:spMk id="78" creationId="{9AA2BC59-928B-43C3-B9E7-D77D4F3EE7EA}"/>
+          </ac:spMkLst>
+        </pc:spChg>
+        <pc:grpChg chg="add del">
+          <ac:chgData name="nihar sodha" userId="43319efa11809d55" providerId="Windows Live" clId="Web-{DC473B64-D181-433F-BF45-7ECC970F09FC}" dt="2023-02-11T20:02:46.132" v="432"/>
+          <ac:grpSpMkLst>
+            <pc:docMk/>
+            <pc:sldMk cId="1965973806" sldId="268"/>
+            <ac:grpSpMk id="8" creationId="{BDF0D99C-5D42-41C6-A50C-C4E2D6B2A36E}"/>
+          </ac:grpSpMkLst>
+        </pc:grpChg>
+        <pc:grpChg chg="add del">
+          <ac:chgData name="nihar sodha" userId="43319efa11809d55" providerId="Windows Live" clId="Web-{DC473B64-D181-433F-BF45-7ECC970F09FC}" dt="2023-02-11T20:02:46.132" v="432"/>
+          <ac:grpSpMkLst>
+            <pc:docMk/>
+            <pc:sldMk cId="1965973806" sldId="268"/>
+            <ac:grpSpMk id="45" creationId="{514AF8D4-8E5C-4E3A-999F-1FE86654EE48}"/>
+          </ac:grpSpMkLst>
+        </pc:grpChg>
+      </pc:sldChg>
+      <pc:sldMasterChg chg="add del mod setBg addSldLayout delSldLayout modSldLayout">
+        <pc:chgData name="nihar sodha" userId="43319efa11809d55" providerId="Windows Live" clId="Web-{DC473B64-D181-433F-BF45-7ECC970F09FC}" dt="2023-02-11T18:55:12.926" v="24"/>
+        <pc:sldMasterMkLst>
+          <pc:docMk/>
+          <pc:sldMasterMk cId="1716263484" sldId="2147483861"/>
+        </pc:sldMasterMkLst>
+        <pc:sldLayoutChg chg="add del mod">
+          <pc:chgData name="nihar sodha" userId="43319efa11809d55" providerId="Windows Live" clId="Web-{DC473B64-D181-433F-BF45-7ECC970F09FC}" dt="2023-02-11T18:55:12.926" v="24"/>
+          <pc:sldLayoutMkLst>
+            <pc:docMk/>
+            <pc:sldMasterMk cId="1716263484" sldId="2147483861"/>
+            <pc:sldLayoutMk cId="1790492539" sldId="2147483850"/>
+          </pc:sldLayoutMkLst>
+        </pc:sldLayoutChg>
+        <pc:sldLayoutChg chg="add del mod">
+          <pc:chgData name="nihar sodha" userId="43319efa11809d55" providerId="Windows Live" clId="Web-{DC473B64-D181-433F-BF45-7ECC970F09FC}" dt="2023-02-11T18:55:12.926" v="24"/>
+          <pc:sldLayoutMkLst>
+            <pc:docMk/>
+            <pc:sldMasterMk cId="1716263484" sldId="2147483861"/>
+            <pc:sldLayoutMk cId="4108348728" sldId="2147483851"/>
+          </pc:sldLayoutMkLst>
+        </pc:sldLayoutChg>
+        <pc:sldLayoutChg chg="add del mod">
+          <pc:chgData name="nihar sodha" userId="43319efa11809d55" providerId="Windows Live" clId="Web-{DC473B64-D181-433F-BF45-7ECC970F09FC}" dt="2023-02-11T18:55:12.926" v="24"/>
+          <pc:sldLayoutMkLst>
+            <pc:docMk/>
+            <pc:sldMasterMk cId="1716263484" sldId="2147483861"/>
+            <pc:sldLayoutMk cId="3133582096" sldId="2147483852"/>
+          </pc:sldLayoutMkLst>
+        </pc:sldLayoutChg>
+        <pc:sldLayoutChg chg="add del mod">
+          <pc:chgData name="nihar sodha" userId="43319efa11809d55" providerId="Windows Live" clId="Web-{DC473B64-D181-433F-BF45-7ECC970F09FC}" dt="2023-02-11T18:55:12.926" v="24"/>
+          <pc:sldLayoutMkLst>
+            <pc:docMk/>
+            <pc:sldMasterMk cId="1716263484" sldId="2147483861"/>
+            <pc:sldLayoutMk cId="2151429837" sldId="2147483853"/>
+          </pc:sldLayoutMkLst>
+        </pc:sldLayoutChg>
+        <pc:sldLayoutChg chg="add del mod">
+          <pc:chgData name="nihar sodha" userId="43319efa11809d55" providerId="Windows Live" clId="Web-{DC473B64-D181-433F-BF45-7ECC970F09FC}" dt="2023-02-11T18:55:12.926" v="24"/>
+          <pc:sldLayoutMkLst>
+            <pc:docMk/>
+            <pc:sldMasterMk cId="1716263484" sldId="2147483861"/>
+            <pc:sldLayoutMk cId="3757314775" sldId="2147483854"/>
+          </pc:sldLayoutMkLst>
+        </pc:sldLayoutChg>
+        <pc:sldLayoutChg chg="add del mod">
+          <pc:chgData name="nihar sodha" userId="43319efa11809d55" providerId="Windows Live" clId="Web-{DC473B64-D181-433F-BF45-7ECC970F09FC}" dt="2023-02-11T18:55:12.926" v="24"/>
+          <pc:sldLayoutMkLst>
+            <pc:docMk/>
+            <pc:sldMasterMk cId="1716263484" sldId="2147483861"/>
+            <pc:sldLayoutMk cId="1867166395" sldId="2147483855"/>
+          </pc:sldLayoutMkLst>
+        </pc:sldLayoutChg>
+        <pc:sldLayoutChg chg="add del mod">
+          <pc:chgData name="nihar sodha" userId="43319efa11809d55" providerId="Windows Live" clId="Web-{DC473B64-D181-433F-BF45-7ECC970F09FC}" dt="2023-02-11T18:55:12.926" v="24"/>
+          <pc:sldLayoutMkLst>
+            <pc:docMk/>
+            <pc:sldMasterMk cId="1716263484" sldId="2147483861"/>
+            <pc:sldLayoutMk cId="2694787135" sldId="2147483856"/>
+          </pc:sldLayoutMkLst>
+        </pc:sldLayoutChg>
+        <pc:sldLayoutChg chg="add del mod">
+          <pc:chgData name="nihar sodha" userId="43319efa11809d55" providerId="Windows Live" clId="Web-{DC473B64-D181-433F-BF45-7ECC970F09FC}" dt="2023-02-11T18:55:12.926" v="24"/>
+          <pc:sldLayoutMkLst>
+            <pc:docMk/>
+            <pc:sldMasterMk cId="1716263484" sldId="2147483861"/>
+            <pc:sldLayoutMk cId="2560263845" sldId="2147483857"/>
+          </pc:sldLayoutMkLst>
+        </pc:sldLayoutChg>
+        <pc:sldLayoutChg chg="add del mod">
+          <pc:chgData name="nihar sodha" userId="43319efa11809d55" providerId="Windows Live" clId="Web-{DC473B64-D181-433F-BF45-7ECC970F09FC}" dt="2023-02-11T18:55:12.926" v="24"/>
+          <pc:sldLayoutMkLst>
+            <pc:docMk/>
+            <pc:sldMasterMk cId="1716263484" sldId="2147483861"/>
+            <pc:sldLayoutMk cId="1458795528" sldId="2147483858"/>
+          </pc:sldLayoutMkLst>
+        </pc:sldLayoutChg>
+        <pc:sldLayoutChg chg="add del mod">
+          <pc:chgData name="nihar sodha" userId="43319efa11809d55" providerId="Windows Live" clId="Web-{DC473B64-D181-433F-BF45-7ECC970F09FC}" dt="2023-02-11T18:55:12.926" v="24"/>
+          <pc:sldLayoutMkLst>
+            <pc:docMk/>
+            <pc:sldMasterMk cId="1716263484" sldId="2147483861"/>
+            <pc:sldLayoutMk cId="3056281829" sldId="2147483859"/>
+          </pc:sldLayoutMkLst>
+        </pc:sldLayoutChg>
+        <pc:sldLayoutChg chg="add del mod">
+          <pc:chgData name="nihar sodha" userId="43319efa11809d55" providerId="Windows Live" clId="Web-{DC473B64-D181-433F-BF45-7ECC970F09FC}" dt="2023-02-11T18:55:12.926" v="24"/>
+          <pc:sldLayoutMkLst>
+            <pc:docMk/>
+            <pc:sldMasterMk cId="1716263484" sldId="2147483861"/>
+            <pc:sldLayoutMk cId="499461699" sldId="2147483860"/>
+          </pc:sldLayoutMkLst>
+        </pc:sldLayoutChg>
+      </pc:sldMasterChg>
+      <pc:sldMasterChg chg="add del mod setBg addSldLayout delSldLayout modSldLayout">
+        <pc:chgData name="nihar sodha" userId="43319efa11809d55" providerId="Windows Live" clId="Web-{DC473B64-D181-433F-BF45-7ECC970F09FC}" dt="2023-02-11T18:54:16.752" v="14"/>
+        <pc:sldMasterMkLst>
+          <pc:docMk/>
+          <pc:sldMasterMk cId="316097504" sldId="2147483862"/>
+        </pc:sldMasterMkLst>
+        <pc:sldLayoutChg chg="add del mod replId">
+          <pc:chgData name="nihar sodha" userId="43319efa11809d55" providerId="Windows Live" clId="Web-{DC473B64-D181-433F-BF45-7ECC970F09FC}" dt="2023-02-11T18:54:16.752" v="14"/>
+          <pc:sldLayoutMkLst>
+            <pc:docMk/>
+            <pc:sldMasterMk cId="316097504" sldId="2147483862"/>
+            <pc:sldLayoutMk cId="3994940917" sldId="2147483863"/>
+          </pc:sldLayoutMkLst>
+        </pc:sldLayoutChg>
+        <pc:sldLayoutChg chg="add del mod replId">
+          <pc:chgData name="nihar sodha" userId="43319efa11809d55" providerId="Windows Live" clId="Web-{DC473B64-D181-433F-BF45-7ECC970F09FC}" dt="2023-02-11T18:54:16.752" v="14"/>
+          <pc:sldLayoutMkLst>
+            <pc:docMk/>
+            <pc:sldMasterMk cId="316097504" sldId="2147483862"/>
+            <pc:sldLayoutMk cId="3754275606" sldId="2147483864"/>
+          </pc:sldLayoutMkLst>
+        </pc:sldLayoutChg>
+        <pc:sldLayoutChg chg="add del mod replId">
+          <pc:chgData name="nihar sodha" userId="43319efa11809d55" providerId="Windows Live" clId="Web-{DC473B64-D181-433F-BF45-7ECC970F09FC}" dt="2023-02-11T18:54:16.752" v="14"/>
+          <pc:sldLayoutMkLst>
+            <pc:docMk/>
+            <pc:sldMasterMk cId="316097504" sldId="2147483862"/>
+            <pc:sldLayoutMk cId="2814961718" sldId="2147483865"/>
+          </pc:sldLayoutMkLst>
+        </pc:sldLayoutChg>
+        <pc:sldLayoutChg chg="add del mod replId">
+          <pc:chgData name="nihar sodha" userId="43319efa11809d55" providerId="Windows Live" clId="Web-{DC473B64-D181-433F-BF45-7ECC970F09FC}" dt="2023-02-11T18:54:16.752" v="14"/>
+          <pc:sldLayoutMkLst>
+            <pc:docMk/>
+            <pc:sldMasterMk cId="316097504" sldId="2147483862"/>
+            <pc:sldLayoutMk cId="1844294720" sldId="2147483866"/>
+          </pc:sldLayoutMkLst>
+        </pc:sldLayoutChg>
+        <pc:sldLayoutChg chg="add del mod replId">
+          <pc:chgData name="nihar sodha" userId="43319efa11809d55" providerId="Windows Live" clId="Web-{DC473B64-D181-433F-BF45-7ECC970F09FC}" dt="2023-02-11T18:54:16.752" v="14"/>
+          <pc:sldLayoutMkLst>
+            <pc:docMk/>
+            <pc:sldMasterMk cId="316097504" sldId="2147483862"/>
+            <pc:sldLayoutMk cId="1422842723" sldId="2147483867"/>
+          </pc:sldLayoutMkLst>
+        </pc:sldLayoutChg>
+        <pc:sldLayoutChg chg="add del mod replId">
+          <pc:chgData name="nihar sodha" userId="43319efa11809d55" providerId="Windows Live" clId="Web-{DC473B64-D181-433F-BF45-7ECC970F09FC}" dt="2023-02-11T18:54:16.752" v="14"/>
+          <pc:sldLayoutMkLst>
+            <pc:docMk/>
+            <pc:sldMasterMk cId="316097504" sldId="2147483862"/>
+            <pc:sldLayoutMk cId="891665270" sldId="2147483868"/>
+          </pc:sldLayoutMkLst>
+        </pc:sldLayoutChg>
+        <pc:sldLayoutChg chg="add del mod replId">
+          <pc:chgData name="nihar sodha" userId="43319efa11809d55" providerId="Windows Live" clId="Web-{DC473B64-D181-433F-BF45-7ECC970F09FC}" dt="2023-02-11T18:54:16.752" v="14"/>
+          <pc:sldLayoutMkLst>
+            <pc:docMk/>
+            <pc:sldMasterMk cId="316097504" sldId="2147483862"/>
+            <pc:sldLayoutMk cId="1315841498" sldId="2147483869"/>
+          </pc:sldLayoutMkLst>
+        </pc:sldLayoutChg>
+        <pc:sldLayoutChg chg="add del mod replId">
+          <pc:chgData name="nihar sodha" userId="43319efa11809d55" providerId="Windows Live" clId="Web-{DC473B64-D181-433F-BF45-7ECC970F09FC}" dt="2023-02-11T18:54:16.752" v="14"/>
+          <pc:sldLayoutMkLst>
+            <pc:docMk/>
+            <pc:sldMasterMk cId="316097504" sldId="2147483862"/>
+            <pc:sldLayoutMk cId="780703622" sldId="2147483870"/>
+          </pc:sldLayoutMkLst>
+        </pc:sldLayoutChg>
+        <pc:sldLayoutChg chg="add del mod replId">
+          <pc:chgData name="nihar sodha" userId="43319efa11809d55" providerId="Windows Live" clId="Web-{DC473B64-D181-433F-BF45-7ECC970F09FC}" dt="2023-02-11T18:54:16.752" v="14"/>
+          <pc:sldLayoutMkLst>
+            <pc:docMk/>
+            <pc:sldMasterMk cId="316097504" sldId="2147483862"/>
+            <pc:sldLayoutMk cId="329344314" sldId="2147483871"/>
+          </pc:sldLayoutMkLst>
+        </pc:sldLayoutChg>
+        <pc:sldLayoutChg chg="add del mod replId">
+          <pc:chgData name="nihar sodha" userId="43319efa11809d55" providerId="Windows Live" clId="Web-{DC473B64-D181-433F-BF45-7ECC970F09FC}" dt="2023-02-11T18:54:16.752" v="14"/>
+          <pc:sldLayoutMkLst>
+            <pc:docMk/>
+            <pc:sldMasterMk cId="316097504" sldId="2147483862"/>
+            <pc:sldLayoutMk cId="1659536571" sldId="2147483872"/>
+          </pc:sldLayoutMkLst>
+        </pc:sldLayoutChg>
+        <pc:sldLayoutChg chg="add del mod replId">
+          <pc:chgData name="nihar sodha" userId="43319efa11809d55" providerId="Windows Live" clId="Web-{DC473B64-D181-433F-BF45-7ECC970F09FC}" dt="2023-02-11T18:54:16.752" v="14"/>
+          <pc:sldLayoutMkLst>
+            <pc:docMk/>
+            <pc:sldMasterMk cId="316097504" sldId="2147483862"/>
+            <pc:sldLayoutMk cId="3368187202" sldId="2147483873"/>
+          </pc:sldLayoutMkLst>
+        </pc:sldLayoutChg>
+      </pc:sldMasterChg>
+      <pc:sldMasterChg chg="add del addSldLayout delSldLayout modSldLayout">
+        <pc:chgData name="nihar sodha" userId="43319efa11809d55" providerId="Windows Live" clId="Web-{DC473B64-D181-433F-BF45-7ECC970F09FC}" dt="2023-02-11T18:53:31.485" v="8"/>
+        <pc:sldMasterMkLst>
+          <pc:docMk/>
+          <pc:sldMasterMk cId="1747365593" sldId="2147483862"/>
+        </pc:sldMasterMkLst>
+        <pc:sldLayoutChg chg="add del mod replId">
+          <pc:chgData name="nihar sodha" userId="43319efa11809d55" providerId="Windows Live" clId="Web-{DC473B64-D181-433F-BF45-7ECC970F09FC}" dt="2023-02-11T18:53:31.485" v="8"/>
+          <pc:sldLayoutMkLst>
+            <pc:docMk/>
+            <pc:sldMasterMk cId="1747365593" sldId="2147483862"/>
+            <pc:sldLayoutMk cId="2035381559" sldId="2147483863"/>
+          </pc:sldLayoutMkLst>
+        </pc:sldLayoutChg>
+        <pc:sldLayoutChg chg="add del mod replId">
+          <pc:chgData name="nihar sodha" userId="43319efa11809d55" providerId="Windows Live" clId="Web-{DC473B64-D181-433F-BF45-7ECC970F09FC}" dt="2023-02-11T18:53:31.485" v="8"/>
+          <pc:sldLayoutMkLst>
+            <pc:docMk/>
+            <pc:sldMasterMk cId="1747365593" sldId="2147483862"/>
+            <pc:sldLayoutMk cId="3543202376" sldId="2147483864"/>
+          </pc:sldLayoutMkLst>
+        </pc:sldLayoutChg>
+        <pc:sldLayoutChg chg="add del mod replId">
+          <pc:chgData name="nihar sodha" userId="43319efa11809d55" providerId="Windows Live" clId="Web-{DC473B64-D181-433F-BF45-7ECC970F09FC}" dt="2023-02-11T18:53:31.485" v="8"/>
+          <pc:sldLayoutMkLst>
+            <pc:docMk/>
+            <pc:sldMasterMk cId="1747365593" sldId="2147483862"/>
+            <pc:sldLayoutMk cId="2380493466" sldId="2147483865"/>
+          </pc:sldLayoutMkLst>
+        </pc:sldLayoutChg>
+        <pc:sldLayoutChg chg="add del mod replId">
+          <pc:chgData name="nihar sodha" userId="43319efa11809d55" providerId="Windows Live" clId="Web-{DC473B64-D181-433F-BF45-7ECC970F09FC}" dt="2023-02-11T18:53:31.485" v="8"/>
+          <pc:sldLayoutMkLst>
+            <pc:docMk/>
+            <pc:sldMasterMk cId="1747365593" sldId="2147483862"/>
+            <pc:sldLayoutMk cId="2787619639" sldId="2147483866"/>
+          </pc:sldLayoutMkLst>
+        </pc:sldLayoutChg>
+        <pc:sldLayoutChg chg="add del mod replId">
+          <pc:chgData name="nihar sodha" userId="43319efa11809d55" providerId="Windows Live" clId="Web-{DC473B64-D181-433F-BF45-7ECC970F09FC}" dt="2023-02-11T18:53:31.485" v="8"/>
+          <pc:sldLayoutMkLst>
+            <pc:docMk/>
+            <pc:sldMasterMk cId="1747365593" sldId="2147483862"/>
+            <pc:sldLayoutMk cId="939729418" sldId="2147483867"/>
+          </pc:sldLayoutMkLst>
+        </pc:sldLayoutChg>
+        <pc:sldLayoutChg chg="add del mod replId">
+          <pc:chgData name="nihar sodha" userId="43319efa11809d55" providerId="Windows Live" clId="Web-{DC473B64-D181-433F-BF45-7ECC970F09FC}" dt="2023-02-11T18:53:31.485" v="8"/>
+          <pc:sldLayoutMkLst>
+            <pc:docMk/>
+            <pc:sldMasterMk cId="1747365593" sldId="2147483862"/>
+            <pc:sldLayoutMk cId="2238989924" sldId="2147483868"/>
+          </pc:sldLayoutMkLst>
+        </pc:sldLayoutChg>
+        <pc:sldLayoutChg chg="add del mod replId">
+          <pc:chgData name="nihar sodha" userId="43319efa11809d55" providerId="Windows Live" clId="Web-{DC473B64-D181-433F-BF45-7ECC970F09FC}" dt="2023-02-11T18:53:31.485" v="8"/>
+          <pc:sldLayoutMkLst>
+            <pc:docMk/>
+            <pc:sldMasterMk cId="1747365593" sldId="2147483862"/>
+            <pc:sldLayoutMk cId="3390099401" sldId="2147483869"/>
+          </pc:sldLayoutMkLst>
+        </pc:sldLayoutChg>
+        <pc:sldLayoutChg chg="add del mod replId">
+          <pc:chgData name="nihar sodha" userId="43319efa11809d55" providerId="Windows Live" clId="Web-{DC473B64-D181-433F-BF45-7ECC970F09FC}" dt="2023-02-11T18:53:31.485" v="8"/>
+          <pc:sldLayoutMkLst>
+            <pc:docMk/>
+            <pc:sldMasterMk cId="1747365593" sldId="2147483862"/>
+            <pc:sldLayoutMk cId="2049067211" sldId="2147483870"/>
+          </pc:sldLayoutMkLst>
+        </pc:sldLayoutChg>
+        <pc:sldLayoutChg chg="add del mod replId">
+          <pc:chgData name="nihar sodha" userId="43319efa11809d55" providerId="Windows Live" clId="Web-{DC473B64-D181-433F-BF45-7ECC970F09FC}" dt="2023-02-11T18:53:31.485" v="8"/>
+          <pc:sldLayoutMkLst>
+            <pc:docMk/>
+            <pc:sldMasterMk cId="1747365593" sldId="2147483862"/>
+            <pc:sldLayoutMk cId="1788817657" sldId="2147483871"/>
+          </pc:sldLayoutMkLst>
+        </pc:sldLayoutChg>
+        <pc:sldLayoutChg chg="add del mod replId">
+          <pc:chgData name="nihar sodha" userId="43319efa11809d55" providerId="Windows Live" clId="Web-{DC473B64-D181-433F-BF45-7ECC970F09FC}" dt="2023-02-11T18:53:31.485" v="8"/>
+          <pc:sldLayoutMkLst>
+            <pc:docMk/>
+            <pc:sldMasterMk cId="1747365593" sldId="2147483862"/>
+            <pc:sldLayoutMk cId="1543274688" sldId="2147483872"/>
+          </pc:sldLayoutMkLst>
+        </pc:sldLayoutChg>
+        <pc:sldLayoutChg chg="add del mod replId">
+          <pc:chgData name="nihar sodha" userId="43319efa11809d55" providerId="Windows Live" clId="Web-{DC473B64-D181-433F-BF45-7ECC970F09FC}" dt="2023-02-11T18:53:31.485" v="8"/>
+          <pc:sldLayoutMkLst>
+            <pc:docMk/>
+            <pc:sldMasterMk cId="1747365593" sldId="2147483862"/>
+            <pc:sldLayoutMk cId="1268690549" sldId="2147483873"/>
+          </pc:sldLayoutMkLst>
+        </pc:sldLayoutChg>
+      </pc:sldMasterChg>
+      <pc:sldMasterChg chg="add del mod setBg addSldLayout delSldLayout modSldLayout">
+        <pc:chgData name="nihar sodha" userId="43319efa11809d55" providerId="Windows Live" clId="Web-{DC473B64-D181-433F-BF45-7ECC970F09FC}" dt="2023-02-11T18:55:12.926" v="24"/>
+        <pc:sldMasterMkLst>
+          <pc:docMk/>
+          <pc:sldMasterMk cId="2530846006" sldId="2147483862"/>
+        </pc:sldMasterMkLst>
+        <pc:sldLayoutChg chg="add del mod replId">
+          <pc:chgData name="nihar sodha" userId="43319efa11809d55" providerId="Windows Live" clId="Web-{DC473B64-D181-433F-BF45-7ECC970F09FC}" dt="2023-02-11T18:55:12.926" v="24"/>
+          <pc:sldLayoutMkLst>
+            <pc:docMk/>
+            <pc:sldMasterMk cId="2530846006" sldId="2147483862"/>
+            <pc:sldLayoutMk cId="2941296700" sldId="2147483863"/>
+          </pc:sldLayoutMkLst>
+        </pc:sldLayoutChg>
+        <pc:sldLayoutChg chg="add del mod replId">
+          <pc:chgData name="nihar sodha" userId="43319efa11809d55" providerId="Windows Live" clId="Web-{DC473B64-D181-433F-BF45-7ECC970F09FC}" dt="2023-02-11T18:55:12.926" v="24"/>
+          <pc:sldLayoutMkLst>
+            <pc:docMk/>
+            <pc:sldMasterMk cId="2530846006" sldId="2147483862"/>
+            <pc:sldLayoutMk cId="1124230308" sldId="2147483864"/>
+          </pc:sldLayoutMkLst>
+        </pc:sldLayoutChg>
+        <pc:sldLayoutChg chg="add del mod replId">
+          <pc:chgData name="nihar sodha" userId="43319efa11809d55" providerId="Windows Live" clId="Web-{DC473B64-D181-433F-BF45-7ECC970F09FC}" dt="2023-02-11T18:55:12.926" v="24"/>
+          <pc:sldLayoutMkLst>
+            <pc:docMk/>
+            <pc:sldMasterMk cId="2530846006" sldId="2147483862"/>
+            <pc:sldLayoutMk cId="3335725459" sldId="2147483865"/>
+          </pc:sldLayoutMkLst>
+        </pc:sldLayoutChg>
+        <pc:sldLayoutChg chg="add del mod replId">
+          <pc:chgData name="nihar sodha" userId="43319efa11809d55" providerId="Windows Live" clId="Web-{DC473B64-D181-433F-BF45-7ECC970F09FC}" dt="2023-02-11T18:55:12.926" v="24"/>
+          <pc:sldLayoutMkLst>
+            <pc:docMk/>
+            <pc:sldMasterMk cId="2530846006" sldId="2147483862"/>
+            <pc:sldLayoutMk cId="120728590" sldId="2147483866"/>
+          </pc:sldLayoutMkLst>
+        </pc:sldLayoutChg>
+        <pc:sldLayoutChg chg="add del mod replId">
+          <pc:chgData name="nihar sodha" userId="43319efa11809d55" providerId="Windows Live" clId="Web-{DC473B64-D181-433F-BF45-7ECC970F09FC}" dt="2023-02-11T18:55:12.926" v="24"/>
+          <pc:sldLayoutMkLst>
+            <pc:docMk/>
+            <pc:sldMasterMk cId="2530846006" sldId="2147483862"/>
+            <pc:sldLayoutMk cId="4280751877" sldId="2147483867"/>
+          </pc:sldLayoutMkLst>
+        </pc:sldLayoutChg>
+        <pc:sldLayoutChg chg="add del mod replId">
+          <pc:chgData name="nihar sodha" userId="43319efa11809d55" providerId="Windows Live" clId="Web-{DC473B64-D181-433F-BF45-7ECC970F09FC}" dt="2023-02-11T18:55:12.926" v="24"/>
+          <pc:sldLayoutMkLst>
+            <pc:docMk/>
+            <pc:sldMasterMk cId="2530846006" sldId="2147483862"/>
+            <pc:sldLayoutMk cId="1870272380" sldId="2147483868"/>
+          </pc:sldLayoutMkLst>
+        </pc:sldLayoutChg>
+        <pc:sldLayoutChg chg="add del mod replId">
+          <pc:chgData name="nihar sodha" userId="43319efa11809d55" providerId="Windows Live" clId="Web-{DC473B64-D181-433F-BF45-7ECC970F09FC}" dt="2023-02-11T18:55:12.926" v="24"/>
+          <pc:sldLayoutMkLst>
+            <pc:docMk/>
+            <pc:sldMasterMk cId="2530846006" sldId="2147483862"/>
+            <pc:sldLayoutMk cId="1988660985" sldId="2147483869"/>
+          </pc:sldLayoutMkLst>
+        </pc:sldLayoutChg>
+        <pc:sldLayoutChg chg="add del mod replId">
+          <pc:chgData name="nihar sodha" userId="43319efa11809d55" providerId="Windows Live" clId="Web-{DC473B64-D181-433F-BF45-7ECC970F09FC}" dt="2023-02-11T18:55:12.926" v="24"/>
+          <pc:sldLayoutMkLst>
+            <pc:docMk/>
+            <pc:sldMasterMk cId="2530846006" sldId="2147483862"/>
+            <pc:sldLayoutMk cId="571830451" sldId="2147483870"/>
+          </pc:sldLayoutMkLst>
+        </pc:sldLayoutChg>
+        <pc:sldLayoutChg chg="add del mod replId">
+          <pc:chgData name="nihar sodha" userId="43319efa11809d55" providerId="Windows Live" clId="Web-{DC473B64-D181-433F-BF45-7ECC970F09FC}" dt="2023-02-11T18:55:12.926" v="24"/>
+          <pc:sldLayoutMkLst>
+            <pc:docMk/>
+            <pc:sldMasterMk cId="2530846006" sldId="2147483862"/>
+            <pc:sldLayoutMk cId="373193432" sldId="2147483871"/>
+          </pc:sldLayoutMkLst>
+        </pc:sldLayoutChg>
+        <pc:sldLayoutChg chg="add del mod replId">
+          <pc:chgData name="nihar sodha" userId="43319efa11809d55" providerId="Windows Live" clId="Web-{DC473B64-D181-433F-BF45-7ECC970F09FC}" dt="2023-02-11T18:55:12.926" v="24"/>
+          <pc:sldLayoutMkLst>
+            <pc:docMk/>
+            <pc:sldMasterMk cId="2530846006" sldId="2147483862"/>
+            <pc:sldLayoutMk cId="2794173832" sldId="2147483872"/>
+          </pc:sldLayoutMkLst>
+        </pc:sldLayoutChg>
+        <pc:sldLayoutChg chg="add del mod replId">
+          <pc:chgData name="nihar sodha" userId="43319efa11809d55" providerId="Windows Live" clId="Web-{DC473B64-D181-433F-BF45-7ECC970F09FC}" dt="2023-02-11T18:55:12.926" v="24"/>
+          <pc:sldLayoutMkLst>
+            <pc:docMk/>
+            <pc:sldMasterMk cId="2530846006" sldId="2147483862"/>
+            <pc:sldLayoutMk cId="2268116833" sldId="2147483873"/>
+          </pc:sldLayoutMkLst>
+        </pc:sldLayoutChg>
+      </pc:sldMasterChg>
+      <pc:sldMasterChg chg="add del mod setBg addSldLayout delSldLayout modSldLayout">
+        <pc:chgData name="nihar sodha" userId="43319efa11809d55" providerId="Windows Live" clId="Web-{DC473B64-D181-433F-BF45-7ECC970F09FC}" dt="2023-02-11T18:53:05.687" v="5"/>
+        <pc:sldMasterMkLst>
+          <pc:docMk/>
+          <pc:sldMasterMk cId="2571499884" sldId="2147483862"/>
+        </pc:sldMasterMkLst>
+        <pc:sldLayoutChg chg="add del mod replId">
+          <pc:chgData name="nihar sodha" userId="43319efa11809d55" providerId="Windows Live" clId="Web-{DC473B64-D181-433F-BF45-7ECC970F09FC}" dt="2023-02-11T18:53:05.687" v="5"/>
+          <pc:sldLayoutMkLst>
+            <pc:docMk/>
+            <pc:sldMasterMk cId="2571499884" sldId="2147483862"/>
+            <pc:sldLayoutMk cId="3430051725" sldId="2147483863"/>
+          </pc:sldLayoutMkLst>
+        </pc:sldLayoutChg>
+        <pc:sldLayoutChg chg="add del mod replId">
+          <pc:chgData name="nihar sodha" userId="43319efa11809d55" providerId="Windows Live" clId="Web-{DC473B64-D181-433F-BF45-7ECC970F09FC}" dt="2023-02-11T18:53:05.687" v="5"/>
+          <pc:sldLayoutMkLst>
+            <pc:docMk/>
+            <pc:sldMasterMk cId="2571499884" sldId="2147483862"/>
+            <pc:sldLayoutMk cId="683829567" sldId="2147483864"/>
+          </pc:sldLayoutMkLst>
+        </pc:sldLayoutChg>
+        <pc:sldLayoutChg chg="add del mod replId">
+          <pc:chgData name="nihar sodha" userId="43319efa11809d55" providerId="Windows Live" clId="Web-{DC473B64-D181-433F-BF45-7ECC970F09FC}" dt="2023-02-11T18:53:05.687" v="5"/>
+          <pc:sldLayoutMkLst>
+            <pc:docMk/>
+            <pc:sldMasterMk cId="2571499884" sldId="2147483862"/>
+            <pc:sldLayoutMk cId="4231882773" sldId="2147483865"/>
+          </pc:sldLayoutMkLst>
+        </pc:sldLayoutChg>
+        <pc:sldLayoutChg chg="add del mod replId">
+          <pc:chgData name="nihar sodha" userId="43319efa11809d55" providerId="Windows Live" clId="Web-{DC473B64-D181-433F-BF45-7ECC970F09FC}" dt="2023-02-11T18:53:05.687" v="5"/>
+          <pc:sldLayoutMkLst>
+            <pc:docMk/>
+            <pc:sldMasterMk cId="2571499884" sldId="2147483862"/>
+            <pc:sldLayoutMk cId="419652214" sldId="2147483866"/>
+          </pc:sldLayoutMkLst>
+        </pc:sldLayoutChg>
+        <pc:sldLayoutChg chg="add del mod replId">
+          <pc:chgData name="nihar sodha" userId="43319efa11809d55" providerId="Windows Live" clId="Web-{DC473B64-D181-433F-BF45-7ECC970F09FC}" dt="2023-02-11T18:53:05.687" v="5"/>
+          <pc:sldLayoutMkLst>
+            <pc:docMk/>
+            <pc:sldMasterMk cId="2571499884" sldId="2147483862"/>
+            <pc:sldLayoutMk cId="1924225114" sldId="2147483867"/>
+          </pc:sldLayoutMkLst>
+        </pc:sldLayoutChg>
+        <pc:sldLayoutChg chg="add del mod replId">
+          <pc:chgData name="nihar sodha" userId="43319efa11809d55" providerId="Windows Live" clId="Web-{DC473B64-D181-433F-BF45-7ECC970F09FC}" dt="2023-02-11T18:53:05.687" v="5"/>
+          <pc:sldLayoutMkLst>
+            <pc:docMk/>
+            <pc:sldMasterMk cId="2571499884" sldId="2147483862"/>
+            <pc:sldLayoutMk cId="3229928539" sldId="2147483868"/>
+          </pc:sldLayoutMkLst>
+        </pc:sldLayoutChg>
+        <pc:sldLayoutChg chg="add del mod replId">
+          <pc:chgData name="nihar sodha" userId="43319efa11809d55" providerId="Windows Live" clId="Web-{DC473B64-D181-433F-BF45-7ECC970F09FC}" dt="2023-02-11T18:53:05.687" v="5"/>
+          <pc:sldLayoutMkLst>
+            <pc:docMk/>
+            <pc:sldMasterMk cId="2571499884" sldId="2147483862"/>
+            <pc:sldLayoutMk cId="3036286856" sldId="2147483869"/>
+          </pc:sldLayoutMkLst>
+        </pc:sldLayoutChg>
+        <pc:sldLayoutChg chg="add del mod replId">
+          <pc:chgData name="nihar sodha" userId="43319efa11809d55" providerId="Windows Live" clId="Web-{DC473B64-D181-433F-BF45-7ECC970F09FC}" dt="2023-02-11T18:53:05.687" v="5"/>
+          <pc:sldLayoutMkLst>
+            <pc:docMk/>
+            <pc:sldMasterMk cId="2571499884" sldId="2147483862"/>
+            <pc:sldLayoutMk cId="2123703586" sldId="2147483870"/>
+          </pc:sldLayoutMkLst>
+        </pc:sldLayoutChg>
+        <pc:sldLayoutChg chg="add del mod replId">
+          <pc:chgData name="nihar sodha" userId="43319efa11809d55" providerId="Windows Live" clId="Web-{DC473B64-D181-433F-BF45-7ECC970F09FC}" dt="2023-02-11T18:53:05.687" v="5"/>
+          <pc:sldLayoutMkLst>
+            <pc:docMk/>
+            <pc:sldMasterMk cId="2571499884" sldId="2147483862"/>
+            <pc:sldLayoutMk cId="429089861" sldId="2147483871"/>
+          </pc:sldLayoutMkLst>
+        </pc:sldLayoutChg>
+        <pc:sldLayoutChg chg="add del mod replId">
+          <pc:chgData name="nihar sodha" userId="43319efa11809d55" providerId="Windows Live" clId="Web-{DC473B64-D181-433F-BF45-7ECC970F09FC}" dt="2023-02-11T18:53:05.687" v="5"/>
+          <pc:sldLayoutMkLst>
+            <pc:docMk/>
+            <pc:sldMasterMk cId="2571499884" sldId="2147483862"/>
+            <pc:sldLayoutMk cId="2320436020" sldId="2147483872"/>
+          </pc:sldLayoutMkLst>
+        </pc:sldLayoutChg>
+        <pc:sldLayoutChg chg="add del mod replId">
+          <pc:chgData name="nihar sodha" userId="43319efa11809d55" providerId="Windows Live" clId="Web-{DC473B64-D181-433F-BF45-7ECC970F09FC}" dt="2023-02-11T18:53:05.687" v="5"/>
+          <pc:sldLayoutMkLst>
+            <pc:docMk/>
+            <pc:sldMasterMk cId="2571499884" sldId="2147483862"/>
+            <pc:sldLayoutMk cId="1347913727" sldId="2147483873"/>
+          </pc:sldLayoutMkLst>
+        </pc:sldLayoutChg>
+      </pc:sldMasterChg>
+    </pc:docChg>
+  </pc:docChgLst>
+  <pc:docChgLst>
     <pc:chgData name="nihar sodha" userId="43319efa11809d55" providerId="Windows Live" clId="Web-{6EE3F92F-5A07-47AF-9366-1D03EC9E090B}"/>
     <pc:docChg chg="addSld modSld">
       <pc:chgData name="nihar sodha" userId="43319efa11809d55" providerId="Windows Live" clId="Web-{6EE3F92F-5A07-47AF-9366-1D03EC9E090B}" dt="2023-02-12T10:13:13.425" v="54" actId="20577"/>
@@ -3156,975 +4128,6 @@
           </ac:picMkLst>
         </pc:picChg>
       </pc:sldChg>
-    </pc:docChg>
-  </pc:docChgLst>
-  <pc:docChgLst>
-    <pc:chgData name="nihar sodha" userId="43319efa11809d55" providerId="Windows Live" clId="Web-{DC473B64-D181-433F-BF45-7ECC970F09FC}"/>
-    <pc:docChg chg="addSld delSld modSld sldOrd addMainMaster delMainMaster modMainMaster">
-      <pc:chgData name="nihar sodha" userId="43319efa11809d55" providerId="Windows Live" clId="Web-{DC473B64-D181-433F-BF45-7ECC970F09FC}" dt="2023-02-11T20:02:46.132" v="432"/>
-      <pc:docMkLst>
-        <pc:docMk/>
-      </pc:docMkLst>
-      <pc:sldChg chg="addSp delSp modSp mod setBg modClrScheme chgLayout">
-        <pc:chgData name="nihar sodha" userId="43319efa11809d55" providerId="Windows Live" clId="Web-{DC473B64-D181-433F-BF45-7ECC970F09FC}" dt="2023-02-11T20:00:11.939" v="408" actId="20577"/>
-        <pc:sldMkLst>
-          <pc:docMk/>
-          <pc:sldMk cId="1134349380" sldId="257"/>
-        </pc:sldMkLst>
-        <pc:spChg chg="mod ord">
-          <ac:chgData name="nihar sodha" userId="43319efa11809d55" providerId="Windows Live" clId="Web-{DC473B64-D181-433F-BF45-7ECC970F09FC}" dt="2023-02-11T20:00:11.939" v="408" actId="20577"/>
-          <ac:spMkLst>
-            <pc:docMk/>
-            <pc:sldMk cId="1134349380" sldId="257"/>
-            <ac:spMk id="2" creationId="{BBA54379-9D51-D68E-F4A2-C329B2CB0E55}"/>
-          </ac:spMkLst>
-        </pc:spChg>
-        <pc:spChg chg="mod ord">
-          <ac:chgData name="nihar sodha" userId="43319efa11809d55" providerId="Windows Live" clId="Web-{DC473B64-D181-433F-BF45-7ECC970F09FC}" dt="2023-02-11T18:55:12.926" v="24"/>
-          <ac:spMkLst>
-            <pc:docMk/>
-            <pc:sldMk cId="1134349380" sldId="257"/>
-            <ac:spMk id="3" creationId="{55D5353D-181E-519B-C329-1D926B06587E}"/>
-          </ac:spMkLst>
-        </pc:spChg>
-        <pc:spChg chg="add del">
-          <ac:chgData name="nihar sodha" userId="43319efa11809d55" providerId="Windows Live" clId="Web-{DC473B64-D181-433F-BF45-7ECC970F09FC}" dt="2023-02-11T18:54:16.111" v="13"/>
-          <ac:spMkLst>
-            <pc:docMk/>
-            <pc:sldMk cId="1134349380" sldId="257"/>
-            <ac:spMk id="10" creationId="{59A309A7-1751-4ABE-A3C1-EEC40366AD89}"/>
-          </ac:spMkLst>
-        </pc:spChg>
-        <pc:spChg chg="add del">
-          <ac:chgData name="nihar sodha" userId="43319efa11809d55" providerId="Windows Live" clId="Web-{DC473B64-D181-433F-BF45-7ECC970F09FC}" dt="2023-02-11T18:54:16.111" v="13"/>
-          <ac:spMkLst>
-            <pc:docMk/>
-            <pc:sldMk cId="1134349380" sldId="257"/>
-            <ac:spMk id="12" creationId="{967D8EB6-EAE1-4F9C-B398-83321E287204}"/>
-          </ac:spMkLst>
-        </pc:spChg>
-        <pc:spChg chg="add del">
-          <ac:chgData name="nihar sodha" userId="43319efa11809d55" providerId="Windows Live" clId="Web-{DC473B64-D181-433F-BF45-7ECC970F09FC}" dt="2023-02-11T18:54:33.362" v="17"/>
-          <ac:spMkLst>
-            <pc:docMk/>
-            <pc:sldMk cId="1134349380" sldId="257"/>
-            <ac:spMk id="13" creationId="{45D37F4E-DDB4-456B-97E0-9937730A039F}"/>
-          </ac:spMkLst>
-        </pc:spChg>
-        <pc:spChg chg="add del">
-          <ac:chgData name="nihar sodha" userId="43319efa11809d55" providerId="Windows Live" clId="Web-{DC473B64-D181-433F-BF45-7ECC970F09FC}" dt="2023-02-11T18:54:33.362" v="17"/>
-          <ac:spMkLst>
-            <pc:docMk/>
-            <pc:sldMk cId="1134349380" sldId="257"/>
-            <ac:spMk id="14" creationId="{B2DD41CD-8F47-4F56-AD12-4E2FF7696987}"/>
-          </ac:spMkLst>
-        </pc:spChg>
-        <pc:spChg chg="add del">
-          <ac:chgData name="nihar sodha" userId="43319efa11809d55" providerId="Windows Live" clId="Web-{DC473B64-D181-433F-BF45-7ECC970F09FC}" dt="2023-02-11T18:55:10.332" v="23"/>
-          <ac:spMkLst>
-            <pc:docMk/>
-            <pc:sldMk cId="1134349380" sldId="257"/>
-            <ac:spMk id="16" creationId="{3346177D-ADC4-4968-B747-5CFCD390B5B9}"/>
-          </ac:spMkLst>
-        </pc:spChg>
-        <pc:spChg chg="add del">
-          <ac:chgData name="nihar sodha" userId="43319efa11809d55" providerId="Windows Live" clId="Web-{DC473B64-D181-433F-BF45-7ECC970F09FC}" dt="2023-02-11T18:55:10.332" v="23"/>
-          <ac:spMkLst>
-            <pc:docMk/>
-            <pc:sldMk cId="1134349380" sldId="257"/>
-            <ac:spMk id="17" creationId="{0844A943-BF79-4FEA-ABB1-3BD54D236606}"/>
-          </ac:spMkLst>
-        </pc:spChg>
-        <pc:spChg chg="add del">
-          <ac:chgData name="nihar sodha" userId="43319efa11809d55" providerId="Windows Live" clId="Web-{DC473B64-D181-433F-BF45-7ECC970F09FC}" dt="2023-02-11T18:55:10.332" v="23"/>
-          <ac:spMkLst>
-            <pc:docMk/>
-            <pc:sldMk cId="1134349380" sldId="257"/>
-            <ac:spMk id="18" creationId="{6437CC72-F4A8-4DC3-AFAB-D22C482C8100}"/>
-          </ac:spMkLst>
-        </pc:spChg>
-        <pc:picChg chg="mod">
-          <ac:chgData name="nihar sodha" userId="43319efa11809d55" providerId="Windows Live" clId="Web-{DC473B64-D181-433F-BF45-7ECC970F09FC}" dt="2023-02-11T18:55:46.177" v="25" actId="1076"/>
-          <ac:picMkLst>
-            <pc:docMk/>
-            <pc:sldMk cId="1134349380" sldId="257"/>
-            <ac:picMk id="4" creationId="{F85B03BA-FE28-92E9-A52D-F2FBD065EDCC}"/>
-          </ac:picMkLst>
-        </pc:picChg>
-      </pc:sldChg>
-      <pc:sldChg chg="addSp delSp modSp del mod setBg modClrScheme delDesignElem chgLayout">
-        <pc:chgData name="nihar sodha" userId="43319efa11809d55" providerId="Windows Live" clId="Web-{DC473B64-D181-433F-BF45-7ECC970F09FC}" dt="2023-02-11T19:54:50.678" v="318"/>
-        <pc:sldMkLst>
-          <pc:docMk/>
-          <pc:sldMk cId="3893654544" sldId="259"/>
-        </pc:sldMkLst>
-        <pc:spChg chg="mod ord">
-          <ac:chgData name="nihar sodha" userId="43319efa11809d55" providerId="Windows Live" clId="Web-{DC473B64-D181-433F-BF45-7ECC970F09FC}" dt="2023-02-11T18:55:12.926" v="24"/>
-          <ac:spMkLst>
-            <pc:docMk/>
-            <pc:sldMk cId="3893654544" sldId="259"/>
-            <ac:spMk id="2" creationId="{1B1D6427-3E2B-F436-693B-1A057F0B0D45}"/>
-          </ac:spMkLst>
-        </pc:spChg>
-        <pc:spChg chg="mod ord">
-          <ac:chgData name="nihar sodha" userId="43319efa11809d55" providerId="Windows Live" clId="Web-{DC473B64-D181-433F-BF45-7ECC970F09FC}" dt="2023-02-11T18:55:12.926" v="24"/>
-          <ac:spMkLst>
-            <pc:docMk/>
-            <pc:sldMk cId="3893654544" sldId="259"/>
-            <ac:spMk id="3" creationId="{60F90B44-F2EE-5385-94A4-83E8FE08C379}"/>
-          </ac:spMkLst>
-        </pc:spChg>
-        <pc:spChg chg="add del">
-          <ac:chgData name="nihar sodha" userId="43319efa11809d55" providerId="Windows Live" clId="Web-{DC473B64-D181-433F-BF45-7ECC970F09FC}" dt="2023-02-11T18:55:12.926" v="24"/>
-          <ac:spMkLst>
-            <pc:docMk/>
-            <pc:sldMk cId="3893654544" sldId="259"/>
-            <ac:spMk id="8" creationId="{411BE1D3-B675-4947-B4E3-14B8DC93FB2C}"/>
-          </ac:spMkLst>
-        </pc:spChg>
-        <pc:spChg chg="add del">
-          <ac:chgData name="nihar sodha" userId="43319efa11809d55" providerId="Windows Live" clId="Web-{DC473B64-D181-433F-BF45-7ECC970F09FC}" dt="2023-02-11T18:55:12.926" v="24"/>
-          <ac:spMkLst>
-            <pc:docMk/>
-            <pc:sldMk cId="3893654544" sldId="259"/>
-            <ac:spMk id="10" creationId="{D2D8651B-6FCC-49D7-B6F8-AF869E89F04C}"/>
-          </ac:spMkLst>
-        </pc:spChg>
-        <pc:spChg chg="add del">
-          <ac:chgData name="nihar sodha" userId="43319efa11809d55" providerId="Windows Live" clId="Web-{DC473B64-D181-433F-BF45-7ECC970F09FC}" dt="2023-02-11T18:55:12.926" v="24"/>
-          <ac:spMkLst>
-            <pc:docMk/>
-            <pc:sldMk cId="3893654544" sldId="259"/>
-            <ac:spMk id="12" creationId="{B27DF924-CC1B-431A-A8F3-7FEBCA1AF9A5}"/>
-          </ac:spMkLst>
-        </pc:spChg>
-        <pc:grpChg chg="add del">
-          <ac:chgData name="nihar sodha" userId="43319efa11809d55" providerId="Windows Live" clId="Web-{DC473B64-D181-433F-BF45-7ECC970F09FC}" dt="2023-02-11T18:55:12.926" v="24"/>
-          <ac:grpSpMkLst>
-            <pc:docMk/>
-            <pc:sldMk cId="3893654544" sldId="259"/>
-            <ac:grpSpMk id="14" creationId="{2C13C5A7-AC21-48FA-A06F-6A7F303BC3CD}"/>
-          </ac:grpSpMkLst>
-        </pc:grpChg>
-      </pc:sldChg>
-      <pc:sldChg chg="modSp mod modClrScheme chgLayout">
-        <pc:chgData name="nihar sodha" userId="43319efa11809d55" providerId="Windows Live" clId="Web-{DC473B64-D181-433F-BF45-7ECC970F09FC}" dt="2023-02-11T20:00:27.346" v="409" actId="20577"/>
-        <pc:sldMkLst>
-          <pc:docMk/>
-          <pc:sldMk cId="1869908146" sldId="260"/>
-        </pc:sldMkLst>
-        <pc:spChg chg="mod ord">
-          <ac:chgData name="nihar sodha" userId="43319efa11809d55" providerId="Windows Live" clId="Web-{DC473B64-D181-433F-BF45-7ECC970F09FC}" dt="2023-02-11T20:00:27.346" v="409" actId="20577"/>
-          <ac:spMkLst>
-            <pc:docMk/>
-            <pc:sldMk cId="1869908146" sldId="260"/>
-            <ac:spMk id="2" creationId="{BBA54379-9D51-D68E-F4A2-C329B2CB0E55}"/>
-          </ac:spMkLst>
-        </pc:spChg>
-        <pc:spChg chg="mod ord">
-          <ac:chgData name="nihar sodha" userId="43319efa11809d55" providerId="Windows Live" clId="Web-{DC473B64-D181-433F-BF45-7ECC970F09FC}" dt="2023-02-11T18:55:12.926" v="24"/>
-          <ac:spMkLst>
-            <pc:docMk/>
-            <pc:sldMk cId="1869908146" sldId="260"/>
-            <ac:spMk id="3" creationId="{55D5353D-181E-519B-C329-1D926B06587E}"/>
-          </ac:spMkLst>
-        </pc:spChg>
-      </pc:sldChg>
-      <pc:sldChg chg="delSp modSp mod modClrScheme chgLayout">
-        <pc:chgData name="nihar sodha" userId="43319efa11809d55" providerId="Windows Live" clId="Web-{DC473B64-D181-433F-BF45-7ECC970F09FC}" dt="2023-02-11T20:00:32.987" v="410" actId="20577"/>
-        <pc:sldMkLst>
-          <pc:docMk/>
-          <pc:sldMk cId="3350871167" sldId="261"/>
-        </pc:sldMkLst>
-        <pc:spChg chg="mod ord">
-          <ac:chgData name="nihar sodha" userId="43319efa11809d55" providerId="Windows Live" clId="Web-{DC473B64-D181-433F-BF45-7ECC970F09FC}" dt="2023-02-11T20:00:32.987" v="410" actId="20577"/>
-          <ac:spMkLst>
-            <pc:docMk/>
-            <pc:sldMk cId="3350871167" sldId="261"/>
-            <ac:spMk id="2" creationId="{D6B2907B-1D18-08D8-2A41-CEB73F7F8AC8}"/>
-          </ac:spMkLst>
-        </pc:spChg>
-        <pc:spChg chg="mod ord">
-          <ac:chgData name="nihar sodha" userId="43319efa11809d55" providerId="Windows Live" clId="Web-{DC473B64-D181-433F-BF45-7ECC970F09FC}" dt="2023-02-11T19:02:04.065" v="70"/>
-          <ac:spMkLst>
-            <pc:docMk/>
-            <pc:sldMk cId="3350871167" sldId="261"/>
-            <ac:spMk id="6" creationId="{30127F64-E611-F90F-E8F2-0E76AC1AFE3F}"/>
-          </ac:spMkLst>
-        </pc:spChg>
-        <pc:spChg chg="del mod ord">
-          <ac:chgData name="nihar sodha" userId="43319efa11809d55" providerId="Windows Live" clId="Web-{DC473B64-D181-433F-BF45-7ECC970F09FC}" dt="2023-02-11T19:02:04.065" v="70"/>
-          <ac:spMkLst>
-            <pc:docMk/>
-            <pc:sldMk cId="3350871167" sldId="261"/>
-            <ac:spMk id="8" creationId="{B2D91E10-ECE9-3692-0756-CD871AAD3BCF}"/>
-          </ac:spMkLst>
-        </pc:spChg>
-      </pc:sldChg>
-      <pc:sldChg chg="modSp mod ord modClrScheme chgLayout">
-        <pc:chgData name="nihar sodha" userId="43319efa11809d55" providerId="Windows Live" clId="Web-{DC473B64-D181-433F-BF45-7ECC970F09FC}" dt="2023-02-11T20:00:39.377" v="411" actId="20577"/>
-        <pc:sldMkLst>
-          <pc:docMk/>
-          <pc:sldMk cId="3073798839" sldId="262"/>
-        </pc:sldMkLst>
-        <pc:spChg chg="mod ord">
-          <ac:chgData name="nihar sodha" userId="43319efa11809d55" providerId="Windows Live" clId="Web-{DC473B64-D181-433F-BF45-7ECC970F09FC}" dt="2023-02-11T20:00:39.377" v="411" actId="20577"/>
-          <ac:spMkLst>
-            <pc:docMk/>
-            <pc:sldMk cId="3073798839" sldId="262"/>
-            <ac:spMk id="2" creationId="{02A31899-0721-B0CE-F49E-5F9B50E84CC7}"/>
-          </ac:spMkLst>
-        </pc:spChg>
-        <pc:spChg chg="mod ord">
-          <ac:chgData name="nihar sodha" userId="43319efa11809d55" providerId="Windows Live" clId="Web-{DC473B64-D181-433F-BF45-7ECC970F09FC}" dt="2023-02-11T18:55:12.926" v="24"/>
-          <ac:spMkLst>
-            <pc:docMk/>
-            <pc:sldMk cId="3073798839" sldId="262"/>
-            <ac:spMk id="3" creationId="{1E699561-9B0F-621D-711C-2E854011BCF1}"/>
-          </ac:spMkLst>
-        </pc:spChg>
-      </pc:sldChg>
-      <pc:sldChg chg="modSp mod modClrScheme chgLayout">
-        <pc:chgData name="nihar sodha" userId="43319efa11809d55" providerId="Windows Live" clId="Web-{DC473B64-D181-433F-BF45-7ECC970F09FC}" dt="2023-02-11T20:00:47.034" v="412" actId="20577"/>
-        <pc:sldMkLst>
-          <pc:docMk/>
-          <pc:sldMk cId="2975073842" sldId="263"/>
-        </pc:sldMkLst>
-        <pc:spChg chg="mod ord">
-          <ac:chgData name="nihar sodha" userId="43319efa11809d55" providerId="Windows Live" clId="Web-{DC473B64-D181-433F-BF45-7ECC970F09FC}" dt="2023-02-11T20:00:47.034" v="412" actId="20577"/>
-          <ac:spMkLst>
-            <pc:docMk/>
-            <pc:sldMk cId="2975073842" sldId="263"/>
-            <ac:spMk id="2" creationId="{F6EB8F98-C85A-54B6-39EA-5ED66C01A2A1}"/>
-          </ac:spMkLst>
-        </pc:spChg>
-        <pc:picChg chg="mod modCrop">
-          <ac:chgData name="nihar sodha" userId="43319efa11809d55" providerId="Windows Live" clId="Web-{DC473B64-D181-433F-BF45-7ECC970F09FC}" dt="2023-02-11T19:13:05.351" v="150" actId="14100"/>
-          <ac:picMkLst>
-            <pc:docMk/>
-            <pc:sldMk cId="2975073842" sldId="263"/>
-            <ac:picMk id="5" creationId="{41ED2ACA-0AE9-5BD9-EB9B-138A1A573AA3}"/>
-          </ac:picMkLst>
-        </pc:picChg>
-      </pc:sldChg>
-      <pc:sldChg chg="addSp delSp modSp mod ord setBg modClrScheme chgLayout">
-        <pc:chgData name="nihar sodha" userId="43319efa11809d55" providerId="Windows Live" clId="Web-{DC473B64-D181-433F-BF45-7ECC970F09FC}" dt="2023-02-11T20:00:54.394" v="413" actId="20577"/>
-        <pc:sldMkLst>
-          <pc:docMk/>
-          <pc:sldMk cId="3458061940" sldId="264"/>
-        </pc:sldMkLst>
-        <pc:spChg chg="mod ord">
-          <ac:chgData name="nihar sodha" userId="43319efa11809d55" providerId="Windows Live" clId="Web-{DC473B64-D181-433F-BF45-7ECC970F09FC}" dt="2023-02-11T20:00:54.394" v="413" actId="20577"/>
-          <ac:spMkLst>
-            <pc:docMk/>
-            <pc:sldMk cId="3458061940" sldId="264"/>
-            <ac:spMk id="2" creationId="{F5456C85-8A0B-12E0-05BB-D9DAD1AA3698}"/>
-          </ac:spMkLst>
-        </pc:spChg>
-        <pc:spChg chg="mod ord">
-          <ac:chgData name="nihar sodha" userId="43319efa11809d55" providerId="Windows Live" clId="Web-{DC473B64-D181-433F-BF45-7ECC970F09FC}" dt="2023-02-11T19:51:25.328" v="314" actId="20577"/>
-          <ac:spMkLst>
-            <pc:docMk/>
-            <pc:sldMk cId="3458061940" sldId="264"/>
-            <ac:spMk id="3" creationId="{675753D2-3643-2B52-9E7E-2ADB5D8C12FD}"/>
-          </ac:spMkLst>
-        </pc:spChg>
-        <pc:spChg chg="add del mod ord">
-          <ac:chgData name="nihar sodha" userId="43319efa11809d55" providerId="Windows Live" clId="Web-{DC473B64-D181-433F-BF45-7ECC970F09FC}" dt="2023-02-11T18:57:53.916" v="37"/>
-          <ac:spMkLst>
-            <pc:docMk/>
-            <pc:sldMk cId="3458061940" sldId="264"/>
-            <ac:spMk id="4" creationId="{6569037F-EC22-3168-C277-1E6C32D90C08}"/>
-          </ac:spMkLst>
-        </pc:spChg>
-        <pc:spChg chg="add">
-          <ac:chgData name="nihar sodha" userId="43319efa11809d55" providerId="Windows Live" clId="Web-{DC473B64-D181-433F-BF45-7ECC970F09FC}" dt="2023-02-11T18:59:58.295" v="54"/>
-          <ac:spMkLst>
-            <pc:docMk/>
-            <pc:sldMk cId="3458061940" sldId="264"/>
-            <ac:spMk id="43" creationId="{63BAC6E0-ADAC-40FB-AF53-88FA5F83738C}"/>
-          </ac:spMkLst>
-        </pc:spChg>
-        <pc:spChg chg="add">
-          <ac:chgData name="nihar sodha" userId="43319efa11809d55" providerId="Windows Live" clId="Web-{DC473B64-D181-433F-BF45-7ECC970F09FC}" dt="2023-02-11T18:59:58.295" v="54"/>
-          <ac:spMkLst>
-            <pc:docMk/>
-            <pc:sldMk cId="3458061940" sldId="264"/>
-            <ac:spMk id="45" creationId="{92B0CFF1-78D7-4A83-A95E-71F9E3831622}"/>
-          </ac:spMkLst>
-        </pc:spChg>
-        <pc:spChg chg="add">
-          <ac:chgData name="nihar sodha" userId="43319efa11809d55" providerId="Windows Live" clId="Web-{DC473B64-D181-433F-BF45-7ECC970F09FC}" dt="2023-02-11T18:59:58.295" v="54"/>
-          <ac:spMkLst>
-            <pc:docMk/>
-            <pc:sldMk cId="3458061940" sldId="264"/>
-            <ac:spMk id="80" creationId="{17D11638-D7E0-4D85-B1A6-AF57358C80C3}"/>
-          </ac:spMkLst>
-        </pc:spChg>
-        <pc:grpChg chg="add">
-          <ac:chgData name="nihar sodha" userId="43319efa11809d55" providerId="Windows Live" clId="Web-{DC473B64-D181-433F-BF45-7ECC970F09FC}" dt="2023-02-11T18:59:58.295" v="54"/>
-          <ac:grpSpMkLst>
-            <pc:docMk/>
-            <pc:sldMk cId="3458061940" sldId="264"/>
-            <ac:grpSpMk id="10" creationId="{BDF0D99C-5D42-41C6-A50C-C4E2D6B2A36E}"/>
-          </ac:grpSpMkLst>
-        </pc:grpChg>
-        <pc:grpChg chg="add">
-          <ac:chgData name="nihar sodha" userId="43319efa11809d55" providerId="Windows Live" clId="Web-{DC473B64-D181-433F-BF45-7ECC970F09FC}" dt="2023-02-11T18:59:58.295" v="54"/>
-          <ac:grpSpMkLst>
-            <pc:docMk/>
-            <pc:sldMk cId="3458061940" sldId="264"/>
-            <ac:grpSpMk id="47" creationId="{4B74A58D-C788-4F75-B5D1-921E78FF29A7}"/>
-          </ac:grpSpMkLst>
-        </pc:grpChg>
-        <pc:picChg chg="add mod ord">
-          <ac:chgData name="nihar sodha" userId="43319efa11809d55" providerId="Windows Live" clId="Web-{DC473B64-D181-433F-BF45-7ECC970F09FC}" dt="2023-02-11T19:49:47.840" v="298" actId="14100"/>
-          <ac:picMkLst>
-            <pc:docMk/>
-            <pc:sldMk cId="3458061940" sldId="264"/>
-            <ac:picMk id="5" creationId="{201218E7-9B43-0809-98D5-8A5F69507F92}"/>
-          </ac:picMkLst>
-        </pc:picChg>
-      </pc:sldChg>
-      <pc:sldChg chg="modSp add replId">
-        <pc:chgData name="nihar sodha" userId="43319efa11809d55" providerId="Windows Live" clId="Web-{DC473B64-D181-433F-BF45-7ECC970F09FC}" dt="2023-02-11T20:00:59.269" v="414" actId="20577"/>
-        <pc:sldMkLst>
-          <pc:docMk/>
-          <pc:sldMk cId="2197057432" sldId="265"/>
-        </pc:sldMkLst>
-        <pc:spChg chg="mod">
-          <ac:chgData name="nihar sodha" userId="43319efa11809d55" providerId="Windows Live" clId="Web-{DC473B64-D181-433F-BF45-7ECC970F09FC}" dt="2023-02-11T20:00:59.269" v="414" actId="20577"/>
-          <ac:spMkLst>
-            <pc:docMk/>
-            <pc:sldMk cId="2197057432" sldId="265"/>
-            <ac:spMk id="2" creationId="{F5456C85-8A0B-12E0-05BB-D9DAD1AA3698}"/>
-          </ac:spMkLst>
-        </pc:spChg>
-        <pc:spChg chg="mod">
-          <ac:chgData name="nihar sodha" userId="43319efa11809d55" providerId="Windows Live" clId="Web-{DC473B64-D181-433F-BF45-7ECC970F09FC}" dt="2023-02-11T19:51:15.921" v="312" actId="20577"/>
-          <ac:spMkLst>
-            <pc:docMk/>
-            <pc:sldMk cId="2197057432" sldId="265"/>
-            <ac:spMk id="3" creationId="{675753D2-3643-2B52-9E7E-2ADB5D8C12FD}"/>
-          </ac:spMkLst>
-        </pc:spChg>
-        <pc:picChg chg="mod">
-          <ac:chgData name="nihar sodha" userId="43319efa11809d55" providerId="Windows Live" clId="Web-{DC473B64-D181-433F-BF45-7ECC970F09FC}" dt="2023-02-11T19:50:52.170" v="309" actId="14100"/>
-          <ac:picMkLst>
-            <pc:docMk/>
-            <pc:sldMk cId="2197057432" sldId="265"/>
-            <ac:picMk id="5" creationId="{201218E7-9B43-0809-98D5-8A5F69507F92}"/>
-          </ac:picMkLst>
-        </pc:picChg>
-      </pc:sldChg>
-      <pc:sldChg chg="modSp add replId">
-        <pc:chgData name="nihar sodha" userId="43319efa11809d55" providerId="Windows Live" clId="Web-{DC473B64-D181-433F-BF45-7ECC970F09FC}" dt="2023-02-11T20:01:05.050" v="415" actId="20577"/>
-        <pc:sldMkLst>
-          <pc:docMk/>
-          <pc:sldMk cId="2124351151" sldId="266"/>
-        </pc:sldMkLst>
-        <pc:spChg chg="mod">
-          <ac:chgData name="nihar sodha" userId="43319efa11809d55" providerId="Windows Live" clId="Web-{DC473B64-D181-433F-BF45-7ECC970F09FC}" dt="2023-02-11T20:01:05.050" v="415" actId="20577"/>
-          <ac:spMkLst>
-            <pc:docMk/>
-            <pc:sldMk cId="2124351151" sldId="266"/>
-            <ac:spMk id="2" creationId="{F5456C85-8A0B-12E0-05BB-D9DAD1AA3698}"/>
-          </ac:spMkLst>
-        </pc:spChg>
-        <pc:spChg chg="mod">
-          <ac:chgData name="nihar sodha" userId="43319efa11809d55" providerId="Windows Live" clId="Web-{DC473B64-D181-433F-BF45-7ECC970F09FC}" dt="2023-02-11T19:50:35.138" v="307" actId="20577"/>
-          <ac:spMkLst>
-            <pc:docMk/>
-            <pc:sldMk cId="2124351151" sldId="266"/>
-            <ac:spMk id="3" creationId="{675753D2-3643-2B52-9E7E-2ADB5D8C12FD}"/>
-          </ac:spMkLst>
-        </pc:spChg>
-        <pc:picChg chg="mod modCrop">
-          <ac:chgData name="nihar sodha" userId="43319efa11809d55" providerId="Windows Live" clId="Web-{DC473B64-D181-433F-BF45-7ECC970F09FC}" dt="2023-02-11T19:50:25.591" v="302" actId="14100"/>
-          <ac:picMkLst>
-            <pc:docMk/>
-            <pc:sldMk cId="2124351151" sldId="266"/>
-            <ac:picMk id="5" creationId="{201218E7-9B43-0809-98D5-8A5F69507F92}"/>
-          </ac:picMkLst>
-        </pc:picChg>
-      </pc:sldChg>
-      <pc:sldChg chg="modSp add replId">
-        <pc:chgData name="nihar sodha" userId="43319efa11809d55" providerId="Windows Live" clId="Web-{DC473B64-D181-433F-BF45-7ECC970F09FC}" dt="2023-02-11T20:01:10.285" v="416" actId="20577"/>
-        <pc:sldMkLst>
-          <pc:docMk/>
-          <pc:sldMk cId="588443178" sldId="267"/>
-        </pc:sldMkLst>
-        <pc:spChg chg="mod">
-          <ac:chgData name="nihar sodha" userId="43319efa11809d55" providerId="Windows Live" clId="Web-{DC473B64-D181-433F-BF45-7ECC970F09FC}" dt="2023-02-11T20:01:10.285" v="416" actId="20577"/>
-          <ac:spMkLst>
-            <pc:docMk/>
-            <pc:sldMk cId="588443178" sldId="267"/>
-            <ac:spMk id="2" creationId="{F5456C85-8A0B-12E0-05BB-D9DAD1AA3698}"/>
-          </ac:spMkLst>
-        </pc:spChg>
-        <pc:spChg chg="mod">
-          <ac:chgData name="nihar sodha" userId="43319efa11809d55" providerId="Windows Live" clId="Web-{DC473B64-D181-433F-BF45-7ECC970F09FC}" dt="2023-02-11T19:51:35.062" v="315" actId="20577"/>
-          <ac:spMkLst>
-            <pc:docMk/>
-            <pc:sldMk cId="588443178" sldId="267"/>
-            <ac:spMk id="3" creationId="{675753D2-3643-2B52-9E7E-2ADB5D8C12FD}"/>
-          </ac:spMkLst>
-        </pc:spChg>
-        <pc:picChg chg="mod">
-          <ac:chgData name="nihar sodha" userId="43319efa11809d55" providerId="Windows Live" clId="Web-{DC473B64-D181-433F-BF45-7ECC970F09FC}" dt="2023-02-11T19:51:46.453" v="317" actId="14100"/>
-          <ac:picMkLst>
-            <pc:docMk/>
-            <pc:sldMk cId="588443178" sldId="267"/>
-            <ac:picMk id="5" creationId="{201218E7-9B43-0809-98D5-8A5F69507F92}"/>
-          </ac:picMkLst>
-        </pc:picChg>
-      </pc:sldChg>
-      <pc:sldChg chg="addSp delSp modSp new mod ord setBg modClrScheme chgLayout">
-        <pc:chgData name="nihar sodha" userId="43319efa11809d55" providerId="Windows Live" clId="Web-{DC473B64-D181-433F-BF45-7ECC970F09FC}" dt="2023-02-11T20:02:46.132" v="432"/>
-        <pc:sldMkLst>
-          <pc:docMk/>
-          <pc:sldMk cId="1965973806" sldId="268"/>
-        </pc:sldMkLst>
-        <pc:spChg chg="mod ord">
-          <ac:chgData name="nihar sodha" userId="43319efa11809d55" providerId="Windows Live" clId="Web-{DC473B64-D181-433F-BF45-7ECC970F09FC}" dt="2023-02-11T20:02:46.132" v="432"/>
-          <ac:spMkLst>
-            <pc:docMk/>
-            <pc:sldMk cId="1965973806" sldId="268"/>
-            <ac:spMk id="2" creationId="{96CEC0F8-632A-CDD6-C0BE-D04BCDB8A989}"/>
-          </ac:spMkLst>
-        </pc:spChg>
-        <pc:spChg chg="mod ord">
-          <ac:chgData name="nihar sodha" userId="43319efa11809d55" providerId="Windows Live" clId="Web-{DC473B64-D181-433F-BF45-7ECC970F09FC}" dt="2023-02-11T20:02:46.132" v="432"/>
-          <ac:spMkLst>
-            <pc:docMk/>
-            <pc:sldMk cId="1965973806" sldId="268"/>
-            <ac:spMk id="3" creationId="{FFCB77F3-CFF4-B8D9-9DD6-4E101FA749AA}"/>
-          </ac:spMkLst>
-        </pc:spChg>
-        <pc:spChg chg="del">
-          <ac:chgData name="nihar sodha" userId="43319efa11809d55" providerId="Windows Live" clId="Web-{DC473B64-D181-433F-BF45-7ECC970F09FC}" dt="2023-02-11T19:55:11.226" v="322"/>
-          <ac:spMkLst>
-            <pc:docMk/>
-            <pc:sldMk cId="1965973806" sldId="268"/>
-            <ac:spMk id="4" creationId="{939D33BC-F94D-700D-9006-F24E53145D17}"/>
-          </ac:spMkLst>
-        </pc:spChg>
-        <pc:spChg chg="add del">
-          <ac:chgData name="nihar sodha" userId="43319efa11809d55" providerId="Windows Live" clId="Web-{DC473B64-D181-433F-BF45-7ECC970F09FC}" dt="2023-02-11T20:02:46.132" v="432"/>
-          <ac:spMkLst>
-            <pc:docMk/>
-            <pc:sldMk cId="1965973806" sldId="268"/>
-            <ac:spMk id="41" creationId="{63BAC6E0-ADAC-40FB-AF53-88FA5F83738C}"/>
-          </ac:spMkLst>
-        </pc:spChg>
-        <pc:spChg chg="add del">
-          <ac:chgData name="nihar sodha" userId="43319efa11809d55" providerId="Windows Live" clId="Web-{DC473B64-D181-433F-BF45-7ECC970F09FC}" dt="2023-02-11T20:02:46.132" v="432"/>
-          <ac:spMkLst>
-            <pc:docMk/>
-            <pc:sldMk cId="1965973806" sldId="268"/>
-            <ac:spMk id="43" creationId="{2FD1FEA2-AFB3-4160-AD46-30A807296446}"/>
-          </ac:spMkLst>
-        </pc:spChg>
-        <pc:spChg chg="add del">
-          <ac:chgData name="nihar sodha" userId="43319efa11809d55" providerId="Windows Live" clId="Web-{DC473B64-D181-433F-BF45-7ECC970F09FC}" dt="2023-02-11T20:02:46.132" v="432"/>
-          <ac:spMkLst>
-            <pc:docMk/>
-            <pc:sldMk cId="1965973806" sldId="268"/>
-            <ac:spMk id="78" creationId="{9AA2BC59-928B-43C3-B9E7-D77D4F3EE7EA}"/>
-          </ac:spMkLst>
-        </pc:spChg>
-        <pc:grpChg chg="add del">
-          <ac:chgData name="nihar sodha" userId="43319efa11809d55" providerId="Windows Live" clId="Web-{DC473B64-D181-433F-BF45-7ECC970F09FC}" dt="2023-02-11T20:02:46.132" v="432"/>
-          <ac:grpSpMkLst>
-            <pc:docMk/>
-            <pc:sldMk cId="1965973806" sldId="268"/>
-            <ac:grpSpMk id="8" creationId="{BDF0D99C-5D42-41C6-A50C-C4E2D6B2A36E}"/>
-          </ac:grpSpMkLst>
-        </pc:grpChg>
-        <pc:grpChg chg="add del">
-          <ac:chgData name="nihar sodha" userId="43319efa11809d55" providerId="Windows Live" clId="Web-{DC473B64-D181-433F-BF45-7ECC970F09FC}" dt="2023-02-11T20:02:46.132" v="432"/>
-          <ac:grpSpMkLst>
-            <pc:docMk/>
-            <pc:sldMk cId="1965973806" sldId="268"/>
-            <ac:grpSpMk id="45" creationId="{514AF8D4-8E5C-4E3A-999F-1FE86654EE48}"/>
-          </ac:grpSpMkLst>
-        </pc:grpChg>
-      </pc:sldChg>
-      <pc:sldMasterChg chg="add del mod setBg addSldLayout delSldLayout modSldLayout">
-        <pc:chgData name="nihar sodha" userId="43319efa11809d55" providerId="Windows Live" clId="Web-{DC473B64-D181-433F-BF45-7ECC970F09FC}" dt="2023-02-11T18:55:12.926" v="24"/>
-        <pc:sldMasterMkLst>
-          <pc:docMk/>
-          <pc:sldMasterMk cId="1716263484" sldId="2147483861"/>
-        </pc:sldMasterMkLst>
-        <pc:sldLayoutChg chg="add del mod">
-          <pc:chgData name="nihar sodha" userId="43319efa11809d55" providerId="Windows Live" clId="Web-{DC473B64-D181-433F-BF45-7ECC970F09FC}" dt="2023-02-11T18:55:12.926" v="24"/>
-          <pc:sldLayoutMkLst>
-            <pc:docMk/>
-            <pc:sldMasterMk cId="1716263484" sldId="2147483861"/>
-            <pc:sldLayoutMk cId="1790492539" sldId="2147483850"/>
-          </pc:sldLayoutMkLst>
-        </pc:sldLayoutChg>
-        <pc:sldLayoutChg chg="add del mod">
-          <pc:chgData name="nihar sodha" userId="43319efa11809d55" providerId="Windows Live" clId="Web-{DC473B64-D181-433F-BF45-7ECC970F09FC}" dt="2023-02-11T18:55:12.926" v="24"/>
-          <pc:sldLayoutMkLst>
-            <pc:docMk/>
-            <pc:sldMasterMk cId="1716263484" sldId="2147483861"/>
-            <pc:sldLayoutMk cId="4108348728" sldId="2147483851"/>
-          </pc:sldLayoutMkLst>
-        </pc:sldLayoutChg>
-        <pc:sldLayoutChg chg="add del mod">
-          <pc:chgData name="nihar sodha" userId="43319efa11809d55" providerId="Windows Live" clId="Web-{DC473B64-D181-433F-BF45-7ECC970F09FC}" dt="2023-02-11T18:55:12.926" v="24"/>
-          <pc:sldLayoutMkLst>
-            <pc:docMk/>
-            <pc:sldMasterMk cId="1716263484" sldId="2147483861"/>
-            <pc:sldLayoutMk cId="3133582096" sldId="2147483852"/>
-          </pc:sldLayoutMkLst>
-        </pc:sldLayoutChg>
-        <pc:sldLayoutChg chg="add del mod">
-          <pc:chgData name="nihar sodha" userId="43319efa11809d55" providerId="Windows Live" clId="Web-{DC473B64-D181-433F-BF45-7ECC970F09FC}" dt="2023-02-11T18:55:12.926" v="24"/>
-          <pc:sldLayoutMkLst>
-            <pc:docMk/>
-            <pc:sldMasterMk cId="1716263484" sldId="2147483861"/>
-            <pc:sldLayoutMk cId="2151429837" sldId="2147483853"/>
-          </pc:sldLayoutMkLst>
-        </pc:sldLayoutChg>
-        <pc:sldLayoutChg chg="add del mod">
-          <pc:chgData name="nihar sodha" userId="43319efa11809d55" providerId="Windows Live" clId="Web-{DC473B64-D181-433F-BF45-7ECC970F09FC}" dt="2023-02-11T18:55:12.926" v="24"/>
-          <pc:sldLayoutMkLst>
-            <pc:docMk/>
-            <pc:sldMasterMk cId="1716263484" sldId="2147483861"/>
-            <pc:sldLayoutMk cId="3757314775" sldId="2147483854"/>
-          </pc:sldLayoutMkLst>
-        </pc:sldLayoutChg>
-        <pc:sldLayoutChg chg="add del mod">
-          <pc:chgData name="nihar sodha" userId="43319efa11809d55" providerId="Windows Live" clId="Web-{DC473B64-D181-433F-BF45-7ECC970F09FC}" dt="2023-02-11T18:55:12.926" v="24"/>
-          <pc:sldLayoutMkLst>
-            <pc:docMk/>
-            <pc:sldMasterMk cId="1716263484" sldId="2147483861"/>
-            <pc:sldLayoutMk cId="1867166395" sldId="2147483855"/>
-          </pc:sldLayoutMkLst>
-        </pc:sldLayoutChg>
-        <pc:sldLayoutChg chg="add del mod">
-          <pc:chgData name="nihar sodha" userId="43319efa11809d55" providerId="Windows Live" clId="Web-{DC473B64-D181-433F-BF45-7ECC970F09FC}" dt="2023-02-11T18:55:12.926" v="24"/>
-          <pc:sldLayoutMkLst>
-            <pc:docMk/>
-            <pc:sldMasterMk cId="1716263484" sldId="2147483861"/>
-            <pc:sldLayoutMk cId="2694787135" sldId="2147483856"/>
-          </pc:sldLayoutMkLst>
-        </pc:sldLayoutChg>
-        <pc:sldLayoutChg chg="add del mod">
-          <pc:chgData name="nihar sodha" userId="43319efa11809d55" providerId="Windows Live" clId="Web-{DC473B64-D181-433F-BF45-7ECC970F09FC}" dt="2023-02-11T18:55:12.926" v="24"/>
-          <pc:sldLayoutMkLst>
-            <pc:docMk/>
-            <pc:sldMasterMk cId="1716263484" sldId="2147483861"/>
-            <pc:sldLayoutMk cId="2560263845" sldId="2147483857"/>
-          </pc:sldLayoutMkLst>
-        </pc:sldLayoutChg>
-        <pc:sldLayoutChg chg="add del mod">
-          <pc:chgData name="nihar sodha" userId="43319efa11809d55" providerId="Windows Live" clId="Web-{DC473B64-D181-433F-BF45-7ECC970F09FC}" dt="2023-02-11T18:55:12.926" v="24"/>
-          <pc:sldLayoutMkLst>
-            <pc:docMk/>
-            <pc:sldMasterMk cId="1716263484" sldId="2147483861"/>
-            <pc:sldLayoutMk cId="1458795528" sldId="2147483858"/>
-          </pc:sldLayoutMkLst>
-        </pc:sldLayoutChg>
-        <pc:sldLayoutChg chg="add del mod">
-          <pc:chgData name="nihar sodha" userId="43319efa11809d55" providerId="Windows Live" clId="Web-{DC473B64-D181-433F-BF45-7ECC970F09FC}" dt="2023-02-11T18:55:12.926" v="24"/>
-          <pc:sldLayoutMkLst>
-            <pc:docMk/>
-            <pc:sldMasterMk cId="1716263484" sldId="2147483861"/>
-            <pc:sldLayoutMk cId="3056281829" sldId="2147483859"/>
-          </pc:sldLayoutMkLst>
-        </pc:sldLayoutChg>
-        <pc:sldLayoutChg chg="add del mod">
-          <pc:chgData name="nihar sodha" userId="43319efa11809d55" providerId="Windows Live" clId="Web-{DC473B64-D181-433F-BF45-7ECC970F09FC}" dt="2023-02-11T18:55:12.926" v="24"/>
-          <pc:sldLayoutMkLst>
-            <pc:docMk/>
-            <pc:sldMasterMk cId="1716263484" sldId="2147483861"/>
-            <pc:sldLayoutMk cId="499461699" sldId="2147483860"/>
-          </pc:sldLayoutMkLst>
-        </pc:sldLayoutChg>
-      </pc:sldMasterChg>
-      <pc:sldMasterChg chg="add del mod setBg addSldLayout delSldLayout modSldLayout">
-        <pc:chgData name="nihar sodha" userId="43319efa11809d55" providerId="Windows Live" clId="Web-{DC473B64-D181-433F-BF45-7ECC970F09FC}" dt="2023-02-11T18:54:16.752" v="14"/>
-        <pc:sldMasterMkLst>
-          <pc:docMk/>
-          <pc:sldMasterMk cId="316097504" sldId="2147483862"/>
-        </pc:sldMasterMkLst>
-        <pc:sldLayoutChg chg="add del mod replId">
-          <pc:chgData name="nihar sodha" userId="43319efa11809d55" providerId="Windows Live" clId="Web-{DC473B64-D181-433F-BF45-7ECC970F09FC}" dt="2023-02-11T18:54:16.752" v="14"/>
-          <pc:sldLayoutMkLst>
-            <pc:docMk/>
-            <pc:sldMasterMk cId="316097504" sldId="2147483862"/>
-            <pc:sldLayoutMk cId="3994940917" sldId="2147483863"/>
-          </pc:sldLayoutMkLst>
-        </pc:sldLayoutChg>
-        <pc:sldLayoutChg chg="add del mod replId">
-          <pc:chgData name="nihar sodha" userId="43319efa11809d55" providerId="Windows Live" clId="Web-{DC473B64-D181-433F-BF45-7ECC970F09FC}" dt="2023-02-11T18:54:16.752" v="14"/>
-          <pc:sldLayoutMkLst>
-            <pc:docMk/>
-            <pc:sldMasterMk cId="316097504" sldId="2147483862"/>
-            <pc:sldLayoutMk cId="3754275606" sldId="2147483864"/>
-          </pc:sldLayoutMkLst>
-        </pc:sldLayoutChg>
-        <pc:sldLayoutChg chg="add del mod replId">
-          <pc:chgData name="nihar sodha" userId="43319efa11809d55" providerId="Windows Live" clId="Web-{DC473B64-D181-433F-BF45-7ECC970F09FC}" dt="2023-02-11T18:54:16.752" v="14"/>
-          <pc:sldLayoutMkLst>
-            <pc:docMk/>
-            <pc:sldMasterMk cId="316097504" sldId="2147483862"/>
-            <pc:sldLayoutMk cId="2814961718" sldId="2147483865"/>
-          </pc:sldLayoutMkLst>
-        </pc:sldLayoutChg>
-        <pc:sldLayoutChg chg="add del mod replId">
-          <pc:chgData name="nihar sodha" userId="43319efa11809d55" providerId="Windows Live" clId="Web-{DC473B64-D181-433F-BF45-7ECC970F09FC}" dt="2023-02-11T18:54:16.752" v="14"/>
-          <pc:sldLayoutMkLst>
-            <pc:docMk/>
-            <pc:sldMasterMk cId="316097504" sldId="2147483862"/>
-            <pc:sldLayoutMk cId="1844294720" sldId="2147483866"/>
-          </pc:sldLayoutMkLst>
-        </pc:sldLayoutChg>
-        <pc:sldLayoutChg chg="add del mod replId">
-          <pc:chgData name="nihar sodha" userId="43319efa11809d55" providerId="Windows Live" clId="Web-{DC473B64-D181-433F-BF45-7ECC970F09FC}" dt="2023-02-11T18:54:16.752" v="14"/>
-          <pc:sldLayoutMkLst>
-            <pc:docMk/>
-            <pc:sldMasterMk cId="316097504" sldId="2147483862"/>
-            <pc:sldLayoutMk cId="1422842723" sldId="2147483867"/>
-          </pc:sldLayoutMkLst>
-        </pc:sldLayoutChg>
-        <pc:sldLayoutChg chg="add del mod replId">
-          <pc:chgData name="nihar sodha" userId="43319efa11809d55" providerId="Windows Live" clId="Web-{DC473B64-D181-433F-BF45-7ECC970F09FC}" dt="2023-02-11T18:54:16.752" v="14"/>
-          <pc:sldLayoutMkLst>
-            <pc:docMk/>
-            <pc:sldMasterMk cId="316097504" sldId="2147483862"/>
-            <pc:sldLayoutMk cId="891665270" sldId="2147483868"/>
-          </pc:sldLayoutMkLst>
-        </pc:sldLayoutChg>
-        <pc:sldLayoutChg chg="add del mod replId">
-          <pc:chgData name="nihar sodha" userId="43319efa11809d55" providerId="Windows Live" clId="Web-{DC473B64-D181-433F-BF45-7ECC970F09FC}" dt="2023-02-11T18:54:16.752" v="14"/>
-          <pc:sldLayoutMkLst>
-            <pc:docMk/>
-            <pc:sldMasterMk cId="316097504" sldId="2147483862"/>
-            <pc:sldLayoutMk cId="1315841498" sldId="2147483869"/>
-          </pc:sldLayoutMkLst>
-        </pc:sldLayoutChg>
-        <pc:sldLayoutChg chg="add del mod replId">
-          <pc:chgData name="nihar sodha" userId="43319efa11809d55" providerId="Windows Live" clId="Web-{DC473B64-D181-433F-BF45-7ECC970F09FC}" dt="2023-02-11T18:54:16.752" v="14"/>
-          <pc:sldLayoutMkLst>
-            <pc:docMk/>
-            <pc:sldMasterMk cId="316097504" sldId="2147483862"/>
-            <pc:sldLayoutMk cId="780703622" sldId="2147483870"/>
-          </pc:sldLayoutMkLst>
-        </pc:sldLayoutChg>
-        <pc:sldLayoutChg chg="add del mod replId">
-          <pc:chgData name="nihar sodha" userId="43319efa11809d55" providerId="Windows Live" clId="Web-{DC473B64-D181-433F-BF45-7ECC970F09FC}" dt="2023-02-11T18:54:16.752" v="14"/>
-          <pc:sldLayoutMkLst>
-            <pc:docMk/>
-            <pc:sldMasterMk cId="316097504" sldId="2147483862"/>
-            <pc:sldLayoutMk cId="329344314" sldId="2147483871"/>
-          </pc:sldLayoutMkLst>
-        </pc:sldLayoutChg>
-        <pc:sldLayoutChg chg="add del mod replId">
-          <pc:chgData name="nihar sodha" userId="43319efa11809d55" providerId="Windows Live" clId="Web-{DC473B64-D181-433F-BF45-7ECC970F09FC}" dt="2023-02-11T18:54:16.752" v="14"/>
-          <pc:sldLayoutMkLst>
-            <pc:docMk/>
-            <pc:sldMasterMk cId="316097504" sldId="2147483862"/>
-            <pc:sldLayoutMk cId="1659536571" sldId="2147483872"/>
-          </pc:sldLayoutMkLst>
-        </pc:sldLayoutChg>
-        <pc:sldLayoutChg chg="add del mod replId">
-          <pc:chgData name="nihar sodha" userId="43319efa11809d55" providerId="Windows Live" clId="Web-{DC473B64-D181-433F-BF45-7ECC970F09FC}" dt="2023-02-11T18:54:16.752" v="14"/>
-          <pc:sldLayoutMkLst>
-            <pc:docMk/>
-            <pc:sldMasterMk cId="316097504" sldId="2147483862"/>
-            <pc:sldLayoutMk cId="3368187202" sldId="2147483873"/>
-          </pc:sldLayoutMkLst>
-        </pc:sldLayoutChg>
-      </pc:sldMasterChg>
-      <pc:sldMasterChg chg="add del addSldLayout delSldLayout modSldLayout">
-        <pc:chgData name="nihar sodha" userId="43319efa11809d55" providerId="Windows Live" clId="Web-{DC473B64-D181-433F-BF45-7ECC970F09FC}" dt="2023-02-11T18:53:31.485" v="8"/>
-        <pc:sldMasterMkLst>
-          <pc:docMk/>
-          <pc:sldMasterMk cId="1747365593" sldId="2147483862"/>
-        </pc:sldMasterMkLst>
-        <pc:sldLayoutChg chg="add del mod replId">
-          <pc:chgData name="nihar sodha" userId="43319efa11809d55" providerId="Windows Live" clId="Web-{DC473B64-D181-433F-BF45-7ECC970F09FC}" dt="2023-02-11T18:53:31.485" v="8"/>
-          <pc:sldLayoutMkLst>
-            <pc:docMk/>
-            <pc:sldMasterMk cId="1747365593" sldId="2147483862"/>
-            <pc:sldLayoutMk cId="2035381559" sldId="2147483863"/>
-          </pc:sldLayoutMkLst>
-        </pc:sldLayoutChg>
-        <pc:sldLayoutChg chg="add del mod replId">
-          <pc:chgData name="nihar sodha" userId="43319efa11809d55" providerId="Windows Live" clId="Web-{DC473B64-D181-433F-BF45-7ECC970F09FC}" dt="2023-02-11T18:53:31.485" v="8"/>
-          <pc:sldLayoutMkLst>
-            <pc:docMk/>
-            <pc:sldMasterMk cId="1747365593" sldId="2147483862"/>
-            <pc:sldLayoutMk cId="3543202376" sldId="2147483864"/>
-          </pc:sldLayoutMkLst>
-        </pc:sldLayoutChg>
-        <pc:sldLayoutChg chg="add del mod replId">
-          <pc:chgData name="nihar sodha" userId="43319efa11809d55" providerId="Windows Live" clId="Web-{DC473B64-D181-433F-BF45-7ECC970F09FC}" dt="2023-02-11T18:53:31.485" v="8"/>
-          <pc:sldLayoutMkLst>
-            <pc:docMk/>
-            <pc:sldMasterMk cId="1747365593" sldId="2147483862"/>
-            <pc:sldLayoutMk cId="2380493466" sldId="2147483865"/>
-          </pc:sldLayoutMkLst>
-        </pc:sldLayoutChg>
-        <pc:sldLayoutChg chg="add del mod replId">
-          <pc:chgData name="nihar sodha" userId="43319efa11809d55" providerId="Windows Live" clId="Web-{DC473B64-D181-433F-BF45-7ECC970F09FC}" dt="2023-02-11T18:53:31.485" v="8"/>
-          <pc:sldLayoutMkLst>
-            <pc:docMk/>
-            <pc:sldMasterMk cId="1747365593" sldId="2147483862"/>
-            <pc:sldLayoutMk cId="2787619639" sldId="2147483866"/>
-          </pc:sldLayoutMkLst>
-        </pc:sldLayoutChg>
-        <pc:sldLayoutChg chg="add del mod replId">
-          <pc:chgData name="nihar sodha" userId="43319efa11809d55" providerId="Windows Live" clId="Web-{DC473B64-D181-433F-BF45-7ECC970F09FC}" dt="2023-02-11T18:53:31.485" v="8"/>
-          <pc:sldLayoutMkLst>
-            <pc:docMk/>
-            <pc:sldMasterMk cId="1747365593" sldId="2147483862"/>
-            <pc:sldLayoutMk cId="939729418" sldId="2147483867"/>
-          </pc:sldLayoutMkLst>
-        </pc:sldLayoutChg>
-        <pc:sldLayoutChg chg="add del mod replId">
-          <pc:chgData name="nihar sodha" userId="43319efa11809d55" providerId="Windows Live" clId="Web-{DC473B64-D181-433F-BF45-7ECC970F09FC}" dt="2023-02-11T18:53:31.485" v="8"/>
-          <pc:sldLayoutMkLst>
-            <pc:docMk/>
-            <pc:sldMasterMk cId="1747365593" sldId="2147483862"/>
-            <pc:sldLayoutMk cId="2238989924" sldId="2147483868"/>
-          </pc:sldLayoutMkLst>
-        </pc:sldLayoutChg>
-        <pc:sldLayoutChg chg="add del mod replId">
-          <pc:chgData name="nihar sodha" userId="43319efa11809d55" providerId="Windows Live" clId="Web-{DC473B64-D181-433F-BF45-7ECC970F09FC}" dt="2023-02-11T18:53:31.485" v="8"/>
-          <pc:sldLayoutMkLst>
-            <pc:docMk/>
-            <pc:sldMasterMk cId="1747365593" sldId="2147483862"/>
-            <pc:sldLayoutMk cId="3390099401" sldId="2147483869"/>
-          </pc:sldLayoutMkLst>
-        </pc:sldLayoutChg>
-        <pc:sldLayoutChg chg="add del mod replId">
-          <pc:chgData name="nihar sodha" userId="43319efa11809d55" providerId="Windows Live" clId="Web-{DC473B64-D181-433F-BF45-7ECC970F09FC}" dt="2023-02-11T18:53:31.485" v="8"/>
-          <pc:sldLayoutMkLst>
-            <pc:docMk/>
-            <pc:sldMasterMk cId="1747365593" sldId="2147483862"/>
-            <pc:sldLayoutMk cId="2049067211" sldId="2147483870"/>
-          </pc:sldLayoutMkLst>
-        </pc:sldLayoutChg>
-        <pc:sldLayoutChg chg="add del mod replId">
-          <pc:chgData name="nihar sodha" userId="43319efa11809d55" providerId="Windows Live" clId="Web-{DC473B64-D181-433F-BF45-7ECC970F09FC}" dt="2023-02-11T18:53:31.485" v="8"/>
-          <pc:sldLayoutMkLst>
-            <pc:docMk/>
-            <pc:sldMasterMk cId="1747365593" sldId="2147483862"/>
-            <pc:sldLayoutMk cId="1788817657" sldId="2147483871"/>
-          </pc:sldLayoutMkLst>
-        </pc:sldLayoutChg>
-        <pc:sldLayoutChg chg="add del mod replId">
-          <pc:chgData name="nihar sodha" userId="43319efa11809d55" providerId="Windows Live" clId="Web-{DC473B64-D181-433F-BF45-7ECC970F09FC}" dt="2023-02-11T18:53:31.485" v="8"/>
-          <pc:sldLayoutMkLst>
-            <pc:docMk/>
-            <pc:sldMasterMk cId="1747365593" sldId="2147483862"/>
-            <pc:sldLayoutMk cId="1543274688" sldId="2147483872"/>
-          </pc:sldLayoutMkLst>
-        </pc:sldLayoutChg>
-        <pc:sldLayoutChg chg="add del mod replId">
-          <pc:chgData name="nihar sodha" userId="43319efa11809d55" providerId="Windows Live" clId="Web-{DC473B64-D181-433F-BF45-7ECC970F09FC}" dt="2023-02-11T18:53:31.485" v="8"/>
-          <pc:sldLayoutMkLst>
-            <pc:docMk/>
-            <pc:sldMasterMk cId="1747365593" sldId="2147483862"/>
-            <pc:sldLayoutMk cId="1268690549" sldId="2147483873"/>
-          </pc:sldLayoutMkLst>
-        </pc:sldLayoutChg>
-      </pc:sldMasterChg>
-      <pc:sldMasterChg chg="add del mod setBg addSldLayout delSldLayout modSldLayout">
-        <pc:chgData name="nihar sodha" userId="43319efa11809d55" providerId="Windows Live" clId="Web-{DC473B64-D181-433F-BF45-7ECC970F09FC}" dt="2023-02-11T18:55:12.926" v="24"/>
-        <pc:sldMasterMkLst>
-          <pc:docMk/>
-          <pc:sldMasterMk cId="2530846006" sldId="2147483862"/>
-        </pc:sldMasterMkLst>
-        <pc:sldLayoutChg chg="add del mod replId">
-          <pc:chgData name="nihar sodha" userId="43319efa11809d55" providerId="Windows Live" clId="Web-{DC473B64-D181-433F-BF45-7ECC970F09FC}" dt="2023-02-11T18:55:12.926" v="24"/>
-          <pc:sldLayoutMkLst>
-            <pc:docMk/>
-            <pc:sldMasterMk cId="2530846006" sldId="2147483862"/>
-            <pc:sldLayoutMk cId="2941296700" sldId="2147483863"/>
-          </pc:sldLayoutMkLst>
-        </pc:sldLayoutChg>
-        <pc:sldLayoutChg chg="add del mod replId">
-          <pc:chgData name="nihar sodha" userId="43319efa11809d55" providerId="Windows Live" clId="Web-{DC473B64-D181-433F-BF45-7ECC970F09FC}" dt="2023-02-11T18:55:12.926" v="24"/>
-          <pc:sldLayoutMkLst>
-            <pc:docMk/>
-            <pc:sldMasterMk cId="2530846006" sldId="2147483862"/>
-            <pc:sldLayoutMk cId="1124230308" sldId="2147483864"/>
-          </pc:sldLayoutMkLst>
-        </pc:sldLayoutChg>
-        <pc:sldLayoutChg chg="add del mod replId">
-          <pc:chgData name="nihar sodha" userId="43319efa11809d55" providerId="Windows Live" clId="Web-{DC473B64-D181-433F-BF45-7ECC970F09FC}" dt="2023-02-11T18:55:12.926" v="24"/>
-          <pc:sldLayoutMkLst>
-            <pc:docMk/>
-            <pc:sldMasterMk cId="2530846006" sldId="2147483862"/>
-            <pc:sldLayoutMk cId="3335725459" sldId="2147483865"/>
-          </pc:sldLayoutMkLst>
-        </pc:sldLayoutChg>
-        <pc:sldLayoutChg chg="add del mod replId">
-          <pc:chgData name="nihar sodha" userId="43319efa11809d55" providerId="Windows Live" clId="Web-{DC473B64-D181-433F-BF45-7ECC970F09FC}" dt="2023-02-11T18:55:12.926" v="24"/>
-          <pc:sldLayoutMkLst>
-            <pc:docMk/>
-            <pc:sldMasterMk cId="2530846006" sldId="2147483862"/>
-            <pc:sldLayoutMk cId="120728590" sldId="2147483866"/>
-          </pc:sldLayoutMkLst>
-        </pc:sldLayoutChg>
-        <pc:sldLayoutChg chg="add del mod replId">
-          <pc:chgData name="nihar sodha" userId="43319efa11809d55" providerId="Windows Live" clId="Web-{DC473B64-D181-433F-BF45-7ECC970F09FC}" dt="2023-02-11T18:55:12.926" v="24"/>
-          <pc:sldLayoutMkLst>
-            <pc:docMk/>
-            <pc:sldMasterMk cId="2530846006" sldId="2147483862"/>
-            <pc:sldLayoutMk cId="4280751877" sldId="2147483867"/>
-          </pc:sldLayoutMkLst>
-        </pc:sldLayoutChg>
-        <pc:sldLayoutChg chg="add del mod replId">
-          <pc:chgData name="nihar sodha" userId="43319efa11809d55" providerId="Windows Live" clId="Web-{DC473B64-D181-433F-BF45-7ECC970F09FC}" dt="2023-02-11T18:55:12.926" v="24"/>
-          <pc:sldLayoutMkLst>
-            <pc:docMk/>
-            <pc:sldMasterMk cId="2530846006" sldId="2147483862"/>
-            <pc:sldLayoutMk cId="1870272380" sldId="2147483868"/>
-          </pc:sldLayoutMkLst>
-        </pc:sldLayoutChg>
-        <pc:sldLayoutChg chg="add del mod replId">
-          <pc:chgData name="nihar sodha" userId="43319efa11809d55" providerId="Windows Live" clId="Web-{DC473B64-D181-433F-BF45-7ECC970F09FC}" dt="2023-02-11T18:55:12.926" v="24"/>
-          <pc:sldLayoutMkLst>
-            <pc:docMk/>
-            <pc:sldMasterMk cId="2530846006" sldId="2147483862"/>
-            <pc:sldLayoutMk cId="1988660985" sldId="2147483869"/>
-          </pc:sldLayoutMkLst>
-        </pc:sldLayoutChg>
-        <pc:sldLayoutChg chg="add del mod replId">
-          <pc:chgData name="nihar sodha" userId="43319efa11809d55" providerId="Windows Live" clId="Web-{DC473B64-D181-433F-BF45-7ECC970F09FC}" dt="2023-02-11T18:55:12.926" v="24"/>
-          <pc:sldLayoutMkLst>
-            <pc:docMk/>
-            <pc:sldMasterMk cId="2530846006" sldId="2147483862"/>
-            <pc:sldLayoutMk cId="571830451" sldId="2147483870"/>
-          </pc:sldLayoutMkLst>
-        </pc:sldLayoutChg>
-        <pc:sldLayoutChg chg="add del mod replId">
-          <pc:chgData name="nihar sodha" userId="43319efa11809d55" providerId="Windows Live" clId="Web-{DC473B64-D181-433F-BF45-7ECC970F09FC}" dt="2023-02-11T18:55:12.926" v="24"/>
-          <pc:sldLayoutMkLst>
-            <pc:docMk/>
-            <pc:sldMasterMk cId="2530846006" sldId="2147483862"/>
-            <pc:sldLayoutMk cId="373193432" sldId="2147483871"/>
-          </pc:sldLayoutMkLst>
-        </pc:sldLayoutChg>
-        <pc:sldLayoutChg chg="add del mod replId">
-          <pc:chgData name="nihar sodha" userId="43319efa11809d55" providerId="Windows Live" clId="Web-{DC473B64-D181-433F-BF45-7ECC970F09FC}" dt="2023-02-11T18:55:12.926" v="24"/>
-          <pc:sldLayoutMkLst>
-            <pc:docMk/>
-            <pc:sldMasterMk cId="2530846006" sldId="2147483862"/>
-            <pc:sldLayoutMk cId="2794173832" sldId="2147483872"/>
-          </pc:sldLayoutMkLst>
-        </pc:sldLayoutChg>
-        <pc:sldLayoutChg chg="add del mod replId">
-          <pc:chgData name="nihar sodha" userId="43319efa11809d55" providerId="Windows Live" clId="Web-{DC473B64-D181-433F-BF45-7ECC970F09FC}" dt="2023-02-11T18:55:12.926" v="24"/>
-          <pc:sldLayoutMkLst>
-            <pc:docMk/>
-            <pc:sldMasterMk cId="2530846006" sldId="2147483862"/>
-            <pc:sldLayoutMk cId="2268116833" sldId="2147483873"/>
-          </pc:sldLayoutMkLst>
-        </pc:sldLayoutChg>
-      </pc:sldMasterChg>
-      <pc:sldMasterChg chg="add del mod setBg addSldLayout delSldLayout modSldLayout">
-        <pc:chgData name="nihar sodha" userId="43319efa11809d55" providerId="Windows Live" clId="Web-{DC473B64-D181-433F-BF45-7ECC970F09FC}" dt="2023-02-11T18:53:05.687" v="5"/>
-        <pc:sldMasterMkLst>
-          <pc:docMk/>
-          <pc:sldMasterMk cId="2571499884" sldId="2147483862"/>
-        </pc:sldMasterMkLst>
-        <pc:sldLayoutChg chg="add del mod replId">
-          <pc:chgData name="nihar sodha" userId="43319efa11809d55" providerId="Windows Live" clId="Web-{DC473B64-D181-433F-BF45-7ECC970F09FC}" dt="2023-02-11T18:53:05.687" v="5"/>
-          <pc:sldLayoutMkLst>
-            <pc:docMk/>
-            <pc:sldMasterMk cId="2571499884" sldId="2147483862"/>
-            <pc:sldLayoutMk cId="3430051725" sldId="2147483863"/>
-          </pc:sldLayoutMkLst>
-        </pc:sldLayoutChg>
-        <pc:sldLayoutChg chg="add del mod replId">
-          <pc:chgData name="nihar sodha" userId="43319efa11809d55" providerId="Windows Live" clId="Web-{DC473B64-D181-433F-BF45-7ECC970F09FC}" dt="2023-02-11T18:53:05.687" v="5"/>
-          <pc:sldLayoutMkLst>
-            <pc:docMk/>
-            <pc:sldMasterMk cId="2571499884" sldId="2147483862"/>
-            <pc:sldLayoutMk cId="683829567" sldId="2147483864"/>
-          </pc:sldLayoutMkLst>
-        </pc:sldLayoutChg>
-        <pc:sldLayoutChg chg="add del mod replId">
-          <pc:chgData name="nihar sodha" userId="43319efa11809d55" providerId="Windows Live" clId="Web-{DC473B64-D181-433F-BF45-7ECC970F09FC}" dt="2023-02-11T18:53:05.687" v="5"/>
-          <pc:sldLayoutMkLst>
-            <pc:docMk/>
-            <pc:sldMasterMk cId="2571499884" sldId="2147483862"/>
-            <pc:sldLayoutMk cId="4231882773" sldId="2147483865"/>
-          </pc:sldLayoutMkLst>
-        </pc:sldLayoutChg>
-        <pc:sldLayoutChg chg="add del mod replId">
-          <pc:chgData name="nihar sodha" userId="43319efa11809d55" providerId="Windows Live" clId="Web-{DC473B64-D181-433F-BF45-7ECC970F09FC}" dt="2023-02-11T18:53:05.687" v="5"/>
-          <pc:sldLayoutMkLst>
-            <pc:docMk/>
-            <pc:sldMasterMk cId="2571499884" sldId="2147483862"/>
-            <pc:sldLayoutMk cId="419652214" sldId="2147483866"/>
-          </pc:sldLayoutMkLst>
-        </pc:sldLayoutChg>
-        <pc:sldLayoutChg chg="add del mod replId">
-          <pc:chgData name="nihar sodha" userId="43319efa11809d55" providerId="Windows Live" clId="Web-{DC473B64-D181-433F-BF45-7ECC970F09FC}" dt="2023-02-11T18:53:05.687" v="5"/>
-          <pc:sldLayoutMkLst>
-            <pc:docMk/>
-            <pc:sldMasterMk cId="2571499884" sldId="2147483862"/>
-            <pc:sldLayoutMk cId="1924225114" sldId="2147483867"/>
-          </pc:sldLayoutMkLst>
-        </pc:sldLayoutChg>
-        <pc:sldLayoutChg chg="add del mod replId">
-          <pc:chgData name="nihar sodha" userId="43319efa11809d55" providerId="Windows Live" clId="Web-{DC473B64-D181-433F-BF45-7ECC970F09FC}" dt="2023-02-11T18:53:05.687" v="5"/>
-          <pc:sldLayoutMkLst>
-            <pc:docMk/>
-            <pc:sldMasterMk cId="2571499884" sldId="2147483862"/>
-            <pc:sldLayoutMk cId="3229928539" sldId="2147483868"/>
-          </pc:sldLayoutMkLst>
-        </pc:sldLayoutChg>
-        <pc:sldLayoutChg chg="add del mod replId">
-          <pc:chgData name="nihar sodha" userId="43319efa11809d55" providerId="Windows Live" clId="Web-{DC473B64-D181-433F-BF45-7ECC970F09FC}" dt="2023-02-11T18:53:05.687" v="5"/>
-          <pc:sldLayoutMkLst>
-            <pc:docMk/>
-            <pc:sldMasterMk cId="2571499884" sldId="2147483862"/>
-            <pc:sldLayoutMk cId="3036286856" sldId="2147483869"/>
-          </pc:sldLayoutMkLst>
-        </pc:sldLayoutChg>
-        <pc:sldLayoutChg chg="add del mod replId">
-          <pc:chgData name="nihar sodha" userId="43319efa11809d55" providerId="Windows Live" clId="Web-{DC473B64-D181-433F-BF45-7ECC970F09FC}" dt="2023-02-11T18:53:05.687" v="5"/>
-          <pc:sldLayoutMkLst>
-            <pc:docMk/>
-            <pc:sldMasterMk cId="2571499884" sldId="2147483862"/>
-            <pc:sldLayoutMk cId="2123703586" sldId="2147483870"/>
-          </pc:sldLayoutMkLst>
-        </pc:sldLayoutChg>
-        <pc:sldLayoutChg chg="add del mod replId">
-          <pc:chgData name="nihar sodha" userId="43319efa11809d55" providerId="Windows Live" clId="Web-{DC473B64-D181-433F-BF45-7ECC970F09FC}" dt="2023-02-11T18:53:05.687" v="5"/>
-          <pc:sldLayoutMkLst>
-            <pc:docMk/>
-            <pc:sldMasterMk cId="2571499884" sldId="2147483862"/>
-            <pc:sldLayoutMk cId="429089861" sldId="2147483871"/>
-          </pc:sldLayoutMkLst>
-        </pc:sldLayoutChg>
-        <pc:sldLayoutChg chg="add del mod replId">
-          <pc:chgData name="nihar sodha" userId="43319efa11809d55" providerId="Windows Live" clId="Web-{DC473B64-D181-433F-BF45-7ECC970F09FC}" dt="2023-02-11T18:53:05.687" v="5"/>
-          <pc:sldLayoutMkLst>
-            <pc:docMk/>
-            <pc:sldMasterMk cId="2571499884" sldId="2147483862"/>
-            <pc:sldLayoutMk cId="2320436020" sldId="2147483872"/>
-          </pc:sldLayoutMkLst>
-        </pc:sldLayoutChg>
-        <pc:sldLayoutChg chg="add del mod replId">
-          <pc:chgData name="nihar sodha" userId="43319efa11809d55" providerId="Windows Live" clId="Web-{DC473B64-D181-433F-BF45-7ECC970F09FC}" dt="2023-02-11T18:53:05.687" v="5"/>
-          <pc:sldLayoutMkLst>
-            <pc:docMk/>
-            <pc:sldMasterMk cId="2571499884" sldId="2147483862"/>
-            <pc:sldLayoutMk cId="1347913727" sldId="2147483873"/>
-          </pc:sldLayoutMkLst>
-        </pc:sldLayoutChg>
-      </pc:sldMasterChg>
     </pc:docChg>
   </pc:docChgLst>
   <pc:docChgLst>
@@ -4487,6 +4490,356 @@
     </pc:docChg>
   </pc:docChgLst>
 </pc:chgInfo>
+</file>
+
+<file path=ppt/notesMasters/notesMaster1.xml><?xml version="1.0" encoding="utf-8"?>
+<p:notesMaster xmlns:a="http://schemas.openxmlformats.org/drawingml/2006/main" xmlns:r="http://schemas.openxmlformats.org/officeDocument/2006/relationships" xmlns:p="http://schemas.openxmlformats.org/presentationml/2006/main">
+  <p:cSld>
+    <p:bg>
+      <p:bgRef idx="1001">
+        <a:schemeClr val="bg1"/>
+      </p:bgRef>
+    </p:bg>
+    <p:spTree>
+      <p:nvGrpSpPr>
+        <p:cNvPr id="1" name=""/>
+        <p:cNvGrpSpPr/>
+        <p:nvPr/>
+      </p:nvGrpSpPr>
+      <p:grpSpPr>
+        <a:xfrm>
+          <a:off x="0" y="0"/>
+          <a:ext cx="0" cy="0"/>
+          <a:chOff x="0" y="0"/>
+          <a:chExt cx="0" cy="0"/>
+        </a:xfrm>
+      </p:grpSpPr>
+      <p:sp>
+        <p:nvSpPr>
+          <p:cNvPr id="2" name="Header Placeholder 1"/>
+          <p:cNvSpPr>
+            <a:spLocks noGrp="1"/>
+          </p:cNvSpPr>
+          <p:nvPr>
+            <p:ph type="hdr" sz="quarter"/>
+          </p:nvPr>
+        </p:nvSpPr>
+        <p:spPr>
+          <a:xfrm>
+            <a:off x="0" y="0"/>
+            <a:ext cx="2971800" cy="458788"/>
+          </a:xfrm>
+          <a:prstGeom prst="rect">
+            <a:avLst/>
+          </a:prstGeom>
+        </p:spPr>
+        <p:txBody>
+          <a:bodyPr vert="horz" lIns="91440" tIns="45720" rIns="91440" bIns="45720" rtlCol="0"/>
+          <a:lstStyle>
+            <a:lvl1pPr algn="l">
+              <a:defRPr sz="1200"/>
+            </a:lvl1pPr>
+          </a:lstStyle>
+          <a:p>
+            <a:endParaRPr lang="en-IN"/>
+          </a:p>
+        </p:txBody>
+      </p:sp>
+      <p:sp>
+        <p:nvSpPr>
+          <p:cNvPr id="3" name="Date Placeholder 2"/>
+          <p:cNvSpPr>
+            <a:spLocks noGrp="1"/>
+          </p:cNvSpPr>
+          <p:nvPr>
+            <p:ph type="dt" idx="1"/>
+          </p:nvPr>
+        </p:nvSpPr>
+        <p:spPr>
+          <a:xfrm>
+            <a:off x="3884613" y="0"/>
+            <a:ext cx="2971800" cy="458788"/>
+          </a:xfrm>
+          <a:prstGeom prst="rect">
+            <a:avLst/>
+          </a:prstGeom>
+        </p:spPr>
+        <p:txBody>
+          <a:bodyPr vert="horz" lIns="91440" tIns="45720" rIns="91440" bIns="45720" rtlCol="0"/>
+          <a:lstStyle>
+            <a:lvl1pPr algn="r">
+              <a:defRPr sz="1200"/>
+            </a:lvl1pPr>
+          </a:lstStyle>
+          <a:p>
+            <a:fld id="{A97CCE79-F6FE-4C28-95BE-0EB965E6DE57}" type="datetimeFigureOut">
+              <a:rPr lang="en-IN" smtClean="0"/>
+              <a:t>20-02-2023</a:t>
+            </a:fld>
+            <a:endParaRPr lang="en-IN"/>
+          </a:p>
+        </p:txBody>
+      </p:sp>
+      <p:sp>
+        <p:nvSpPr>
+          <p:cNvPr id="4" name="Slide Image Placeholder 3"/>
+          <p:cNvSpPr>
+            <a:spLocks noGrp="1" noRot="1" noChangeAspect="1"/>
+          </p:cNvSpPr>
+          <p:nvPr>
+            <p:ph type="sldImg" idx="2"/>
+          </p:nvPr>
+        </p:nvSpPr>
+        <p:spPr>
+          <a:xfrm>
+            <a:off x="685800" y="1143000"/>
+            <a:ext cx="5486400" cy="3086100"/>
+          </a:xfrm>
+          <a:prstGeom prst="rect">
+            <a:avLst/>
+          </a:prstGeom>
+          <a:noFill/>
+          <a:ln w="12700">
+            <a:solidFill>
+              <a:prstClr val="black"/>
+            </a:solidFill>
+          </a:ln>
+        </p:spPr>
+        <p:txBody>
+          <a:bodyPr vert="horz" lIns="91440" tIns="45720" rIns="91440" bIns="45720" rtlCol="0" anchor="ctr"/>
+          <a:lstStyle/>
+          <a:p>
+            <a:endParaRPr lang="en-IN"/>
+          </a:p>
+        </p:txBody>
+      </p:sp>
+      <p:sp>
+        <p:nvSpPr>
+          <p:cNvPr id="5" name="Notes Placeholder 4"/>
+          <p:cNvSpPr>
+            <a:spLocks noGrp="1"/>
+          </p:cNvSpPr>
+          <p:nvPr>
+            <p:ph type="body" sz="quarter" idx="3"/>
+          </p:nvPr>
+        </p:nvSpPr>
+        <p:spPr>
+          <a:xfrm>
+            <a:off x="685800" y="4400550"/>
+            <a:ext cx="5486400" cy="3600450"/>
+          </a:xfrm>
+          <a:prstGeom prst="rect">
+            <a:avLst/>
+          </a:prstGeom>
+        </p:spPr>
+        <p:txBody>
+          <a:bodyPr vert="horz" lIns="91440" tIns="45720" rIns="91440" bIns="45720" rtlCol="0"/>
+          <a:lstStyle/>
+          <a:p>
+            <a:pPr lvl="0"/>
+            <a:r>
+              <a:rPr lang="en-US"/>
+              <a:t>Click to edit Master text styles</a:t>
+            </a:r>
+          </a:p>
+          <a:p>
+            <a:pPr lvl="1"/>
+            <a:r>
+              <a:rPr lang="en-US"/>
+              <a:t>Second level</a:t>
+            </a:r>
+          </a:p>
+          <a:p>
+            <a:pPr lvl="2"/>
+            <a:r>
+              <a:rPr lang="en-US"/>
+              <a:t>Third level</a:t>
+            </a:r>
+          </a:p>
+          <a:p>
+            <a:pPr lvl="3"/>
+            <a:r>
+              <a:rPr lang="en-US"/>
+              <a:t>Fourth level</a:t>
+            </a:r>
+          </a:p>
+          <a:p>
+            <a:pPr lvl="4"/>
+            <a:r>
+              <a:rPr lang="en-US"/>
+              <a:t>Fifth level</a:t>
+            </a:r>
+            <a:endParaRPr lang="en-IN"/>
+          </a:p>
+        </p:txBody>
+      </p:sp>
+      <p:sp>
+        <p:nvSpPr>
+          <p:cNvPr id="6" name="Footer Placeholder 5"/>
+          <p:cNvSpPr>
+            <a:spLocks noGrp="1"/>
+          </p:cNvSpPr>
+          <p:nvPr>
+            <p:ph type="ftr" sz="quarter" idx="4"/>
+          </p:nvPr>
+        </p:nvSpPr>
+        <p:spPr>
+          <a:xfrm>
+            <a:off x="0" y="8685213"/>
+            <a:ext cx="2971800" cy="458787"/>
+          </a:xfrm>
+          <a:prstGeom prst="rect">
+            <a:avLst/>
+          </a:prstGeom>
+        </p:spPr>
+        <p:txBody>
+          <a:bodyPr vert="horz" lIns="91440" tIns="45720" rIns="91440" bIns="45720" rtlCol="0" anchor="b"/>
+          <a:lstStyle>
+            <a:lvl1pPr algn="l">
+              <a:defRPr sz="1200"/>
+            </a:lvl1pPr>
+          </a:lstStyle>
+          <a:p>
+            <a:endParaRPr lang="en-IN"/>
+          </a:p>
+        </p:txBody>
+      </p:sp>
+      <p:sp>
+        <p:nvSpPr>
+          <p:cNvPr id="7" name="Slide Number Placeholder 6"/>
+          <p:cNvSpPr>
+            <a:spLocks noGrp="1"/>
+          </p:cNvSpPr>
+          <p:nvPr>
+            <p:ph type="sldNum" sz="quarter" idx="5"/>
+          </p:nvPr>
+        </p:nvSpPr>
+        <p:spPr>
+          <a:xfrm>
+            <a:off x="3884613" y="8685213"/>
+            <a:ext cx="2971800" cy="458787"/>
+          </a:xfrm>
+          <a:prstGeom prst="rect">
+            <a:avLst/>
+          </a:prstGeom>
+        </p:spPr>
+        <p:txBody>
+          <a:bodyPr vert="horz" lIns="91440" tIns="45720" rIns="91440" bIns="45720" rtlCol="0" anchor="b"/>
+          <a:lstStyle>
+            <a:lvl1pPr algn="r">
+              <a:defRPr sz="1200"/>
+            </a:lvl1pPr>
+          </a:lstStyle>
+          <a:p>
+            <a:fld id="{72C036CA-79FD-49CE-BF05-71D4BE2F26DA}" type="slidenum">
+              <a:rPr lang="en-IN" smtClean="0"/>
+              <a:t>‹#›</a:t>
+            </a:fld>
+            <a:endParaRPr lang="en-IN"/>
+          </a:p>
+        </p:txBody>
+      </p:sp>
+    </p:spTree>
+    <p:extLst>
+      <p:ext uri="{BB962C8B-B14F-4D97-AF65-F5344CB8AC3E}">
+        <p14:creationId xmlns:p14="http://schemas.microsoft.com/office/powerpoint/2010/main" val="1589789653"/>
+      </p:ext>
+    </p:extLst>
+  </p:cSld>
+  <p:clrMap bg1="lt1" tx1="dk1" bg2="lt2" tx2="dk2" accent1="accent1" accent2="accent2" accent3="accent3" accent4="accent4" accent5="accent5" accent6="accent6" hlink="hlink" folHlink="folHlink"/>
+  <p:notesStyle>
+    <a:lvl1pPr marL="0" algn="l" defTabSz="914400" rtl="0" eaLnBrk="1" latinLnBrk="0" hangingPunct="1">
+      <a:defRPr sz="1200" kern="1200">
+        <a:solidFill>
+          <a:schemeClr val="tx1"/>
+        </a:solidFill>
+        <a:latin typeface="+mn-lt"/>
+        <a:ea typeface="+mn-ea"/>
+        <a:cs typeface="+mn-cs"/>
+      </a:defRPr>
+    </a:lvl1pPr>
+    <a:lvl2pPr marL="457200" algn="l" defTabSz="914400" rtl="0" eaLnBrk="1" latinLnBrk="0" hangingPunct="1">
+      <a:defRPr sz="1200" kern="1200">
+        <a:solidFill>
+          <a:schemeClr val="tx1"/>
+        </a:solidFill>
+        <a:latin typeface="+mn-lt"/>
+        <a:ea typeface="+mn-ea"/>
+        <a:cs typeface="+mn-cs"/>
+      </a:defRPr>
+    </a:lvl2pPr>
+    <a:lvl3pPr marL="914400" algn="l" defTabSz="914400" rtl="0" eaLnBrk="1" latinLnBrk="0" hangingPunct="1">
+      <a:defRPr sz="1200" kern="1200">
+        <a:solidFill>
+          <a:schemeClr val="tx1"/>
+        </a:solidFill>
+        <a:latin typeface="+mn-lt"/>
+        <a:ea typeface="+mn-ea"/>
+        <a:cs typeface="+mn-cs"/>
+      </a:defRPr>
+    </a:lvl3pPr>
+    <a:lvl4pPr marL="1371600" algn="l" defTabSz="914400" rtl="0" eaLnBrk="1" latinLnBrk="0" hangingPunct="1">
+      <a:defRPr sz="1200" kern="1200">
+        <a:solidFill>
+          <a:schemeClr val="tx1"/>
+        </a:solidFill>
+        <a:latin typeface="+mn-lt"/>
+        <a:ea typeface="+mn-ea"/>
+        <a:cs typeface="+mn-cs"/>
+      </a:defRPr>
+    </a:lvl4pPr>
+    <a:lvl5pPr marL="1828800" algn="l" defTabSz="914400" rtl="0" eaLnBrk="1" latinLnBrk="0" hangingPunct="1">
+      <a:defRPr sz="1200" kern="1200">
+        <a:solidFill>
+          <a:schemeClr val="tx1"/>
+        </a:solidFill>
+        <a:latin typeface="+mn-lt"/>
+        <a:ea typeface="+mn-ea"/>
+        <a:cs typeface="+mn-cs"/>
+      </a:defRPr>
+    </a:lvl5pPr>
+    <a:lvl6pPr marL="2286000" algn="l" defTabSz="914400" rtl="0" eaLnBrk="1" latinLnBrk="0" hangingPunct="1">
+      <a:defRPr sz="1200" kern="1200">
+        <a:solidFill>
+          <a:schemeClr val="tx1"/>
+        </a:solidFill>
+        <a:latin typeface="+mn-lt"/>
+        <a:ea typeface="+mn-ea"/>
+        <a:cs typeface="+mn-cs"/>
+      </a:defRPr>
+    </a:lvl6pPr>
+    <a:lvl7pPr marL="2743200" algn="l" defTabSz="914400" rtl="0" eaLnBrk="1" latinLnBrk="0" hangingPunct="1">
+      <a:defRPr sz="1200" kern="1200">
+        <a:solidFill>
+          <a:schemeClr val="tx1"/>
+        </a:solidFill>
+        <a:latin typeface="+mn-lt"/>
+        <a:ea typeface="+mn-ea"/>
+        <a:cs typeface="+mn-cs"/>
+      </a:defRPr>
+    </a:lvl7pPr>
+    <a:lvl8pPr marL="3200400" algn="l" defTabSz="914400" rtl="0" eaLnBrk="1" latinLnBrk="0" hangingPunct="1">
+      <a:defRPr sz="1200" kern="1200">
+        <a:solidFill>
+          <a:schemeClr val="tx1"/>
+        </a:solidFill>
+        <a:latin typeface="+mn-lt"/>
+        <a:ea typeface="+mn-ea"/>
+        <a:cs typeface="+mn-cs"/>
+      </a:defRPr>
+    </a:lvl8pPr>
+    <a:lvl9pPr marL="3657600" algn="l" defTabSz="914400" rtl="0" eaLnBrk="1" latinLnBrk="0" hangingPunct="1">
+      <a:defRPr sz="1200" kern="1200">
+        <a:solidFill>
+          <a:schemeClr val="tx1"/>
+        </a:solidFill>
+        <a:latin typeface="+mn-lt"/>
+        <a:ea typeface="+mn-ea"/>
+        <a:cs typeface="+mn-cs"/>
+      </a:defRPr>
+    </a:lvl9pPr>
+  </p:notesStyle>
+</p:notesMaster>
 </file>
 
 <file path=ppt/slideLayouts/slideLayout1.xml><?xml version="1.0" encoding="utf-8"?>
@@ -6153,9 +6506,9 @@
           <a:bodyPr/>
           <a:lstStyle/>
           <a:p>
-            <a:fld id="{8F72BA41-EC5B-4197-BCC8-0FD2E523CD7A}" type="datetimeFigureOut">
+            <a:fld id="{3E7E9669-0897-4114-98E1-7A747D44AAA4}" type="datetime1">
               <a:rPr lang="en-US" smtClean="0"/>
-              <a:t>2/13/2023</a:t>
+              <a:t>2/20/2023</a:t>
             </a:fld>
             <a:endParaRPr lang="en-US"/>
           </a:p>
@@ -6356,9 +6709,9 @@
           <a:bodyPr/>
           <a:lstStyle/>
           <a:p>
-            <a:fld id="{8F72BA41-EC5B-4197-BCC8-0FD2E523CD7A}" type="datetimeFigureOut">
+            <a:fld id="{1A88C5F7-0FE9-4C28-A62B-B02AA1F68280}" type="datetime1">
               <a:rPr lang="en-US" smtClean="0"/>
-              <a:t>2/13/2023</a:t>
+              <a:t>2/20/2023</a:t>
             </a:fld>
             <a:endParaRPr lang="en-US"/>
           </a:p>
@@ -8077,9 +8430,9 @@
           <a:bodyPr/>
           <a:lstStyle/>
           <a:p>
-            <a:fld id="{8F72BA41-EC5B-4197-BCC8-0FD2E523CD7A}" type="datetimeFigureOut">
+            <a:fld id="{3DC1B306-BF01-4B69-9E76-B18CB802BD9E}" type="datetime1">
               <a:rPr lang="en-US" smtClean="0"/>
-              <a:t>2/13/2023</a:t>
+              <a:t>2/20/2023</a:t>
             </a:fld>
             <a:endParaRPr lang="en-US"/>
           </a:p>
@@ -8276,9 +8629,9 @@
           <a:bodyPr/>
           <a:lstStyle/>
           <a:p>
-            <a:fld id="{8F72BA41-EC5B-4197-BCC8-0FD2E523CD7A}" type="datetimeFigureOut">
+            <a:fld id="{22BE5DE1-EE72-4EC6-8D16-87B5414DF45E}" type="datetime1">
               <a:rPr lang="en-US" smtClean="0"/>
-              <a:t>2/13/2023</a:t>
+              <a:t>2/20/2023</a:t>
             </a:fld>
             <a:endParaRPr lang="en-US"/>
           </a:p>
@@ -10066,9 +10419,9 @@
           <a:bodyPr/>
           <a:lstStyle/>
           <a:p>
-            <a:fld id="{8F72BA41-EC5B-4197-BCC8-0FD2E523CD7A}" type="datetimeFigureOut">
+            <a:fld id="{BFBE6358-0DCB-4353-B96A-9A7AC0A3BB54}" type="datetime1">
               <a:rPr lang="en-US" smtClean="0"/>
-              <a:t>2/13/2023</a:t>
+              <a:t>2/20/2023</a:t>
             </a:fld>
             <a:endParaRPr lang="en-US"/>
           </a:p>
@@ -10339,9 +10692,9 @@
           <a:bodyPr/>
           <a:lstStyle/>
           <a:p>
-            <a:fld id="{8F72BA41-EC5B-4197-BCC8-0FD2E523CD7A}" type="datetimeFigureOut">
+            <a:fld id="{0C7A5F7D-3F74-4717-874D-F28400F5F8CE}" type="datetime1">
               <a:rPr lang="en-US" smtClean="0"/>
-              <a:t>2/13/2023</a:t>
+              <a:t>2/20/2023</a:t>
             </a:fld>
             <a:endParaRPr lang="en-US"/>
           </a:p>
@@ -10759,9 +11112,9 @@
           <a:bodyPr/>
           <a:lstStyle/>
           <a:p>
-            <a:fld id="{8F72BA41-EC5B-4197-BCC8-0FD2E523CD7A}" type="datetimeFigureOut">
+            <a:fld id="{46EB07E6-81AB-42BB-AE65-FB7BFFA0C439}" type="datetime1">
               <a:rPr lang="en-US" smtClean="0"/>
-              <a:t>2/13/2023</a:t>
+              <a:t>2/20/2023</a:t>
             </a:fld>
             <a:endParaRPr lang="en-US"/>
           </a:p>
@@ -10915,9 +11268,9 @@
           <a:bodyPr/>
           <a:lstStyle/>
           <a:p>
-            <a:fld id="{8F72BA41-EC5B-4197-BCC8-0FD2E523CD7A}" type="datetimeFigureOut">
+            <a:fld id="{B6D921F7-2988-4BB8-9F21-A649853D2163}" type="datetime1">
               <a:rPr lang="en-US" smtClean="0"/>
-              <a:t>2/13/2023</a:t>
+              <a:t>2/20/2023</a:t>
             </a:fld>
             <a:endParaRPr lang="en-US"/>
           </a:p>
@@ -12483,9 +12836,9 @@
           <a:bodyPr/>
           <a:lstStyle/>
           <a:p>
-            <a:fld id="{8F72BA41-EC5B-4197-BCC8-0FD2E523CD7A}" type="datetimeFigureOut">
+            <a:fld id="{0E5F4157-1836-4FD2-ABE5-787455657ACB}" type="datetime1">
               <a:rPr lang="en-US" smtClean="0"/>
-              <a:t>2/13/2023</a:t>
+              <a:t>2/20/2023</a:t>
             </a:fld>
             <a:endParaRPr lang="en-US"/>
           </a:p>
@@ -14334,9 +14687,9 @@
           <a:bodyPr/>
           <a:lstStyle/>
           <a:p>
-            <a:fld id="{8F72BA41-EC5B-4197-BCC8-0FD2E523CD7A}" type="datetimeFigureOut">
+            <a:fld id="{BB089881-046D-481E-BD25-ED305E223B18}" type="datetime1">
               <a:rPr lang="en-US" smtClean="0"/>
-              <a:t>2/13/2023</a:t>
+              <a:t>2/20/2023</a:t>
             </a:fld>
             <a:endParaRPr lang="en-US"/>
           </a:p>
@@ -16147,9 +16500,9 @@
           <a:bodyPr/>
           <a:lstStyle/>
           <a:p>
-            <a:fld id="{8F72BA41-EC5B-4197-BCC8-0FD2E523CD7A}" type="datetimeFigureOut">
+            <a:fld id="{6E3CBB05-F5A9-4621-9885-943CD59DE1BD}" type="datetime1">
               <a:rPr lang="en-US" smtClean="0"/>
-              <a:t>2/13/2023</a:t>
+              <a:t>2/20/2023</a:t>
             </a:fld>
             <a:endParaRPr lang="en-US"/>
           </a:p>
@@ -17843,10 +18196,9 @@
             </a:lvl1pPr>
           </a:lstStyle>
           <a:p>
-            <a:fld id="{8F72BA41-EC5B-4197-BCC8-0FD2E523CD7A}" type="datetimeFigureOut">
+            <a:fld id="{641EB663-FC5F-4722-8F26-AF283CAA3B32}" type="datetime1">
               <a:rPr lang="en-US" smtClean="0"/>
-              <a:pPr/>
-              <a:t>2/13/2023</a:t>
+              <a:t>2/20/2023</a:t>
             </a:fld>
             <a:endParaRPr lang="en-US" dirty="0"/>
           </a:p>
@@ -18025,6 +18377,7 @@
     <p:sldLayoutId id="2147483853" r:id="rId10"/>
     <p:sldLayoutId id="2147483855" r:id="rId11"/>
   </p:sldLayoutIdLst>
+  <p:hf hdr="0" ftr="0" dt="0"/>
   <p:txStyles>
     <p:titleStyle>
       <a:lvl1pPr algn="l" defTabSz="914400" rtl="0" eaLnBrk="1" latinLnBrk="0" hangingPunct="1">
@@ -18446,6 +18799,35 @@
           </a:p>
         </p:txBody>
       </p:sp>
+      <p:sp>
+        <p:nvSpPr>
+          <p:cNvPr id="5" name="Slide Number Placeholder 4">
+            <a:extLst>
+              <a:ext uri="{FF2B5EF4-FFF2-40B4-BE49-F238E27FC236}">
+                <a16:creationId xmlns:a16="http://schemas.microsoft.com/office/drawing/2014/main" id="{C35ECE87-9509-9F55-3A17-A7B8624F2AC7}"/>
+              </a:ext>
+            </a:extLst>
+          </p:cNvPr>
+          <p:cNvSpPr>
+            <a:spLocks noGrp="1"/>
+          </p:cNvSpPr>
+          <p:nvPr>
+            <p:ph type="sldNum" sz="quarter" idx="12"/>
+          </p:nvPr>
+        </p:nvSpPr>
+        <p:spPr/>
+        <p:txBody>
+          <a:bodyPr/>
+          <a:lstStyle/>
+          <a:p>
+            <a:fld id="{BE15108C-154A-4A5A-9C05-91A49A422BA7}" type="slidenum">
+              <a:rPr lang="en-US" smtClean="0"/>
+              <a:t>1</a:t>
+            </a:fld>
+            <a:endParaRPr lang="en-US"/>
+          </a:p>
+        </p:txBody>
+      </p:sp>
     </p:spTree>
     <p:extLst>
       <p:ext uri="{BB962C8B-B14F-4D97-AF65-F5344CB8AC3E}">
@@ -22318,6 +22700,35 @@
           </a:ln>
         </p:spPr>
       </p:pic>
+      <p:sp>
+        <p:nvSpPr>
+          <p:cNvPr id="6" name="Slide Number Placeholder 5">
+            <a:extLst>
+              <a:ext uri="{FF2B5EF4-FFF2-40B4-BE49-F238E27FC236}">
+                <a16:creationId xmlns:a16="http://schemas.microsoft.com/office/drawing/2014/main" id="{42404A36-5356-AADC-F260-500263BFA61A}"/>
+              </a:ext>
+            </a:extLst>
+          </p:cNvPr>
+          <p:cNvSpPr>
+            <a:spLocks noGrp="1"/>
+          </p:cNvSpPr>
+          <p:nvPr>
+            <p:ph type="sldNum" sz="quarter" idx="12"/>
+          </p:nvPr>
+        </p:nvSpPr>
+        <p:spPr/>
+        <p:txBody>
+          <a:bodyPr/>
+          <a:lstStyle/>
+          <a:p>
+            <a:fld id="{BE15108C-154A-4A5A-9C05-91A49A422BA7}" type="slidenum">
+              <a:rPr lang="en-US" smtClean="0"/>
+              <a:t>10</a:t>
+            </a:fld>
+            <a:endParaRPr lang="en-US"/>
+          </a:p>
+        </p:txBody>
+      </p:sp>
     </p:spTree>
     <p:extLst>
       <p:ext uri="{BB962C8B-B14F-4D97-AF65-F5344CB8AC3E}">
@@ -26181,6 +26592,35 @@
           </a:ln>
         </p:spPr>
       </p:pic>
+      <p:sp>
+        <p:nvSpPr>
+          <p:cNvPr id="6" name="Slide Number Placeholder 5">
+            <a:extLst>
+              <a:ext uri="{FF2B5EF4-FFF2-40B4-BE49-F238E27FC236}">
+                <a16:creationId xmlns:a16="http://schemas.microsoft.com/office/drawing/2014/main" id="{B0DD57F4-CC1D-D01D-BE7E-72E205523754}"/>
+              </a:ext>
+            </a:extLst>
+          </p:cNvPr>
+          <p:cNvSpPr>
+            <a:spLocks noGrp="1"/>
+          </p:cNvSpPr>
+          <p:nvPr>
+            <p:ph type="sldNum" sz="quarter" idx="12"/>
+          </p:nvPr>
+        </p:nvSpPr>
+        <p:spPr/>
+        <p:txBody>
+          <a:bodyPr/>
+          <a:lstStyle/>
+          <a:p>
+            <a:fld id="{BE15108C-154A-4A5A-9C05-91A49A422BA7}" type="slidenum">
+              <a:rPr lang="en-US" smtClean="0"/>
+              <a:t>11</a:t>
+            </a:fld>
+            <a:endParaRPr lang="en-US"/>
+          </a:p>
+        </p:txBody>
+      </p:sp>
     </p:spTree>
     <p:extLst>
       <p:ext uri="{BB962C8B-B14F-4D97-AF65-F5344CB8AC3E}">
@@ -26317,6 +26757,35 @@
               </a:rPr>
               <a:t>Resilience to interferers</a:t>
             </a:r>
+          </a:p>
+        </p:txBody>
+      </p:sp>
+      <p:sp>
+        <p:nvSpPr>
+          <p:cNvPr id="5" name="Slide Number Placeholder 4">
+            <a:extLst>
+              <a:ext uri="{FF2B5EF4-FFF2-40B4-BE49-F238E27FC236}">
+                <a16:creationId xmlns:a16="http://schemas.microsoft.com/office/drawing/2014/main" id="{94D7EFAB-4FBA-784A-73D6-76E81ED52323}"/>
+              </a:ext>
+            </a:extLst>
+          </p:cNvPr>
+          <p:cNvSpPr>
+            <a:spLocks noGrp="1"/>
+          </p:cNvSpPr>
+          <p:nvPr>
+            <p:ph type="sldNum" sz="quarter" idx="12"/>
+          </p:nvPr>
+        </p:nvSpPr>
+        <p:spPr/>
+        <p:txBody>
+          <a:bodyPr/>
+          <a:lstStyle/>
+          <a:p>
+            <a:fld id="{BE15108C-154A-4A5A-9C05-91A49A422BA7}" type="slidenum">
+              <a:rPr lang="en-US" smtClean="0"/>
+              <a:t>12</a:t>
+            </a:fld>
+            <a:endParaRPr lang="en-US"/>
           </a:p>
         </p:txBody>
       </p:sp>
@@ -26535,6 +27004,35 @@
           </a:ln>
         </p:spPr>
       </p:pic>
+      <p:sp>
+        <p:nvSpPr>
+          <p:cNvPr id="7" name="Slide Number Placeholder 6">
+            <a:extLst>
+              <a:ext uri="{FF2B5EF4-FFF2-40B4-BE49-F238E27FC236}">
+                <a16:creationId xmlns:a16="http://schemas.microsoft.com/office/drawing/2014/main" id="{871ABD85-5110-7D9E-E0E3-D8DF8F24A652}"/>
+              </a:ext>
+            </a:extLst>
+          </p:cNvPr>
+          <p:cNvSpPr>
+            <a:spLocks noGrp="1"/>
+          </p:cNvSpPr>
+          <p:nvPr>
+            <p:ph type="sldNum" sz="quarter" idx="12"/>
+          </p:nvPr>
+        </p:nvSpPr>
+        <p:spPr/>
+        <p:txBody>
+          <a:bodyPr/>
+          <a:lstStyle/>
+          <a:p>
+            <a:fld id="{BE15108C-154A-4A5A-9C05-91A49A422BA7}" type="slidenum">
+              <a:rPr lang="en-US" smtClean="0"/>
+              <a:t>13</a:t>
+            </a:fld>
+            <a:endParaRPr lang="en-US"/>
+          </a:p>
+        </p:txBody>
+      </p:sp>
     </p:spTree>
     <p:extLst>
       <p:ext uri="{BB962C8B-B14F-4D97-AF65-F5344CB8AC3E}">
@@ -26685,6 +27183,35 @@
               </a:buClr>
             </a:pPr>
             <a:endParaRPr lang="en-US" dirty="0"/>
+          </a:p>
+        </p:txBody>
+      </p:sp>
+      <p:sp>
+        <p:nvSpPr>
+          <p:cNvPr id="6" name="Slide Number Placeholder 5">
+            <a:extLst>
+              <a:ext uri="{FF2B5EF4-FFF2-40B4-BE49-F238E27FC236}">
+                <a16:creationId xmlns:a16="http://schemas.microsoft.com/office/drawing/2014/main" id="{4CE7BCC8-13C9-D27C-FEAF-9B04C2B28FFC}"/>
+              </a:ext>
+            </a:extLst>
+          </p:cNvPr>
+          <p:cNvSpPr>
+            <a:spLocks noGrp="1"/>
+          </p:cNvSpPr>
+          <p:nvPr>
+            <p:ph type="sldNum" sz="quarter" idx="12"/>
+          </p:nvPr>
+        </p:nvSpPr>
+        <p:spPr/>
+        <p:txBody>
+          <a:bodyPr/>
+          <a:lstStyle/>
+          <a:p>
+            <a:fld id="{BE15108C-154A-4A5A-9C05-91A49A422BA7}" type="slidenum">
+              <a:rPr lang="en-US" smtClean="0"/>
+              <a:t>14</a:t>
+            </a:fld>
+            <a:endParaRPr lang="en-US"/>
           </a:p>
         </p:txBody>
       </p:sp>
@@ -26815,6 +27342,35 @@
           </a:p>
         </p:txBody>
       </p:sp>
+      <p:sp>
+        <p:nvSpPr>
+          <p:cNvPr id="5" name="Slide Number Placeholder 4">
+            <a:extLst>
+              <a:ext uri="{FF2B5EF4-FFF2-40B4-BE49-F238E27FC236}">
+                <a16:creationId xmlns:a16="http://schemas.microsoft.com/office/drawing/2014/main" id="{A78E794E-324B-FA93-5191-F49E49EE345A}"/>
+              </a:ext>
+            </a:extLst>
+          </p:cNvPr>
+          <p:cNvSpPr>
+            <a:spLocks noGrp="1"/>
+          </p:cNvSpPr>
+          <p:nvPr>
+            <p:ph type="sldNum" sz="quarter" idx="12"/>
+          </p:nvPr>
+        </p:nvSpPr>
+        <p:spPr/>
+        <p:txBody>
+          <a:bodyPr/>
+          <a:lstStyle/>
+          <a:p>
+            <a:fld id="{BE15108C-154A-4A5A-9C05-91A49A422BA7}" type="slidenum">
+              <a:rPr lang="en-US" smtClean="0"/>
+              <a:t>15</a:t>
+            </a:fld>
+            <a:endParaRPr lang="en-US"/>
+          </a:p>
+        </p:txBody>
+      </p:sp>
     </p:spTree>
     <p:extLst>
       <p:ext uri="{BB962C8B-B14F-4D97-AF65-F5344CB8AC3E}">
@@ -27014,6 +27570,35 @@
               </a:buClr>
             </a:pPr>
             <a:endParaRPr lang="en-US" dirty="0"/>
+          </a:p>
+        </p:txBody>
+      </p:sp>
+      <p:sp>
+        <p:nvSpPr>
+          <p:cNvPr id="6" name="Slide Number Placeholder 5">
+            <a:extLst>
+              <a:ext uri="{FF2B5EF4-FFF2-40B4-BE49-F238E27FC236}">
+                <a16:creationId xmlns:a16="http://schemas.microsoft.com/office/drawing/2014/main" id="{F2EF44FB-CBCE-5877-F967-C49842818F68}"/>
+              </a:ext>
+            </a:extLst>
+          </p:cNvPr>
+          <p:cNvSpPr>
+            <a:spLocks noGrp="1"/>
+          </p:cNvSpPr>
+          <p:nvPr>
+            <p:ph type="sldNum" sz="quarter" idx="12"/>
+          </p:nvPr>
+        </p:nvSpPr>
+        <p:spPr/>
+        <p:txBody>
+          <a:bodyPr/>
+          <a:lstStyle/>
+          <a:p>
+            <a:fld id="{BE15108C-154A-4A5A-9C05-91A49A422BA7}" type="slidenum">
+              <a:rPr lang="en-US" smtClean="0"/>
+              <a:t>16</a:t>
+            </a:fld>
+            <a:endParaRPr lang="en-US"/>
           </a:p>
         </p:txBody>
       </p:sp>
@@ -27190,6 +27775,35 @@
           </a:p>
         </p:txBody>
       </p:sp>
+      <p:sp>
+        <p:nvSpPr>
+          <p:cNvPr id="5" name="Slide Number Placeholder 4">
+            <a:extLst>
+              <a:ext uri="{FF2B5EF4-FFF2-40B4-BE49-F238E27FC236}">
+                <a16:creationId xmlns:a16="http://schemas.microsoft.com/office/drawing/2014/main" id="{D9329BFC-2091-38EF-C281-0553D622AC36}"/>
+              </a:ext>
+            </a:extLst>
+          </p:cNvPr>
+          <p:cNvSpPr>
+            <a:spLocks noGrp="1"/>
+          </p:cNvSpPr>
+          <p:nvPr>
+            <p:ph type="sldNum" sz="quarter" idx="12"/>
+          </p:nvPr>
+        </p:nvSpPr>
+        <p:spPr/>
+        <p:txBody>
+          <a:bodyPr/>
+          <a:lstStyle/>
+          <a:p>
+            <a:fld id="{BE15108C-154A-4A5A-9C05-91A49A422BA7}" type="slidenum">
+              <a:rPr lang="en-US" smtClean="0"/>
+              <a:t>17</a:t>
+            </a:fld>
+            <a:endParaRPr lang="en-US"/>
+          </a:p>
+        </p:txBody>
+      </p:sp>
     </p:spTree>
     <p:extLst>
       <p:ext uri="{BB962C8B-B14F-4D97-AF65-F5344CB8AC3E}">
@@ -27350,6 +27964,35 @@
           </a:p>
         </p:txBody>
       </p:sp>
+      <p:sp>
+        <p:nvSpPr>
+          <p:cNvPr id="5" name="Slide Number Placeholder 4">
+            <a:extLst>
+              <a:ext uri="{FF2B5EF4-FFF2-40B4-BE49-F238E27FC236}">
+                <a16:creationId xmlns:a16="http://schemas.microsoft.com/office/drawing/2014/main" id="{1DAA1B37-F7AA-77B3-CA7D-18A978D810E1}"/>
+              </a:ext>
+            </a:extLst>
+          </p:cNvPr>
+          <p:cNvSpPr>
+            <a:spLocks noGrp="1"/>
+          </p:cNvSpPr>
+          <p:nvPr>
+            <p:ph type="sldNum" sz="quarter" idx="12"/>
+          </p:nvPr>
+        </p:nvSpPr>
+        <p:spPr/>
+        <p:txBody>
+          <a:bodyPr/>
+          <a:lstStyle/>
+          <a:p>
+            <a:fld id="{BE15108C-154A-4A5A-9C05-91A49A422BA7}" type="slidenum">
+              <a:rPr lang="en-US" smtClean="0"/>
+              <a:t>18</a:t>
+            </a:fld>
+            <a:endParaRPr lang="en-US"/>
+          </a:p>
+        </p:txBody>
+      </p:sp>
     </p:spTree>
     <p:extLst>
       <p:ext uri="{BB962C8B-B14F-4D97-AF65-F5344CB8AC3E}">
@@ -27452,6 +28095,35 @@
           </a:ln>
         </p:spPr>
       </p:pic>
+      <p:sp>
+        <p:nvSpPr>
+          <p:cNvPr id="5" name="Slide Number Placeholder 4">
+            <a:extLst>
+              <a:ext uri="{FF2B5EF4-FFF2-40B4-BE49-F238E27FC236}">
+                <a16:creationId xmlns:a16="http://schemas.microsoft.com/office/drawing/2014/main" id="{76D5F2C7-C44B-1553-F927-38CCD2657F34}"/>
+              </a:ext>
+            </a:extLst>
+          </p:cNvPr>
+          <p:cNvSpPr>
+            <a:spLocks noGrp="1"/>
+          </p:cNvSpPr>
+          <p:nvPr>
+            <p:ph type="sldNum" sz="quarter" idx="12"/>
+          </p:nvPr>
+        </p:nvSpPr>
+        <p:spPr/>
+        <p:txBody>
+          <a:bodyPr/>
+          <a:lstStyle/>
+          <a:p>
+            <a:fld id="{BE15108C-154A-4A5A-9C05-91A49A422BA7}" type="slidenum">
+              <a:rPr lang="en-US" smtClean="0"/>
+              <a:t>19</a:t>
+            </a:fld>
+            <a:endParaRPr lang="en-US"/>
+          </a:p>
+        </p:txBody>
+      </p:sp>
     </p:spTree>
     <p:extLst>
       <p:ext uri="{BB962C8B-B14F-4D97-AF65-F5344CB8AC3E}">
@@ -27648,6 +28320,35 @@
           </a:prstGeom>
         </p:spPr>
       </p:pic>
+      <p:sp>
+        <p:nvSpPr>
+          <p:cNvPr id="6" name="Slide Number Placeholder 5">
+            <a:extLst>
+              <a:ext uri="{FF2B5EF4-FFF2-40B4-BE49-F238E27FC236}">
+                <a16:creationId xmlns:a16="http://schemas.microsoft.com/office/drawing/2014/main" id="{BA42A742-F174-D6D7-2B6F-575226E884AF}"/>
+              </a:ext>
+            </a:extLst>
+          </p:cNvPr>
+          <p:cNvSpPr>
+            <a:spLocks noGrp="1"/>
+          </p:cNvSpPr>
+          <p:nvPr>
+            <p:ph type="sldNum" sz="quarter" idx="12"/>
+          </p:nvPr>
+        </p:nvSpPr>
+        <p:spPr/>
+        <p:txBody>
+          <a:bodyPr/>
+          <a:lstStyle/>
+          <a:p>
+            <a:fld id="{BE15108C-154A-4A5A-9C05-91A49A422BA7}" type="slidenum">
+              <a:rPr lang="en-US" smtClean="0"/>
+              <a:t>2</a:t>
+            </a:fld>
+            <a:endParaRPr lang="en-US"/>
+          </a:p>
+        </p:txBody>
+      </p:sp>
     </p:spTree>
     <p:extLst>
       <p:ext uri="{BB962C8B-B14F-4D97-AF65-F5344CB8AC3E}">
@@ -27842,6 +28543,35 @@
           </a:p>
         </p:txBody>
       </p:sp>
+      <p:sp>
+        <p:nvSpPr>
+          <p:cNvPr id="5" name="Slide Number Placeholder 4">
+            <a:extLst>
+              <a:ext uri="{FF2B5EF4-FFF2-40B4-BE49-F238E27FC236}">
+                <a16:creationId xmlns:a16="http://schemas.microsoft.com/office/drawing/2014/main" id="{92F8AA19-07E7-B073-B4AF-FB6D2C9883ED}"/>
+              </a:ext>
+            </a:extLst>
+          </p:cNvPr>
+          <p:cNvSpPr>
+            <a:spLocks noGrp="1"/>
+          </p:cNvSpPr>
+          <p:nvPr>
+            <p:ph type="sldNum" sz="quarter" idx="12"/>
+          </p:nvPr>
+        </p:nvSpPr>
+        <p:spPr/>
+        <p:txBody>
+          <a:bodyPr/>
+          <a:lstStyle/>
+          <a:p>
+            <a:fld id="{BE15108C-154A-4A5A-9C05-91A49A422BA7}" type="slidenum">
+              <a:rPr lang="en-US" smtClean="0"/>
+              <a:t>20</a:t>
+            </a:fld>
+            <a:endParaRPr lang="en-US"/>
+          </a:p>
+        </p:txBody>
+      </p:sp>
     </p:spTree>
     <p:extLst>
       <p:ext uri="{BB962C8B-B14F-4D97-AF65-F5344CB8AC3E}">
@@ -27916,7 +28646,12 @@
             <p:ph idx="1"/>
           </p:nvPr>
         </p:nvSpPr>
-        <p:spPr/>
+        <p:spPr>
+          <a:xfrm>
+            <a:off x="691079" y="2331253"/>
+            <a:ext cx="10325000" cy="3564436"/>
+          </a:xfrm>
+        </p:spPr>
         <p:txBody>
           <a:bodyPr vert="horz" lIns="91440" tIns="45720" rIns="91440" bIns="45720" rtlCol="0" anchor="t">
             <a:normAutofit fontScale="70000" lnSpcReduction="20000"/>
@@ -28119,6 +28854,35 @@
           </a:p>
         </p:txBody>
       </p:sp>
+      <p:sp>
+        <p:nvSpPr>
+          <p:cNvPr id="5" name="Slide Number Placeholder 4">
+            <a:extLst>
+              <a:ext uri="{FF2B5EF4-FFF2-40B4-BE49-F238E27FC236}">
+                <a16:creationId xmlns:a16="http://schemas.microsoft.com/office/drawing/2014/main" id="{DFAB2FAA-F98A-97EF-BEA4-9C6E0AD2FD29}"/>
+              </a:ext>
+            </a:extLst>
+          </p:cNvPr>
+          <p:cNvSpPr>
+            <a:spLocks noGrp="1"/>
+          </p:cNvSpPr>
+          <p:nvPr>
+            <p:ph type="sldNum" sz="quarter" idx="12"/>
+          </p:nvPr>
+        </p:nvSpPr>
+        <p:spPr/>
+        <p:txBody>
+          <a:bodyPr/>
+          <a:lstStyle/>
+          <a:p>
+            <a:fld id="{BE15108C-154A-4A5A-9C05-91A49A422BA7}" type="slidenum">
+              <a:rPr lang="en-US" smtClean="0"/>
+              <a:t>21</a:t>
+            </a:fld>
+            <a:endParaRPr lang="en-US"/>
+          </a:p>
+        </p:txBody>
+      </p:sp>
     </p:spTree>
     <p:extLst>
       <p:ext uri="{BB962C8B-B14F-4D97-AF65-F5344CB8AC3E}">
@@ -31867,6 +32631,35 @@
                 <a:schemeClr val="tx1"/>
               </a:solidFill>
             </a:endParaRPr>
+          </a:p>
+        </p:txBody>
+      </p:sp>
+      <p:sp>
+        <p:nvSpPr>
+          <p:cNvPr id="3" name="Slide Number Placeholder 2">
+            <a:extLst>
+              <a:ext uri="{FF2B5EF4-FFF2-40B4-BE49-F238E27FC236}">
+                <a16:creationId xmlns:a16="http://schemas.microsoft.com/office/drawing/2014/main" id="{F916C31B-4CE4-FCD9-139C-13B19AC90681}"/>
+              </a:ext>
+            </a:extLst>
+          </p:cNvPr>
+          <p:cNvSpPr>
+            <a:spLocks noGrp="1"/>
+          </p:cNvSpPr>
+          <p:nvPr>
+            <p:ph type="sldNum" sz="quarter" idx="12"/>
+          </p:nvPr>
+        </p:nvSpPr>
+        <p:spPr/>
+        <p:txBody>
+          <a:bodyPr/>
+          <a:lstStyle/>
+          <a:p>
+            <a:fld id="{BE15108C-154A-4A5A-9C05-91A49A422BA7}" type="slidenum">
+              <a:rPr lang="en-US" smtClean="0"/>
+              <a:t>22</a:t>
+            </a:fld>
+            <a:endParaRPr lang="en-US"/>
           </a:p>
         </p:txBody>
       </p:sp>
@@ -32061,6 +32854,35 @@
           </a:p>
         </p:txBody>
       </p:sp>
+      <p:sp>
+        <p:nvSpPr>
+          <p:cNvPr id="5" name="Slide Number Placeholder 4">
+            <a:extLst>
+              <a:ext uri="{FF2B5EF4-FFF2-40B4-BE49-F238E27FC236}">
+                <a16:creationId xmlns:a16="http://schemas.microsoft.com/office/drawing/2014/main" id="{8B44F9D6-BD8B-AF4B-47A4-7C5AC5B4B4DC}"/>
+              </a:ext>
+            </a:extLst>
+          </p:cNvPr>
+          <p:cNvSpPr>
+            <a:spLocks noGrp="1"/>
+          </p:cNvSpPr>
+          <p:nvPr>
+            <p:ph type="sldNum" sz="quarter" idx="12"/>
+          </p:nvPr>
+        </p:nvSpPr>
+        <p:spPr/>
+        <p:txBody>
+          <a:bodyPr/>
+          <a:lstStyle/>
+          <a:p>
+            <a:fld id="{BE15108C-154A-4A5A-9C05-91A49A422BA7}" type="slidenum">
+              <a:rPr lang="en-US" smtClean="0"/>
+              <a:t>3</a:t>
+            </a:fld>
+            <a:endParaRPr lang="en-US"/>
+          </a:p>
+        </p:txBody>
+      </p:sp>
     </p:spTree>
     <p:extLst>
       <p:ext uri="{BB962C8B-B14F-4D97-AF65-F5344CB8AC3E}">
@@ -32251,6 +33073,35 @@
           </a:ln>
         </p:spPr>
       </p:pic>
+      <p:sp>
+        <p:nvSpPr>
+          <p:cNvPr id="4" name="Slide Number Placeholder 3">
+            <a:extLst>
+              <a:ext uri="{FF2B5EF4-FFF2-40B4-BE49-F238E27FC236}">
+                <a16:creationId xmlns:a16="http://schemas.microsoft.com/office/drawing/2014/main" id="{87605624-0DAE-5C56-B880-B407B71BF3DA}"/>
+              </a:ext>
+            </a:extLst>
+          </p:cNvPr>
+          <p:cNvSpPr>
+            <a:spLocks noGrp="1"/>
+          </p:cNvSpPr>
+          <p:nvPr>
+            <p:ph type="sldNum" sz="quarter" idx="12"/>
+          </p:nvPr>
+        </p:nvSpPr>
+        <p:spPr/>
+        <p:txBody>
+          <a:bodyPr/>
+          <a:lstStyle/>
+          <a:p>
+            <a:fld id="{BE15108C-154A-4A5A-9C05-91A49A422BA7}" type="slidenum">
+              <a:rPr lang="en-US" smtClean="0"/>
+              <a:t>4</a:t>
+            </a:fld>
+            <a:endParaRPr lang="en-US"/>
+          </a:p>
+        </p:txBody>
+      </p:sp>
     </p:spTree>
     <p:extLst>
       <p:ext uri="{BB962C8B-B14F-4D97-AF65-F5344CB8AC3E}">
@@ -32431,6 +33282,35 @@
           </a:p>
         </p:txBody>
       </p:sp>
+      <p:sp>
+        <p:nvSpPr>
+          <p:cNvPr id="5" name="Slide Number Placeholder 4">
+            <a:extLst>
+              <a:ext uri="{FF2B5EF4-FFF2-40B4-BE49-F238E27FC236}">
+                <a16:creationId xmlns:a16="http://schemas.microsoft.com/office/drawing/2014/main" id="{54880CF5-5FF1-E06C-88C0-FB0F42A35841}"/>
+              </a:ext>
+            </a:extLst>
+          </p:cNvPr>
+          <p:cNvSpPr>
+            <a:spLocks noGrp="1"/>
+          </p:cNvSpPr>
+          <p:nvPr>
+            <p:ph type="sldNum" sz="quarter" idx="12"/>
+          </p:nvPr>
+        </p:nvSpPr>
+        <p:spPr/>
+        <p:txBody>
+          <a:bodyPr/>
+          <a:lstStyle/>
+          <a:p>
+            <a:fld id="{BE15108C-154A-4A5A-9C05-91A49A422BA7}" type="slidenum">
+              <a:rPr lang="en-US" smtClean="0"/>
+              <a:t>5</a:t>
+            </a:fld>
+            <a:endParaRPr lang="en-US"/>
+          </a:p>
+        </p:txBody>
+      </p:sp>
     </p:spTree>
     <p:extLst>
       <p:ext uri="{BB962C8B-B14F-4D97-AF65-F5344CB8AC3E}">
@@ -32533,6 +33413,35 @@
           </a:ln>
         </p:spPr>
       </p:pic>
+      <p:sp>
+        <p:nvSpPr>
+          <p:cNvPr id="4" name="Slide Number Placeholder 3">
+            <a:extLst>
+              <a:ext uri="{FF2B5EF4-FFF2-40B4-BE49-F238E27FC236}">
+                <a16:creationId xmlns:a16="http://schemas.microsoft.com/office/drawing/2014/main" id="{F8436A00-DDF4-539A-B244-03B8F52F728D}"/>
+              </a:ext>
+            </a:extLst>
+          </p:cNvPr>
+          <p:cNvSpPr>
+            <a:spLocks noGrp="1"/>
+          </p:cNvSpPr>
+          <p:nvPr>
+            <p:ph type="sldNum" sz="quarter" idx="12"/>
+          </p:nvPr>
+        </p:nvSpPr>
+        <p:spPr/>
+        <p:txBody>
+          <a:bodyPr/>
+          <a:lstStyle/>
+          <a:p>
+            <a:fld id="{BE15108C-154A-4A5A-9C05-91A49A422BA7}" type="slidenum">
+              <a:rPr lang="en-US" smtClean="0"/>
+              <a:t>6</a:t>
+            </a:fld>
+            <a:endParaRPr lang="en-US"/>
+          </a:p>
+        </p:txBody>
+      </p:sp>
     </p:spTree>
     <p:extLst>
       <p:ext uri="{BB962C8B-B14F-4D97-AF65-F5344CB8AC3E}">
@@ -36317,6 +37226,35 @@
           </a:prstGeom>
         </p:spPr>
       </p:pic>
+      <p:sp>
+        <p:nvSpPr>
+          <p:cNvPr id="8" name="Slide Number Placeholder 7">
+            <a:extLst>
+              <a:ext uri="{FF2B5EF4-FFF2-40B4-BE49-F238E27FC236}">
+                <a16:creationId xmlns:a16="http://schemas.microsoft.com/office/drawing/2014/main" id="{D1772647-6552-8281-C91C-5BC56664B311}"/>
+              </a:ext>
+            </a:extLst>
+          </p:cNvPr>
+          <p:cNvSpPr>
+            <a:spLocks noGrp="1"/>
+          </p:cNvSpPr>
+          <p:nvPr>
+            <p:ph type="sldNum" sz="quarter" idx="12"/>
+          </p:nvPr>
+        </p:nvSpPr>
+        <p:spPr/>
+        <p:txBody>
+          <a:bodyPr/>
+          <a:lstStyle/>
+          <a:p>
+            <a:fld id="{BE15108C-154A-4A5A-9C05-91A49A422BA7}" type="slidenum">
+              <a:rPr lang="en-US" smtClean="0"/>
+              <a:t>7</a:t>
+            </a:fld>
+            <a:endParaRPr lang="en-US"/>
+          </a:p>
+        </p:txBody>
+      </p:sp>
     </p:spTree>
     <p:extLst>
       <p:ext uri="{BB962C8B-B14F-4D97-AF65-F5344CB8AC3E}">
@@ -40176,6 +41114,35 @@
           </a:ln>
         </p:spPr>
       </p:pic>
+      <p:sp>
+        <p:nvSpPr>
+          <p:cNvPr id="6" name="Slide Number Placeholder 5">
+            <a:extLst>
+              <a:ext uri="{FF2B5EF4-FFF2-40B4-BE49-F238E27FC236}">
+                <a16:creationId xmlns:a16="http://schemas.microsoft.com/office/drawing/2014/main" id="{671A1521-7D0E-8E6A-8FAA-241C088CE5D2}"/>
+              </a:ext>
+            </a:extLst>
+          </p:cNvPr>
+          <p:cNvSpPr>
+            <a:spLocks noGrp="1"/>
+          </p:cNvSpPr>
+          <p:nvPr>
+            <p:ph type="sldNum" sz="quarter" idx="12"/>
+          </p:nvPr>
+        </p:nvSpPr>
+        <p:spPr/>
+        <p:txBody>
+          <a:bodyPr/>
+          <a:lstStyle/>
+          <a:p>
+            <a:fld id="{BE15108C-154A-4A5A-9C05-91A49A422BA7}" type="slidenum">
+              <a:rPr lang="en-US" smtClean="0"/>
+              <a:t>8</a:t>
+            </a:fld>
+            <a:endParaRPr lang="en-US"/>
+          </a:p>
+        </p:txBody>
+      </p:sp>
     </p:spTree>
     <p:extLst>
       <p:ext uri="{BB962C8B-B14F-4D97-AF65-F5344CB8AC3E}">
@@ -44058,6 +45025,35 @@
           </a:ln>
         </p:spPr>
       </p:pic>
+      <p:sp>
+        <p:nvSpPr>
+          <p:cNvPr id="6" name="Slide Number Placeholder 5">
+            <a:extLst>
+              <a:ext uri="{FF2B5EF4-FFF2-40B4-BE49-F238E27FC236}">
+                <a16:creationId xmlns:a16="http://schemas.microsoft.com/office/drawing/2014/main" id="{733C84F9-69C3-10AC-913F-FAD2FA408952}"/>
+              </a:ext>
+            </a:extLst>
+          </p:cNvPr>
+          <p:cNvSpPr>
+            <a:spLocks noGrp="1"/>
+          </p:cNvSpPr>
+          <p:nvPr>
+            <p:ph type="sldNum" sz="quarter" idx="12"/>
+          </p:nvPr>
+        </p:nvSpPr>
+        <p:spPr/>
+        <p:txBody>
+          <a:bodyPr/>
+          <a:lstStyle/>
+          <a:p>
+            <a:fld id="{BE15108C-154A-4A5A-9C05-91A49A422BA7}" type="slidenum">
+              <a:rPr lang="en-US" smtClean="0"/>
+              <a:t>9</a:t>
+            </a:fld>
+            <a:endParaRPr lang="en-US"/>
+          </a:p>
+        </p:txBody>
+      </p:sp>
     </p:spTree>
     <p:extLst>
       <p:ext uri="{BB962C8B-B14F-4D97-AF65-F5344CB8AC3E}">
@@ -44270,4 +45266,299 @@
     </a:ext>
   </a:extLst>
 </a:theme>
+</file>
+
+<file path=ppt/theme/theme2.xml><?xml version="1.0" encoding="utf-8"?>
+<a:theme xmlns:a="http://schemas.openxmlformats.org/drawingml/2006/main" name="Office Theme">
+  <a:themeElements>
+    <a:clrScheme name="Office">
+      <a:dk1>
+        <a:sysClr val="windowText" lastClr="000000"/>
+      </a:dk1>
+      <a:lt1>
+        <a:sysClr val="window" lastClr="FFFFFF"/>
+      </a:lt1>
+      <a:dk2>
+        <a:srgbClr val="44546A"/>
+      </a:dk2>
+      <a:lt2>
+        <a:srgbClr val="E7E6E6"/>
+      </a:lt2>
+      <a:accent1>
+        <a:srgbClr val="4472C4"/>
+      </a:accent1>
+      <a:accent2>
+        <a:srgbClr val="ED7D31"/>
+      </a:accent2>
+      <a:accent3>
+        <a:srgbClr val="A5A5A5"/>
+      </a:accent3>
+      <a:accent4>
+        <a:srgbClr val="FFC000"/>
+      </a:accent4>
+      <a:accent5>
+        <a:srgbClr val="5B9BD5"/>
+      </a:accent5>
+      <a:accent6>
+        <a:srgbClr val="70AD47"/>
+      </a:accent6>
+      <a:hlink>
+        <a:srgbClr val="0563C1"/>
+      </a:hlink>
+      <a:folHlink>
+        <a:srgbClr val="954F72"/>
+      </a:folHlink>
+    </a:clrScheme>
+    <a:fontScheme name="Office">
+      <a:majorFont>
+        <a:latin typeface="Calibri Light" panose="020F0302020204030204"/>
+        <a:ea typeface=""/>
+        <a:cs typeface=""/>
+        <a:font script="Jpan" typeface="游ゴシック Light"/>
+        <a:font script="Hang" typeface="맑은 고딕"/>
+        <a:font script="Hans" typeface="等线 Light"/>
+        <a:font script="Hant" typeface="新細明體"/>
+        <a:font script="Arab" typeface="Times New Roman"/>
+        <a:font script="Hebr" typeface="Times New Roman"/>
+        <a:font script="Thai" typeface="Angsana New"/>
+        <a:font script="Ethi" typeface="Nyala"/>
+        <a:font script="Beng" typeface="Vrinda"/>
+        <a:font script="Gujr" typeface="Shruti"/>
+        <a:font script="Khmr" typeface="MoolBoran"/>
+        <a:font script="Knda" typeface="Tunga"/>
+        <a:font script="Guru" typeface="Raavi"/>
+        <a:font script="Cans" typeface="Euphemia"/>
+        <a:font script="Cher" typeface="Plantagenet Cherokee"/>
+        <a:font script="Yiii" typeface="Microsoft Yi Baiti"/>
+        <a:font script="Tibt" typeface="Microsoft Himalaya"/>
+        <a:font script="Thaa" typeface="MV Boli"/>
+        <a:font script="Deva" typeface="Mangal"/>
+        <a:font script="Telu" typeface="Gautami"/>
+        <a:font script="Taml" typeface="Latha"/>
+        <a:font script="Syrc" typeface="Estrangelo Edessa"/>
+        <a:font script="Orya" typeface="Kalinga"/>
+        <a:font script="Mlym" typeface="Kartika"/>
+        <a:font script="Laoo" typeface="DokChampa"/>
+        <a:font script="Sinh" typeface="Iskoola Pota"/>
+        <a:font script="Mong" typeface="Mongolian Baiti"/>
+        <a:font script="Viet" typeface="Times New Roman"/>
+        <a:font script="Uigh" typeface="Microsoft Uighur"/>
+        <a:font script="Geor" typeface="Sylfaen"/>
+        <a:font script="Armn" typeface="Arial"/>
+        <a:font script="Bugi" typeface="Leelawadee UI"/>
+        <a:font script="Bopo" typeface="Microsoft JhengHei"/>
+        <a:font script="Java" typeface="Javanese Text"/>
+        <a:font script="Lisu" typeface="Segoe UI"/>
+        <a:font script="Mymr" typeface="Myanmar Text"/>
+        <a:font script="Nkoo" typeface="Ebrima"/>
+        <a:font script="Olck" typeface="Nirmala UI"/>
+        <a:font script="Osma" typeface="Ebrima"/>
+        <a:font script="Phag" typeface="Phagspa"/>
+        <a:font script="Syrn" typeface="Estrangelo Edessa"/>
+        <a:font script="Syrj" typeface="Estrangelo Edessa"/>
+        <a:font script="Syre" typeface="Estrangelo Edessa"/>
+        <a:font script="Sora" typeface="Nirmala UI"/>
+        <a:font script="Tale" typeface="Microsoft Tai Le"/>
+        <a:font script="Talu" typeface="Microsoft New Tai Lue"/>
+        <a:font script="Tfng" typeface="Ebrima"/>
+      </a:majorFont>
+      <a:minorFont>
+        <a:latin typeface="Calibri" panose="020F0502020204030204"/>
+        <a:ea typeface=""/>
+        <a:cs typeface=""/>
+        <a:font script="Jpan" typeface="游ゴシック"/>
+        <a:font script="Hang" typeface="맑은 고딕"/>
+        <a:font script="Hans" typeface="等线"/>
+        <a:font script="Hant" typeface="新細明體"/>
+        <a:font script="Arab" typeface="Arial"/>
+        <a:font script="Hebr" typeface="Arial"/>
+        <a:font script="Thai" typeface="Cordia New"/>
+        <a:font script="Ethi" typeface="Nyala"/>
+        <a:font script="Beng" typeface="Vrinda"/>
+        <a:font script="Gujr" typeface="Shruti"/>
+        <a:font script="Khmr" typeface="DaunPenh"/>
+        <a:font script="Knda" typeface="Tunga"/>
+        <a:font script="Guru" typeface="Raavi"/>
+        <a:font script="Cans" typeface="Euphemia"/>
+        <a:font script="Cher" typeface="Plantagenet Cherokee"/>
+        <a:font script="Yiii" typeface="Microsoft Yi Baiti"/>
+        <a:font script="Tibt" typeface="Microsoft Himalaya"/>
+        <a:font script="Thaa" typeface="MV Boli"/>
+        <a:font script="Deva" typeface="Mangal"/>
+        <a:font script="Telu" typeface="Gautami"/>
+        <a:font script="Taml" typeface="Latha"/>
+        <a:font script="Syrc" typeface="Estrangelo Edessa"/>
+        <a:font script="Orya" typeface="Kalinga"/>
+        <a:font script="Mlym" typeface="Kartika"/>
+        <a:font script="Laoo" typeface="DokChampa"/>
+        <a:font script="Sinh" typeface="Iskoola Pota"/>
+        <a:font script="Mong" typeface="Mongolian Baiti"/>
+        <a:font script="Viet" typeface="Arial"/>
+        <a:font script="Uigh" typeface="Microsoft Uighur"/>
+        <a:font script="Geor" typeface="Sylfaen"/>
+        <a:font script="Armn" typeface="Arial"/>
+        <a:font script="Bugi" typeface="Leelawadee UI"/>
+        <a:font script="Bopo" typeface="Microsoft JhengHei"/>
+        <a:font script="Java" typeface="Javanese Text"/>
+        <a:font script="Lisu" typeface="Segoe UI"/>
+        <a:font script="Mymr" typeface="Myanmar Text"/>
+        <a:font script="Nkoo" typeface="Ebrima"/>
+        <a:font script="Olck" typeface="Nirmala UI"/>
+        <a:font script="Osma" typeface="Ebrima"/>
+        <a:font script="Phag" typeface="Phagspa"/>
+        <a:font script="Syrn" typeface="Estrangelo Edessa"/>
+        <a:font script="Syrj" typeface="Estrangelo Edessa"/>
+        <a:font script="Syre" typeface="Estrangelo Edessa"/>
+        <a:font script="Sora" typeface="Nirmala UI"/>
+        <a:font script="Tale" typeface="Microsoft Tai Le"/>
+        <a:font script="Talu" typeface="Microsoft New Tai Lue"/>
+        <a:font script="Tfng" typeface="Ebrima"/>
+      </a:minorFont>
+    </a:fontScheme>
+    <a:fmtScheme name="Office">
+      <a:fillStyleLst>
+        <a:solidFill>
+          <a:schemeClr val="phClr"/>
+        </a:solidFill>
+        <a:gradFill rotWithShape="1">
+          <a:gsLst>
+            <a:gs pos="0">
+              <a:schemeClr val="phClr">
+                <a:lumMod val="110000"/>
+                <a:satMod val="105000"/>
+                <a:tint val="67000"/>
+              </a:schemeClr>
+            </a:gs>
+            <a:gs pos="50000">
+              <a:schemeClr val="phClr">
+                <a:lumMod val="105000"/>
+                <a:satMod val="103000"/>
+                <a:tint val="73000"/>
+              </a:schemeClr>
+            </a:gs>
+            <a:gs pos="100000">
+              <a:schemeClr val="phClr">
+                <a:lumMod val="105000"/>
+                <a:satMod val="109000"/>
+                <a:tint val="81000"/>
+              </a:schemeClr>
+            </a:gs>
+          </a:gsLst>
+          <a:lin ang="5400000" scaled="0"/>
+        </a:gradFill>
+        <a:gradFill rotWithShape="1">
+          <a:gsLst>
+            <a:gs pos="0">
+              <a:schemeClr val="phClr">
+                <a:satMod val="103000"/>
+                <a:lumMod val="102000"/>
+                <a:tint val="94000"/>
+              </a:schemeClr>
+            </a:gs>
+            <a:gs pos="50000">
+              <a:schemeClr val="phClr">
+                <a:satMod val="110000"/>
+                <a:lumMod val="100000"/>
+                <a:shade val="100000"/>
+              </a:schemeClr>
+            </a:gs>
+            <a:gs pos="100000">
+              <a:schemeClr val="phClr">
+                <a:lumMod val="99000"/>
+                <a:satMod val="120000"/>
+                <a:shade val="78000"/>
+              </a:schemeClr>
+            </a:gs>
+          </a:gsLst>
+          <a:lin ang="5400000" scaled="0"/>
+        </a:gradFill>
+      </a:fillStyleLst>
+      <a:lnStyleLst>
+        <a:ln w="6350" cap="flat" cmpd="sng" algn="ctr">
+          <a:solidFill>
+            <a:schemeClr val="phClr"/>
+          </a:solidFill>
+          <a:prstDash val="solid"/>
+          <a:miter lim="800000"/>
+        </a:ln>
+        <a:ln w="12700" cap="flat" cmpd="sng" algn="ctr">
+          <a:solidFill>
+            <a:schemeClr val="phClr"/>
+          </a:solidFill>
+          <a:prstDash val="solid"/>
+          <a:miter lim="800000"/>
+        </a:ln>
+        <a:ln w="19050" cap="flat" cmpd="sng" algn="ctr">
+          <a:solidFill>
+            <a:schemeClr val="phClr"/>
+          </a:solidFill>
+          <a:prstDash val="solid"/>
+          <a:miter lim="800000"/>
+        </a:ln>
+      </a:lnStyleLst>
+      <a:effectStyleLst>
+        <a:effectStyle>
+          <a:effectLst/>
+        </a:effectStyle>
+        <a:effectStyle>
+          <a:effectLst/>
+        </a:effectStyle>
+        <a:effectStyle>
+          <a:effectLst>
+            <a:outerShdw blurRad="57150" dist="19050" dir="5400000" algn="ctr" rotWithShape="0">
+              <a:srgbClr val="000000">
+                <a:alpha val="63000"/>
+              </a:srgbClr>
+            </a:outerShdw>
+          </a:effectLst>
+        </a:effectStyle>
+      </a:effectStyleLst>
+      <a:bgFillStyleLst>
+        <a:solidFill>
+          <a:schemeClr val="phClr"/>
+        </a:solidFill>
+        <a:solidFill>
+          <a:schemeClr val="phClr">
+            <a:tint val="95000"/>
+            <a:satMod val="170000"/>
+          </a:schemeClr>
+        </a:solidFill>
+        <a:gradFill rotWithShape="1">
+          <a:gsLst>
+            <a:gs pos="0">
+              <a:schemeClr val="phClr">
+                <a:tint val="93000"/>
+                <a:satMod val="150000"/>
+                <a:shade val="98000"/>
+                <a:lumMod val="102000"/>
+              </a:schemeClr>
+            </a:gs>
+            <a:gs pos="50000">
+              <a:schemeClr val="phClr">
+                <a:tint val="98000"/>
+                <a:satMod val="130000"/>
+                <a:shade val="90000"/>
+                <a:lumMod val="103000"/>
+              </a:schemeClr>
+            </a:gs>
+            <a:gs pos="100000">
+              <a:schemeClr val="phClr">
+                <a:shade val="63000"/>
+                <a:satMod val="120000"/>
+              </a:schemeClr>
+            </a:gs>
+          </a:gsLst>
+          <a:lin ang="5400000" scaled="0"/>
+        </a:gradFill>
+      </a:bgFillStyleLst>
+    </a:fmtScheme>
+  </a:themeElements>
+  <a:objectDefaults/>
+  <a:extraClrSchemeLst/>
+  <a:extLst>
+    <a:ext uri="{05A4C25C-085E-4340-85A3-A5531E510DB2}">
+      <thm15:themeFamily xmlns:thm15="http://schemas.microsoft.com/office/thememl/2012/main" name="Office Theme" id="{62F939B6-93AF-4DB8-9C6B-D6C7DFDC589F}" vid="{4A3C46E8-61CC-4603-A589-7422A47A8E4A}"/>
+    </a:ext>
+  </a:extLst>
+</a:theme>
 </file>